--- a/slide_master.pptx
+++ b/slide_master.pptx
@@ -258,7 +258,7 @@
           <a:p>
             <a:fld id="{536FDD0A-57AF-4A80-93F2-40827A609B2E}" type="datetimeFigureOut">
               <a:rPr lang="en-ID" smtClean="0"/>
-              <a:t>06/07/2023</a:t>
+              <a:t>09/10/2023</a:t>
             </a:fld>
             <a:endParaRPr lang="en-ID"/>
           </a:p>
@@ -332,6 +332,295 @@
 </file>
 
 <file path=ppt/slideLayouts/slideLayout10.xml><?xml version="1.0" encoding="utf-8"?>
+<p:sldLayout xmlns:a="http://schemas.openxmlformats.org/drawingml/2006/main" xmlns:r="http://schemas.openxmlformats.org/officeDocument/2006/relationships" xmlns:p="http://schemas.openxmlformats.org/presentationml/2006/main" type="picTx" preserve="1">
+  <p:cSld name="Picture with Caption">
+    <p:spTree>
+      <p:nvGrpSpPr>
+        <p:cNvPr id="1" name=""/>
+        <p:cNvGrpSpPr/>
+        <p:nvPr/>
+      </p:nvGrpSpPr>
+      <p:grpSpPr>
+        <a:xfrm>
+          <a:off x="0" y="0"/>
+          <a:ext cx="0" cy="0"/>
+          <a:chOff x="0" y="0"/>
+          <a:chExt cx="0" cy="0"/>
+        </a:xfrm>
+      </p:grpSpPr>
+      <p:sp>
+        <p:nvSpPr>
+          <p:cNvPr id="2" name="Title 1">
+            <a:extLst>
+              <a:ext uri="{FF2B5EF4-FFF2-40B4-BE49-F238E27FC236}">
+                <a16:creationId xmlns:a16="http://schemas.microsoft.com/office/drawing/2014/main" id="{32FF1A92-8C67-4436-B30F-9E24568E1962}"/>
+              </a:ext>
+            </a:extLst>
+          </p:cNvPr>
+          <p:cNvSpPr>
+            <a:spLocks noGrp="1"/>
+          </p:cNvSpPr>
+          <p:nvPr>
+            <p:ph type="title"/>
+          </p:nvPr>
+        </p:nvSpPr>
+        <p:spPr>
+          <a:xfrm>
+            <a:off x="839788" y="457200"/>
+            <a:ext cx="3932237" cy="1600200"/>
+          </a:xfrm>
+        </p:spPr>
+        <p:txBody>
+          <a:bodyPr anchor="b"/>
+          <a:lstStyle>
+            <a:lvl1pPr>
+              <a:defRPr sz="3200"/>
+            </a:lvl1pPr>
+          </a:lstStyle>
+          <a:p>
+            <a:r>
+              <a:rPr lang="en-US"/>
+              <a:t>Click to edit Master title style</a:t>
+            </a:r>
+            <a:endParaRPr lang="en-ID"/>
+          </a:p>
+        </p:txBody>
+      </p:sp>
+      <p:sp>
+        <p:nvSpPr>
+          <p:cNvPr id="3" name="Picture Placeholder 2">
+            <a:extLst>
+              <a:ext uri="{FF2B5EF4-FFF2-40B4-BE49-F238E27FC236}">
+                <a16:creationId xmlns:a16="http://schemas.microsoft.com/office/drawing/2014/main" id="{ED5098DD-675B-4C15-BFFC-CFBF210EADA8}"/>
+              </a:ext>
+            </a:extLst>
+          </p:cNvPr>
+          <p:cNvSpPr>
+            <a:spLocks noGrp="1"/>
+          </p:cNvSpPr>
+          <p:nvPr>
+            <p:ph type="pic" idx="1"/>
+          </p:nvPr>
+        </p:nvSpPr>
+        <p:spPr>
+          <a:xfrm>
+            <a:off x="5183188" y="987425"/>
+            <a:ext cx="6172200" cy="4873625"/>
+          </a:xfrm>
+        </p:spPr>
+        <p:txBody>
+          <a:bodyPr/>
+          <a:lstStyle>
+            <a:lvl1pPr marL="0" indent="0">
+              <a:buNone/>
+              <a:defRPr sz="3200"/>
+            </a:lvl1pPr>
+            <a:lvl2pPr marL="457200" indent="0">
+              <a:buNone/>
+              <a:defRPr sz="2800"/>
+            </a:lvl2pPr>
+            <a:lvl3pPr marL="914400" indent="0">
+              <a:buNone/>
+              <a:defRPr sz="2400"/>
+            </a:lvl3pPr>
+            <a:lvl4pPr marL="1371600" indent="0">
+              <a:buNone/>
+              <a:defRPr sz="2000"/>
+            </a:lvl4pPr>
+            <a:lvl5pPr marL="1828800" indent="0">
+              <a:buNone/>
+              <a:defRPr sz="2000"/>
+            </a:lvl5pPr>
+            <a:lvl6pPr marL="2286000" indent="0">
+              <a:buNone/>
+              <a:defRPr sz="2000"/>
+            </a:lvl6pPr>
+            <a:lvl7pPr marL="2743200" indent="0">
+              <a:buNone/>
+              <a:defRPr sz="2000"/>
+            </a:lvl7pPr>
+            <a:lvl8pPr marL="3200400" indent="0">
+              <a:buNone/>
+              <a:defRPr sz="2000"/>
+            </a:lvl8pPr>
+            <a:lvl9pPr marL="3657600" indent="0">
+              <a:buNone/>
+              <a:defRPr sz="2000"/>
+            </a:lvl9pPr>
+          </a:lstStyle>
+          <a:p>
+            <a:endParaRPr lang="en-ID"/>
+          </a:p>
+        </p:txBody>
+      </p:sp>
+      <p:sp>
+        <p:nvSpPr>
+          <p:cNvPr id="4" name="Text Placeholder 3">
+            <a:extLst>
+              <a:ext uri="{FF2B5EF4-FFF2-40B4-BE49-F238E27FC236}">
+                <a16:creationId xmlns:a16="http://schemas.microsoft.com/office/drawing/2014/main" id="{7DA7A1D6-6018-412D-81F6-37EB69585B17}"/>
+              </a:ext>
+            </a:extLst>
+          </p:cNvPr>
+          <p:cNvSpPr>
+            <a:spLocks noGrp="1"/>
+          </p:cNvSpPr>
+          <p:nvPr>
+            <p:ph type="body" sz="half" idx="2"/>
+          </p:nvPr>
+        </p:nvSpPr>
+        <p:spPr>
+          <a:xfrm>
+            <a:off x="839788" y="2057400"/>
+            <a:ext cx="3932237" cy="3811588"/>
+          </a:xfrm>
+        </p:spPr>
+        <p:txBody>
+          <a:bodyPr/>
+          <a:lstStyle>
+            <a:lvl1pPr marL="0" indent="0">
+              <a:buNone/>
+              <a:defRPr sz="1600"/>
+            </a:lvl1pPr>
+            <a:lvl2pPr marL="457200" indent="0">
+              <a:buNone/>
+              <a:defRPr sz="1400"/>
+            </a:lvl2pPr>
+            <a:lvl3pPr marL="914400" indent="0">
+              <a:buNone/>
+              <a:defRPr sz="1200"/>
+            </a:lvl3pPr>
+            <a:lvl4pPr marL="1371600" indent="0">
+              <a:buNone/>
+              <a:defRPr sz="1000"/>
+            </a:lvl4pPr>
+            <a:lvl5pPr marL="1828800" indent="0">
+              <a:buNone/>
+              <a:defRPr sz="1000"/>
+            </a:lvl5pPr>
+            <a:lvl6pPr marL="2286000" indent="0">
+              <a:buNone/>
+              <a:defRPr sz="1000"/>
+            </a:lvl6pPr>
+            <a:lvl7pPr marL="2743200" indent="0">
+              <a:buNone/>
+              <a:defRPr sz="1000"/>
+            </a:lvl7pPr>
+            <a:lvl8pPr marL="3200400" indent="0">
+              <a:buNone/>
+              <a:defRPr sz="1000"/>
+            </a:lvl8pPr>
+            <a:lvl9pPr marL="3657600" indent="0">
+              <a:buNone/>
+              <a:defRPr sz="1000"/>
+            </a:lvl9pPr>
+          </a:lstStyle>
+          <a:p>
+            <a:pPr lvl="0"/>
+            <a:r>
+              <a:rPr lang="en-US"/>
+              <a:t>Edit Master text styles</a:t>
+            </a:r>
+          </a:p>
+        </p:txBody>
+      </p:sp>
+      <p:sp>
+        <p:nvSpPr>
+          <p:cNvPr id="5" name="Date Placeholder 4">
+            <a:extLst>
+              <a:ext uri="{FF2B5EF4-FFF2-40B4-BE49-F238E27FC236}">
+                <a16:creationId xmlns:a16="http://schemas.microsoft.com/office/drawing/2014/main" id="{82B142C2-C2A8-4383-B837-5C8B8294795D}"/>
+              </a:ext>
+            </a:extLst>
+          </p:cNvPr>
+          <p:cNvSpPr>
+            <a:spLocks noGrp="1"/>
+          </p:cNvSpPr>
+          <p:nvPr>
+            <p:ph type="dt" sz="half" idx="10"/>
+          </p:nvPr>
+        </p:nvSpPr>
+        <p:spPr/>
+        <p:txBody>
+          <a:bodyPr/>
+          <a:lstStyle/>
+          <a:p>
+            <a:fld id="{536FDD0A-57AF-4A80-93F2-40827A609B2E}" type="datetimeFigureOut">
+              <a:rPr lang="en-ID" smtClean="0"/>
+              <a:t>09/10/2023</a:t>
+            </a:fld>
+            <a:endParaRPr lang="en-ID"/>
+          </a:p>
+        </p:txBody>
+      </p:sp>
+      <p:sp>
+        <p:nvSpPr>
+          <p:cNvPr id="6" name="Footer Placeholder 5">
+            <a:extLst>
+              <a:ext uri="{FF2B5EF4-FFF2-40B4-BE49-F238E27FC236}">
+                <a16:creationId xmlns:a16="http://schemas.microsoft.com/office/drawing/2014/main" id="{91946F19-D84F-46A8-9013-C6086CC1198A}"/>
+              </a:ext>
+            </a:extLst>
+          </p:cNvPr>
+          <p:cNvSpPr>
+            <a:spLocks noGrp="1"/>
+          </p:cNvSpPr>
+          <p:nvPr>
+            <p:ph type="ftr" sz="quarter" idx="11"/>
+          </p:nvPr>
+        </p:nvSpPr>
+        <p:spPr/>
+        <p:txBody>
+          <a:bodyPr/>
+          <a:lstStyle/>
+          <a:p>
+            <a:endParaRPr lang="en-ID"/>
+          </a:p>
+        </p:txBody>
+      </p:sp>
+      <p:sp>
+        <p:nvSpPr>
+          <p:cNvPr id="7" name="Slide Number Placeholder 6">
+            <a:extLst>
+              <a:ext uri="{FF2B5EF4-FFF2-40B4-BE49-F238E27FC236}">
+                <a16:creationId xmlns:a16="http://schemas.microsoft.com/office/drawing/2014/main" id="{C6A38B5C-EEA5-4C86-AA5C-3BBB6B84AB46}"/>
+              </a:ext>
+            </a:extLst>
+          </p:cNvPr>
+          <p:cNvSpPr>
+            <a:spLocks noGrp="1"/>
+          </p:cNvSpPr>
+          <p:nvPr>
+            <p:ph type="sldNum" sz="quarter" idx="12"/>
+          </p:nvPr>
+        </p:nvSpPr>
+        <p:spPr/>
+        <p:txBody>
+          <a:bodyPr/>
+          <a:lstStyle/>
+          <a:p>
+            <a:fld id="{6FE961E3-02E5-4DEB-BA10-874BF8C0F7CA}" type="slidenum">
+              <a:rPr lang="en-ID" smtClean="0"/>
+              <a:t>‹#›</a:t>
+            </a:fld>
+            <a:endParaRPr lang="en-ID"/>
+          </a:p>
+        </p:txBody>
+      </p:sp>
+    </p:spTree>
+    <p:extLst>
+      <p:ext uri="{BB962C8B-B14F-4D97-AF65-F5344CB8AC3E}">
+        <p14:creationId xmlns:p14="http://schemas.microsoft.com/office/powerpoint/2010/main" val="3807042545"/>
+      </p:ext>
+    </p:extLst>
+  </p:cSld>
+  <p:clrMapOvr>
+    <a:masterClrMapping/>
+  </p:clrMapOvr>
+</p:sldLayout>
+</file>
+
+<file path=ppt/slideLayouts/slideLayout11.xml><?xml version="1.0" encoding="utf-8"?>
 <p:sldLayout xmlns:a="http://schemas.openxmlformats.org/drawingml/2006/main" xmlns:r="http://schemas.openxmlformats.org/officeDocument/2006/relationships" xmlns:p="http://schemas.openxmlformats.org/presentationml/2006/main" type="vertTx" preserve="1">
   <p:cSld name="Title and Vertical Text">
     <p:spTree>
@@ -458,7 +747,7 @@
           <a:p>
             <a:fld id="{536FDD0A-57AF-4A80-93F2-40827A609B2E}" type="datetimeFigureOut">
               <a:rPr lang="en-ID" smtClean="0"/>
-              <a:t>06/07/2023</a:t>
+              <a:t>09/10/2023</a:t>
             </a:fld>
             <a:endParaRPr lang="en-ID"/>
           </a:p>
@@ -531,7 +820,7 @@
 </p:sldLayout>
 </file>
 
-<file path=ppt/slideLayouts/slideLayout11.xml><?xml version="1.0" encoding="utf-8"?>
+<file path=ppt/slideLayouts/slideLayout12.xml><?xml version="1.0" encoding="utf-8"?>
 <p:sldLayout xmlns:a="http://schemas.openxmlformats.org/drawingml/2006/main" xmlns:r="http://schemas.openxmlformats.org/officeDocument/2006/relationships" xmlns:p="http://schemas.openxmlformats.org/presentationml/2006/main" type="vertTitleAndTx" preserve="1">
   <p:cSld name="Vertical Title and Text">
     <p:spTree>
@@ -668,7 +957,7 @@
           <a:p>
             <a:fld id="{536FDD0A-57AF-4A80-93F2-40827A609B2E}" type="datetimeFigureOut">
               <a:rPr lang="en-ID" smtClean="0"/>
-              <a:t>06/07/2023</a:t>
+              <a:t>09/10/2023</a:t>
             </a:fld>
             <a:endParaRPr lang="en-ID"/>
           </a:p>
@@ -1685,10 +1974,10 @@
       </p:sp>
       <p:sp>
         <p:nvSpPr>
-          <p:cNvPr id="11" name="Text Placeholder 4">
-            <a:extLst>
-              <a:ext uri="{FF2B5EF4-FFF2-40B4-BE49-F238E27FC236}">
-                <a16:creationId xmlns:a16="http://schemas.microsoft.com/office/drawing/2014/main" id="{E8B489FB-7CA6-4C81-AB90-FCE08B1808F9}"/>
+          <p:cNvPr id="14" name="Text Placeholder 4">
+            <a:extLst>
+              <a:ext uri="{FF2B5EF4-FFF2-40B4-BE49-F238E27FC236}">
+                <a16:creationId xmlns:a16="http://schemas.microsoft.com/office/drawing/2014/main" id="{AA7693FC-DCBA-4F87-AEB1-001E02F7EFAD}"/>
               </a:ext>
             </a:extLst>
           </p:cNvPr>
@@ -1696,13 +1985,13 @@
             <a:spLocks noGrp="1"/>
           </p:cNvSpPr>
           <p:nvPr>
-            <p:ph type="body" sz="quarter" idx="18"/>
+            <p:ph type="body" sz="quarter" idx="21"/>
           </p:nvPr>
         </p:nvSpPr>
         <p:spPr>
           <a:xfrm>
-            <a:off x="660748" y="2741993"/>
-            <a:ext cx="3156787" cy="461666"/>
+            <a:off x="1178106" y="5101042"/>
+            <a:ext cx="4642976" cy="461666"/>
           </a:xfrm>
         </p:spPr>
         <p:txBody>
@@ -1767,10 +2056,10 @@
       </p:sp>
       <p:sp>
         <p:nvSpPr>
-          <p:cNvPr id="12" name="Text Placeholder 4">
-            <a:extLst>
-              <a:ext uri="{FF2B5EF4-FFF2-40B4-BE49-F238E27FC236}">
-                <a16:creationId xmlns:a16="http://schemas.microsoft.com/office/drawing/2014/main" id="{648D9B5E-676C-4BAB-A96F-BB01F53B7C6C}"/>
+          <p:cNvPr id="16" name="Text Placeholder 4">
+            <a:extLst>
+              <a:ext uri="{FF2B5EF4-FFF2-40B4-BE49-F238E27FC236}">
+                <a16:creationId xmlns:a16="http://schemas.microsoft.com/office/drawing/2014/main" id="{82E377EA-0885-4677-B3E9-E61AE0F5D8A8}"/>
               </a:ext>
             </a:extLst>
           </p:cNvPr>
@@ -1778,13 +2067,13 @@
             <a:spLocks noGrp="1"/>
           </p:cNvSpPr>
           <p:nvPr>
-            <p:ph type="body" sz="quarter" idx="19"/>
+            <p:ph type="body" sz="quarter" idx="23"/>
           </p:nvPr>
         </p:nvSpPr>
         <p:spPr>
           <a:xfrm>
-            <a:off x="4701568" y="2741993"/>
-            <a:ext cx="3156787" cy="461666"/>
+            <a:off x="7001789" y="5092194"/>
+            <a:ext cx="4544752" cy="461666"/>
           </a:xfrm>
         </p:spPr>
         <p:txBody>
@@ -1847,12 +2136,844 @@
           </a:p>
         </p:txBody>
       </p:sp>
-      <p:sp>
-        <p:nvSpPr>
-          <p:cNvPr id="13" name="Text Placeholder 4">
-            <a:extLst>
-              <a:ext uri="{FF2B5EF4-FFF2-40B4-BE49-F238E27FC236}">
-                <a16:creationId xmlns:a16="http://schemas.microsoft.com/office/drawing/2014/main" id="{9B47CEE8-D6B4-4FC8-B58F-83E4EFF386E8}"/>
+    </p:spTree>
+    <p:extLst>
+      <p:ext uri="{BB962C8B-B14F-4D97-AF65-F5344CB8AC3E}">
+        <p14:creationId xmlns:p14="http://schemas.microsoft.com/office/powerpoint/2010/main" val="765954051"/>
+      </p:ext>
+    </p:extLst>
+  </p:cSld>
+  <p:clrMapOvr>
+    <a:masterClrMapping/>
+  </p:clrMapOvr>
+</p:sldLayout>
+</file>
+
+<file path=ppt/slideLayouts/slideLayout3.xml><?xml version="1.0" encoding="utf-8"?>
+<p:sldLayout xmlns:a="http://schemas.openxmlformats.org/drawingml/2006/main" xmlns:r="http://schemas.openxmlformats.org/officeDocument/2006/relationships" xmlns:p="http://schemas.openxmlformats.org/presentationml/2006/main" preserve="1" userDrawn="1">
+  <p:cSld name="2_Title Only">
+    <p:spTree>
+      <p:nvGrpSpPr>
+        <p:cNvPr id="1" name=""/>
+        <p:cNvGrpSpPr/>
+        <p:nvPr/>
+      </p:nvGrpSpPr>
+      <p:grpSpPr>
+        <a:xfrm>
+          <a:off x="0" y="0"/>
+          <a:ext cx="0" cy="0"/>
+          <a:chOff x="0" y="0"/>
+          <a:chExt cx="0" cy="0"/>
+        </a:xfrm>
+      </p:grpSpPr>
+      <p:sp>
+        <p:nvSpPr>
+          <p:cNvPr id="6" name="Rectangle 7">
+            <a:extLst>
+              <a:ext uri="{FF2B5EF4-FFF2-40B4-BE49-F238E27FC236}">
+                <a16:creationId xmlns:a16="http://schemas.microsoft.com/office/drawing/2014/main" id="{DFB09729-9660-4E4E-A843-599B8E71809D}"/>
+              </a:ext>
+            </a:extLst>
+          </p:cNvPr>
+          <p:cNvSpPr/>
+          <p:nvPr userDrawn="1"/>
+        </p:nvSpPr>
+        <p:spPr>
+          <a:xfrm>
+            <a:off x="6219373" y="6711646"/>
+            <a:ext cx="3614056" cy="145143"/>
+          </a:xfrm>
+          <a:custGeom>
+            <a:avLst/>
+            <a:gdLst>
+              <a:gd name="connsiteX0" fmla="*/ 0 w 4016188"/>
+              <a:gd name="connsiteY0" fmla="*/ 0 h 143436"/>
+              <a:gd name="connsiteX1" fmla="*/ 4016188 w 4016188"/>
+              <a:gd name="connsiteY1" fmla="*/ 0 h 143436"/>
+              <a:gd name="connsiteX2" fmla="*/ 4016188 w 4016188"/>
+              <a:gd name="connsiteY2" fmla="*/ 143436 h 143436"/>
+              <a:gd name="connsiteX3" fmla="*/ 0 w 4016188"/>
+              <a:gd name="connsiteY3" fmla="*/ 143436 h 143436"/>
+              <a:gd name="connsiteX4" fmla="*/ 0 w 4016188"/>
+              <a:gd name="connsiteY4" fmla="*/ 0 h 143436"/>
+              <a:gd name="connsiteX0" fmla="*/ 0 w 4016188"/>
+              <a:gd name="connsiteY0" fmla="*/ 8965 h 152401"/>
+              <a:gd name="connsiteX1" fmla="*/ 3881717 w 4016188"/>
+              <a:gd name="connsiteY1" fmla="*/ 0 h 152401"/>
+              <a:gd name="connsiteX2" fmla="*/ 4016188 w 4016188"/>
+              <a:gd name="connsiteY2" fmla="*/ 152401 h 152401"/>
+              <a:gd name="connsiteX3" fmla="*/ 0 w 4016188"/>
+              <a:gd name="connsiteY3" fmla="*/ 152401 h 152401"/>
+              <a:gd name="connsiteX4" fmla="*/ 0 w 4016188"/>
+              <a:gd name="connsiteY4" fmla="*/ 8965 h 152401"/>
+              <a:gd name="connsiteX0" fmla="*/ 0 w 4016188"/>
+              <a:gd name="connsiteY0" fmla="*/ 8965 h 152401"/>
+              <a:gd name="connsiteX1" fmla="*/ 3863787 w 4016188"/>
+              <a:gd name="connsiteY1" fmla="*/ 0 h 152401"/>
+              <a:gd name="connsiteX2" fmla="*/ 4016188 w 4016188"/>
+              <a:gd name="connsiteY2" fmla="*/ 152401 h 152401"/>
+              <a:gd name="connsiteX3" fmla="*/ 0 w 4016188"/>
+              <a:gd name="connsiteY3" fmla="*/ 152401 h 152401"/>
+              <a:gd name="connsiteX4" fmla="*/ 0 w 4016188"/>
+              <a:gd name="connsiteY4" fmla="*/ 8965 h 152401"/>
+              <a:gd name="connsiteX0" fmla="*/ 0 w 4016188"/>
+              <a:gd name="connsiteY0" fmla="*/ 6559 h 149995"/>
+              <a:gd name="connsiteX1" fmla="*/ 3885444 w 4016188"/>
+              <a:gd name="connsiteY1" fmla="*/ 0 h 149995"/>
+              <a:gd name="connsiteX2" fmla="*/ 4016188 w 4016188"/>
+              <a:gd name="connsiteY2" fmla="*/ 149995 h 149995"/>
+              <a:gd name="connsiteX3" fmla="*/ 0 w 4016188"/>
+              <a:gd name="connsiteY3" fmla="*/ 149995 h 149995"/>
+              <a:gd name="connsiteX4" fmla="*/ 0 w 4016188"/>
+              <a:gd name="connsiteY4" fmla="*/ 6559 h 149995"/>
+              <a:gd name="connsiteX0" fmla="*/ 0 w 4016188"/>
+              <a:gd name="connsiteY0" fmla="*/ 8965 h 152401"/>
+              <a:gd name="connsiteX1" fmla="*/ 3861381 w 4016188"/>
+              <a:gd name="connsiteY1" fmla="*/ 0 h 152401"/>
+              <a:gd name="connsiteX2" fmla="*/ 4016188 w 4016188"/>
+              <a:gd name="connsiteY2" fmla="*/ 152401 h 152401"/>
+              <a:gd name="connsiteX3" fmla="*/ 0 w 4016188"/>
+              <a:gd name="connsiteY3" fmla="*/ 152401 h 152401"/>
+              <a:gd name="connsiteX4" fmla="*/ 0 w 4016188"/>
+              <a:gd name="connsiteY4" fmla="*/ 8965 h 152401"/>
+              <a:gd name="connsiteX0" fmla="*/ 0 w 4021601"/>
+              <a:gd name="connsiteY0" fmla="*/ 829 h 152401"/>
+              <a:gd name="connsiteX1" fmla="*/ 3866794 w 4021601"/>
+              <a:gd name="connsiteY1" fmla="*/ 0 h 152401"/>
+              <a:gd name="connsiteX2" fmla="*/ 4021601 w 4021601"/>
+              <a:gd name="connsiteY2" fmla="*/ 152401 h 152401"/>
+              <a:gd name="connsiteX3" fmla="*/ 5413 w 4021601"/>
+              <a:gd name="connsiteY3" fmla="*/ 152401 h 152401"/>
+              <a:gd name="connsiteX4" fmla="*/ 0 w 4021601"/>
+              <a:gd name="connsiteY4" fmla="*/ 829 h 152401"/>
+              <a:gd name="connsiteX0" fmla="*/ 0 w 4021601"/>
+              <a:gd name="connsiteY0" fmla="*/ 0 h 151572"/>
+              <a:gd name="connsiteX1" fmla="*/ 3728015 w 4021601"/>
+              <a:gd name="connsiteY1" fmla="*/ 8588 h 151572"/>
+              <a:gd name="connsiteX2" fmla="*/ 4021601 w 4021601"/>
+              <a:gd name="connsiteY2" fmla="*/ 151572 h 151572"/>
+              <a:gd name="connsiteX3" fmla="*/ 5413 w 4021601"/>
+              <a:gd name="connsiteY3" fmla="*/ 151572 h 151572"/>
+              <a:gd name="connsiteX4" fmla="*/ 0 w 4021601"/>
+              <a:gd name="connsiteY4" fmla="*/ 0 h 151572"/>
+              <a:gd name="connsiteX0" fmla="*/ 0 w 4021601"/>
+              <a:gd name="connsiteY0" fmla="*/ 0 h 151572"/>
+              <a:gd name="connsiteX1" fmla="*/ 3461132 w 4021601"/>
+              <a:gd name="connsiteY1" fmla="*/ 5449 h 151572"/>
+              <a:gd name="connsiteX2" fmla="*/ 4021601 w 4021601"/>
+              <a:gd name="connsiteY2" fmla="*/ 151572 h 151572"/>
+              <a:gd name="connsiteX3" fmla="*/ 5413 w 4021601"/>
+              <a:gd name="connsiteY3" fmla="*/ 151572 h 151572"/>
+              <a:gd name="connsiteX4" fmla="*/ 0 w 4021601"/>
+              <a:gd name="connsiteY4" fmla="*/ 0 h 151572"/>
+              <a:gd name="connsiteX0" fmla="*/ 0 w 4021601"/>
+              <a:gd name="connsiteY0" fmla="*/ 0 h 151572"/>
+              <a:gd name="connsiteX1" fmla="*/ 3525184 w 4021601"/>
+              <a:gd name="connsiteY1" fmla="*/ 5449 h 151572"/>
+              <a:gd name="connsiteX2" fmla="*/ 4021601 w 4021601"/>
+              <a:gd name="connsiteY2" fmla="*/ 151572 h 151572"/>
+              <a:gd name="connsiteX3" fmla="*/ 5413 w 4021601"/>
+              <a:gd name="connsiteY3" fmla="*/ 151572 h 151572"/>
+              <a:gd name="connsiteX4" fmla="*/ 0 w 4021601"/>
+              <a:gd name="connsiteY4" fmla="*/ 0 h 151572"/>
+              <a:gd name="connsiteX0" fmla="*/ 0 w 4021601"/>
+              <a:gd name="connsiteY0" fmla="*/ 0 h 151572"/>
+              <a:gd name="connsiteX1" fmla="*/ 3599912 w 4021601"/>
+              <a:gd name="connsiteY1" fmla="*/ 5449 h 151572"/>
+              <a:gd name="connsiteX2" fmla="*/ 4021601 w 4021601"/>
+              <a:gd name="connsiteY2" fmla="*/ 151572 h 151572"/>
+              <a:gd name="connsiteX3" fmla="*/ 5413 w 4021601"/>
+              <a:gd name="connsiteY3" fmla="*/ 151572 h 151572"/>
+              <a:gd name="connsiteX4" fmla="*/ 0 w 4021601"/>
+              <a:gd name="connsiteY4" fmla="*/ 0 h 151572"/>
+              <a:gd name="connsiteX0" fmla="*/ 0 w 4021601"/>
+              <a:gd name="connsiteY0" fmla="*/ 0 h 151572"/>
+              <a:gd name="connsiteX1" fmla="*/ 3535860 w 4021601"/>
+              <a:gd name="connsiteY1" fmla="*/ 8588 h 151572"/>
+              <a:gd name="connsiteX2" fmla="*/ 4021601 w 4021601"/>
+              <a:gd name="connsiteY2" fmla="*/ 151572 h 151572"/>
+              <a:gd name="connsiteX3" fmla="*/ 5413 w 4021601"/>
+              <a:gd name="connsiteY3" fmla="*/ 151572 h 151572"/>
+              <a:gd name="connsiteX4" fmla="*/ 0 w 4021601"/>
+              <a:gd name="connsiteY4" fmla="*/ 0 h 151572"/>
+            </a:gdLst>
+            <a:ahLst/>
+            <a:cxnLst>
+              <a:cxn ang="0">
+                <a:pos x="connsiteX0" y="connsiteY0"/>
+              </a:cxn>
+              <a:cxn ang="0">
+                <a:pos x="connsiteX1" y="connsiteY1"/>
+              </a:cxn>
+              <a:cxn ang="0">
+                <a:pos x="connsiteX2" y="connsiteY2"/>
+              </a:cxn>
+              <a:cxn ang="0">
+                <a:pos x="connsiteX3" y="connsiteY3"/>
+              </a:cxn>
+              <a:cxn ang="0">
+                <a:pos x="connsiteX4" y="connsiteY4"/>
+              </a:cxn>
+            </a:cxnLst>
+            <a:rect l="l" t="t" r="r" b="b"/>
+            <a:pathLst>
+              <a:path w="4021601" h="151572">
+                <a:moveTo>
+                  <a:pt x="0" y="0"/>
+                </a:moveTo>
+                <a:lnTo>
+                  <a:pt x="3535860" y="8588"/>
+                </a:lnTo>
+                <a:lnTo>
+                  <a:pt x="4021601" y="151572"/>
+                </a:lnTo>
+                <a:lnTo>
+                  <a:pt x="5413" y="151572"/>
+                </a:lnTo>
+                <a:lnTo>
+                  <a:pt x="0" y="0"/>
+                </a:lnTo>
+                <a:close/>
+              </a:path>
+            </a:pathLst>
+          </a:custGeom>
+          <a:solidFill>
+            <a:schemeClr val="tx1"/>
+          </a:solidFill>
+          <a:ln>
+            <a:noFill/>
+          </a:ln>
+        </p:spPr>
+        <p:style>
+          <a:lnRef idx="2">
+            <a:schemeClr val="accent1">
+              <a:shade val="50000"/>
+            </a:schemeClr>
+          </a:lnRef>
+          <a:fillRef idx="1">
+            <a:schemeClr val="accent1"/>
+          </a:fillRef>
+          <a:effectRef idx="0">
+            <a:schemeClr val="accent1"/>
+          </a:effectRef>
+          <a:fontRef idx="minor">
+            <a:schemeClr val="lt1"/>
+          </a:fontRef>
+        </p:style>
+        <p:txBody>
+          <a:bodyPr rtlCol="0" anchor="ctr"/>
+          <a:lstStyle/>
+          <a:p>
+            <a:pPr marL="0" marR="0" lvl="0" indent="0" algn="l" defTabSz="914400" rtl="0" eaLnBrk="1" fontAlgn="auto" latinLnBrk="0" hangingPunct="1">
+              <a:lnSpc>
+                <a:spcPct val="100000"/>
+              </a:lnSpc>
+              <a:spcBef>
+                <a:spcPts val="0"/>
+              </a:spcBef>
+              <a:spcAft>
+                <a:spcPts val="0"/>
+              </a:spcAft>
+              <a:buClrTx/>
+              <a:buSzTx/>
+              <a:buFontTx/>
+              <a:buNone/>
+              <a:tabLst/>
+              <a:defRPr/>
+            </a:pPr>
+            <a:endParaRPr kumimoji="0" lang="en-ID" sz="1400" b="1" i="0" u="none" strike="noStrike" kern="1200" cap="none" spc="300" normalizeH="0" baseline="0" noProof="0" dirty="0">
+              <a:ln>
+                <a:noFill/>
+              </a:ln>
+              <a:solidFill>
+                <a:prstClr val="white"/>
+              </a:solidFill>
+              <a:effectLst/>
+              <a:uLnTx/>
+              <a:uFillTx/>
+              <a:latin typeface="Calibri"/>
+              <a:ea typeface="+mn-ea"/>
+              <a:cs typeface="+mn-cs"/>
+            </a:endParaRPr>
+          </a:p>
+        </p:txBody>
+      </p:sp>
+      <p:sp>
+        <p:nvSpPr>
+          <p:cNvPr id="7" name="Rectangle 7">
+            <a:extLst>
+              <a:ext uri="{FF2B5EF4-FFF2-40B4-BE49-F238E27FC236}">
+                <a16:creationId xmlns:a16="http://schemas.microsoft.com/office/drawing/2014/main" id="{9BD2AB37-D8A2-4481-9C97-0EAB5A81A163}"/>
+              </a:ext>
+            </a:extLst>
+          </p:cNvPr>
+          <p:cNvSpPr/>
+          <p:nvPr userDrawn="1"/>
+        </p:nvSpPr>
+        <p:spPr>
+          <a:xfrm>
+            <a:off x="3207658" y="6545943"/>
+            <a:ext cx="3614056" cy="312057"/>
+          </a:xfrm>
+          <a:custGeom>
+            <a:avLst/>
+            <a:gdLst>
+              <a:gd name="connsiteX0" fmla="*/ 0 w 4016188"/>
+              <a:gd name="connsiteY0" fmla="*/ 0 h 143436"/>
+              <a:gd name="connsiteX1" fmla="*/ 4016188 w 4016188"/>
+              <a:gd name="connsiteY1" fmla="*/ 0 h 143436"/>
+              <a:gd name="connsiteX2" fmla="*/ 4016188 w 4016188"/>
+              <a:gd name="connsiteY2" fmla="*/ 143436 h 143436"/>
+              <a:gd name="connsiteX3" fmla="*/ 0 w 4016188"/>
+              <a:gd name="connsiteY3" fmla="*/ 143436 h 143436"/>
+              <a:gd name="connsiteX4" fmla="*/ 0 w 4016188"/>
+              <a:gd name="connsiteY4" fmla="*/ 0 h 143436"/>
+              <a:gd name="connsiteX0" fmla="*/ 0 w 4016188"/>
+              <a:gd name="connsiteY0" fmla="*/ 8965 h 152401"/>
+              <a:gd name="connsiteX1" fmla="*/ 3881717 w 4016188"/>
+              <a:gd name="connsiteY1" fmla="*/ 0 h 152401"/>
+              <a:gd name="connsiteX2" fmla="*/ 4016188 w 4016188"/>
+              <a:gd name="connsiteY2" fmla="*/ 152401 h 152401"/>
+              <a:gd name="connsiteX3" fmla="*/ 0 w 4016188"/>
+              <a:gd name="connsiteY3" fmla="*/ 152401 h 152401"/>
+              <a:gd name="connsiteX4" fmla="*/ 0 w 4016188"/>
+              <a:gd name="connsiteY4" fmla="*/ 8965 h 152401"/>
+              <a:gd name="connsiteX0" fmla="*/ 0 w 4016188"/>
+              <a:gd name="connsiteY0" fmla="*/ 8965 h 152401"/>
+              <a:gd name="connsiteX1" fmla="*/ 3863787 w 4016188"/>
+              <a:gd name="connsiteY1" fmla="*/ 0 h 152401"/>
+              <a:gd name="connsiteX2" fmla="*/ 4016188 w 4016188"/>
+              <a:gd name="connsiteY2" fmla="*/ 152401 h 152401"/>
+              <a:gd name="connsiteX3" fmla="*/ 0 w 4016188"/>
+              <a:gd name="connsiteY3" fmla="*/ 152401 h 152401"/>
+              <a:gd name="connsiteX4" fmla="*/ 0 w 4016188"/>
+              <a:gd name="connsiteY4" fmla="*/ 8965 h 152401"/>
+              <a:gd name="connsiteX0" fmla="*/ 0 w 4016188"/>
+              <a:gd name="connsiteY0" fmla="*/ 6559 h 149995"/>
+              <a:gd name="connsiteX1" fmla="*/ 3885444 w 4016188"/>
+              <a:gd name="connsiteY1" fmla="*/ 0 h 149995"/>
+              <a:gd name="connsiteX2" fmla="*/ 4016188 w 4016188"/>
+              <a:gd name="connsiteY2" fmla="*/ 149995 h 149995"/>
+              <a:gd name="connsiteX3" fmla="*/ 0 w 4016188"/>
+              <a:gd name="connsiteY3" fmla="*/ 149995 h 149995"/>
+              <a:gd name="connsiteX4" fmla="*/ 0 w 4016188"/>
+              <a:gd name="connsiteY4" fmla="*/ 6559 h 149995"/>
+              <a:gd name="connsiteX0" fmla="*/ 0 w 4016188"/>
+              <a:gd name="connsiteY0" fmla="*/ 8965 h 152401"/>
+              <a:gd name="connsiteX1" fmla="*/ 3861381 w 4016188"/>
+              <a:gd name="connsiteY1" fmla="*/ 0 h 152401"/>
+              <a:gd name="connsiteX2" fmla="*/ 4016188 w 4016188"/>
+              <a:gd name="connsiteY2" fmla="*/ 152401 h 152401"/>
+              <a:gd name="connsiteX3" fmla="*/ 0 w 4016188"/>
+              <a:gd name="connsiteY3" fmla="*/ 152401 h 152401"/>
+              <a:gd name="connsiteX4" fmla="*/ 0 w 4016188"/>
+              <a:gd name="connsiteY4" fmla="*/ 8965 h 152401"/>
+              <a:gd name="connsiteX0" fmla="*/ 0 w 4021601"/>
+              <a:gd name="connsiteY0" fmla="*/ 829 h 152401"/>
+              <a:gd name="connsiteX1" fmla="*/ 3866794 w 4021601"/>
+              <a:gd name="connsiteY1" fmla="*/ 0 h 152401"/>
+              <a:gd name="connsiteX2" fmla="*/ 4021601 w 4021601"/>
+              <a:gd name="connsiteY2" fmla="*/ 152401 h 152401"/>
+              <a:gd name="connsiteX3" fmla="*/ 5413 w 4021601"/>
+              <a:gd name="connsiteY3" fmla="*/ 152401 h 152401"/>
+              <a:gd name="connsiteX4" fmla="*/ 0 w 4021601"/>
+              <a:gd name="connsiteY4" fmla="*/ 829 h 152401"/>
+              <a:gd name="connsiteX0" fmla="*/ 0 w 4021601"/>
+              <a:gd name="connsiteY0" fmla="*/ 0 h 151572"/>
+              <a:gd name="connsiteX1" fmla="*/ 3728015 w 4021601"/>
+              <a:gd name="connsiteY1" fmla="*/ 8588 h 151572"/>
+              <a:gd name="connsiteX2" fmla="*/ 4021601 w 4021601"/>
+              <a:gd name="connsiteY2" fmla="*/ 151572 h 151572"/>
+              <a:gd name="connsiteX3" fmla="*/ 5413 w 4021601"/>
+              <a:gd name="connsiteY3" fmla="*/ 151572 h 151572"/>
+              <a:gd name="connsiteX4" fmla="*/ 0 w 4021601"/>
+              <a:gd name="connsiteY4" fmla="*/ 0 h 151572"/>
+              <a:gd name="connsiteX0" fmla="*/ 0 w 4021601"/>
+              <a:gd name="connsiteY0" fmla="*/ 0 h 151572"/>
+              <a:gd name="connsiteX1" fmla="*/ 3461132 w 4021601"/>
+              <a:gd name="connsiteY1" fmla="*/ 5449 h 151572"/>
+              <a:gd name="connsiteX2" fmla="*/ 4021601 w 4021601"/>
+              <a:gd name="connsiteY2" fmla="*/ 151572 h 151572"/>
+              <a:gd name="connsiteX3" fmla="*/ 5413 w 4021601"/>
+              <a:gd name="connsiteY3" fmla="*/ 151572 h 151572"/>
+              <a:gd name="connsiteX4" fmla="*/ 0 w 4021601"/>
+              <a:gd name="connsiteY4" fmla="*/ 0 h 151572"/>
+              <a:gd name="connsiteX0" fmla="*/ 0 w 4021601"/>
+              <a:gd name="connsiteY0" fmla="*/ 0 h 151572"/>
+              <a:gd name="connsiteX1" fmla="*/ 3525184 w 4021601"/>
+              <a:gd name="connsiteY1" fmla="*/ 5449 h 151572"/>
+              <a:gd name="connsiteX2" fmla="*/ 4021601 w 4021601"/>
+              <a:gd name="connsiteY2" fmla="*/ 151572 h 151572"/>
+              <a:gd name="connsiteX3" fmla="*/ 5413 w 4021601"/>
+              <a:gd name="connsiteY3" fmla="*/ 151572 h 151572"/>
+              <a:gd name="connsiteX4" fmla="*/ 0 w 4021601"/>
+              <a:gd name="connsiteY4" fmla="*/ 0 h 151572"/>
+              <a:gd name="connsiteX0" fmla="*/ 0 w 4021601"/>
+              <a:gd name="connsiteY0" fmla="*/ 0 h 151572"/>
+              <a:gd name="connsiteX1" fmla="*/ 3599912 w 4021601"/>
+              <a:gd name="connsiteY1" fmla="*/ 5449 h 151572"/>
+              <a:gd name="connsiteX2" fmla="*/ 4021601 w 4021601"/>
+              <a:gd name="connsiteY2" fmla="*/ 151572 h 151572"/>
+              <a:gd name="connsiteX3" fmla="*/ 5413 w 4021601"/>
+              <a:gd name="connsiteY3" fmla="*/ 151572 h 151572"/>
+              <a:gd name="connsiteX4" fmla="*/ 0 w 4021601"/>
+              <a:gd name="connsiteY4" fmla="*/ 0 h 151572"/>
+              <a:gd name="connsiteX0" fmla="*/ 0 w 4021601"/>
+              <a:gd name="connsiteY0" fmla="*/ 0 h 151572"/>
+              <a:gd name="connsiteX1" fmla="*/ 3535860 w 4021601"/>
+              <a:gd name="connsiteY1" fmla="*/ 8588 h 151572"/>
+              <a:gd name="connsiteX2" fmla="*/ 4021601 w 4021601"/>
+              <a:gd name="connsiteY2" fmla="*/ 151572 h 151572"/>
+              <a:gd name="connsiteX3" fmla="*/ 5413 w 4021601"/>
+              <a:gd name="connsiteY3" fmla="*/ 151572 h 151572"/>
+              <a:gd name="connsiteX4" fmla="*/ 0 w 4021601"/>
+              <a:gd name="connsiteY4" fmla="*/ 0 h 151572"/>
+            </a:gdLst>
+            <a:ahLst/>
+            <a:cxnLst>
+              <a:cxn ang="0">
+                <a:pos x="connsiteX0" y="connsiteY0"/>
+              </a:cxn>
+              <a:cxn ang="0">
+                <a:pos x="connsiteX1" y="connsiteY1"/>
+              </a:cxn>
+              <a:cxn ang="0">
+                <a:pos x="connsiteX2" y="connsiteY2"/>
+              </a:cxn>
+              <a:cxn ang="0">
+                <a:pos x="connsiteX3" y="connsiteY3"/>
+              </a:cxn>
+              <a:cxn ang="0">
+                <a:pos x="connsiteX4" y="connsiteY4"/>
+              </a:cxn>
+            </a:cxnLst>
+            <a:rect l="l" t="t" r="r" b="b"/>
+            <a:pathLst>
+              <a:path w="4021601" h="151572">
+                <a:moveTo>
+                  <a:pt x="0" y="0"/>
+                </a:moveTo>
+                <a:lnTo>
+                  <a:pt x="3535860" y="8588"/>
+                </a:lnTo>
+                <a:lnTo>
+                  <a:pt x="4021601" y="151572"/>
+                </a:lnTo>
+                <a:lnTo>
+                  <a:pt x="5413" y="151572"/>
+                </a:lnTo>
+                <a:lnTo>
+                  <a:pt x="0" y="0"/>
+                </a:lnTo>
+                <a:close/>
+              </a:path>
+            </a:pathLst>
+          </a:custGeom>
+          <a:solidFill>
+            <a:srgbClr val="00B0F0"/>
+          </a:solidFill>
+          <a:ln>
+            <a:noFill/>
+          </a:ln>
+        </p:spPr>
+        <p:style>
+          <a:lnRef idx="2">
+            <a:schemeClr val="accent1">
+              <a:shade val="50000"/>
+            </a:schemeClr>
+          </a:lnRef>
+          <a:fillRef idx="1">
+            <a:schemeClr val="accent1"/>
+          </a:fillRef>
+          <a:effectRef idx="0">
+            <a:schemeClr val="accent1"/>
+          </a:effectRef>
+          <a:fontRef idx="minor">
+            <a:schemeClr val="lt1"/>
+          </a:fontRef>
+        </p:style>
+        <p:txBody>
+          <a:bodyPr rtlCol="0" anchor="ctr"/>
+          <a:lstStyle/>
+          <a:p>
+            <a:pPr marL="0" marR="0" lvl="0" indent="0" algn="l" defTabSz="914400" rtl="0" eaLnBrk="1" fontAlgn="auto" latinLnBrk="0" hangingPunct="1">
+              <a:lnSpc>
+                <a:spcPct val="100000"/>
+              </a:lnSpc>
+              <a:spcBef>
+                <a:spcPts val="0"/>
+              </a:spcBef>
+              <a:spcAft>
+                <a:spcPts val="0"/>
+              </a:spcAft>
+              <a:buClrTx/>
+              <a:buSzTx/>
+              <a:buFontTx/>
+              <a:buNone/>
+              <a:tabLst/>
+              <a:defRPr/>
+            </a:pPr>
+            <a:endParaRPr kumimoji="0" lang="en-ID" sz="1400" b="1" i="0" u="none" strike="noStrike" kern="1200" cap="none" spc="300" normalizeH="0" baseline="0" noProof="0" dirty="0">
+              <a:ln>
+                <a:noFill/>
+              </a:ln>
+              <a:solidFill>
+                <a:prstClr val="white"/>
+              </a:solidFill>
+              <a:effectLst/>
+              <a:uLnTx/>
+              <a:uFillTx/>
+              <a:latin typeface="Calibri"/>
+              <a:ea typeface="+mn-ea"/>
+              <a:cs typeface="+mn-cs"/>
+            </a:endParaRPr>
+          </a:p>
+        </p:txBody>
+      </p:sp>
+      <p:cxnSp>
+        <p:nvCxnSpPr>
+          <p:cNvPr id="8" name="Straight Connector 7">
+            <a:extLst>
+              <a:ext uri="{FF2B5EF4-FFF2-40B4-BE49-F238E27FC236}">
+                <a16:creationId xmlns:a16="http://schemas.microsoft.com/office/drawing/2014/main" id="{EEF2414E-3F0E-4EFC-AED0-5849524401C4}"/>
+              </a:ext>
+            </a:extLst>
+          </p:cNvPr>
+          <p:cNvCxnSpPr/>
+          <p:nvPr userDrawn="1"/>
+        </p:nvCxnSpPr>
+        <p:spPr>
+          <a:xfrm>
+            <a:off x="3120570" y="6342745"/>
+            <a:ext cx="8040916" cy="29027"/>
+          </a:xfrm>
+          <a:prstGeom prst="line">
+            <a:avLst/>
+          </a:prstGeom>
+          <a:ln w="28575">
+            <a:solidFill>
+              <a:srgbClr val="C00000"/>
+            </a:solidFill>
+          </a:ln>
+        </p:spPr>
+        <p:style>
+          <a:lnRef idx="1">
+            <a:schemeClr val="accent1"/>
+          </a:lnRef>
+          <a:fillRef idx="0">
+            <a:schemeClr val="accent1"/>
+          </a:fillRef>
+          <a:effectRef idx="0">
+            <a:schemeClr val="accent1"/>
+          </a:effectRef>
+          <a:fontRef idx="minor">
+            <a:schemeClr val="tx1"/>
+          </a:fontRef>
+        </p:style>
+      </p:cxnSp>
+      <p:sp>
+        <p:nvSpPr>
+          <p:cNvPr id="9" name="Rectangle 7">
+            <a:extLst>
+              <a:ext uri="{FF2B5EF4-FFF2-40B4-BE49-F238E27FC236}">
+                <a16:creationId xmlns:a16="http://schemas.microsoft.com/office/drawing/2014/main" id="{23E479D7-3791-4E2F-95BA-DB02A2DB2A2F}"/>
+              </a:ext>
+            </a:extLst>
+          </p:cNvPr>
+          <p:cNvSpPr/>
+          <p:nvPr userDrawn="1"/>
+        </p:nvSpPr>
+        <p:spPr>
+          <a:xfrm>
+            <a:off x="325" y="6299200"/>
+            <a:ext cx="3870478" cy="558801"/>
+          </a:xfrm>
+          <a:custGeom>
+            <a:avLst/>
+            <a:gdLst>
+              <a:gd name="connsiteX0" fmla="*/ 0 w 4016188"/>
+              <a:gd name="connsiteY0" fmla="*/ 0 h 143436"/>
+              <a:gd name="connsiteX1" fmla="*/ 4016188 w 4016188"/>
+              <a:gd name="connsiteY1" fmla="*/ 0 h 143436"/>
+              <a:gd name="connsiteX2" fmla="*/ 4016188 w 4016188"/>
+              <a:gd name="connsiteY2" fmla="*/ 143436 h 143436"/>
+              <a:gd name="connsiteX3" fmla="*/ 0 w 4016188"/>
+              <a:gd name="connsiteY3" fmla="*/ 143436 h 143436"/>
+              <a:gd name="connsiteX4" fmla="*/ 0 w 4016188"/>
+              <a:gd name="connsiteY4" fmla="*/ 0 h 143436"/>
+              <a:gd name="connsiteX0" fmla="*/ 0 w 4016188"/>
+              <a:gd name="connsiteY0" fmla="*/ 8965 h 152401"/>
+              <a:gd name="connsiteX1" fmla="*/ 3881717 w 4016188"/>
+              <a:gd name="connsiteY1" fmla="*/ 0 h 152401"/>
+              <a:gd name="connsiteX2" fmla="*/ 4016188 w 4016188"/>
+              <a:gd name="connsiteY2" fmla="*/ 152401 h 152401"/>
+              <a:gd name="connsiteX3" fmla="*/ 0 w 4016188"/>
+              <a:gd name="connsiteY3" fmla="*/ 152401 h 152401"/>
+              <a:gd name="connsiteX4" fmla="*/ 0 w 4016188"/>
+              <a:gd name="connsiteY4" fmla="*/ 8965 h 152401"/>
+              <a:gd name="connsiteX0" fmla="*/ 0 w 4016188"/>
+              <a:gd name="connsiteY0" fmla="*/ 8965 h 152401"/>
+              <a:gd name="connsiteX1" fmla="*/ 3863787 w 4016188"/>
+              <a:gd name="connsiteY1" fmla="*/ 0 h 152401"/>
+              <a:gd name="connsiteX2" fmla="*/ 4016188 w 4016188"/>
+              <a:gd name="connsiteY2" fmla="*/ 152401 h 152401"/>
+              <a:gd name="connsiteX3" fmla="*/ 0 w 4016188"/>
+              <a:gd name="connsiteY3" fmla="*/ 152401 h 152401"/>
+              <a:gd name="connsiteX4" fmla="*/ 0 w 4016188"/>
+              <a:gd name="connsiteY4" fmla="*/ 8965 h 152401"/>
+              <a:gd name="connsiteX0" fmla="*/ 0 w 4016188"/>
+              <a:gd name="connsiteY0" fmla="*/ 6559 h 149995"/>
+              <a:gd name="connsiteX1" fmla="*/ 3885444 w 4016188"/>
+              <a:gd name="connsiteY1" fmla="*/ 0 h 149995"/>
+              <a:gd name="connsiteX2" fmla="*/ 4016188 w 4016188"/>
+              <a:gd name="connsiteY2" fmla="*/ 149995 h 149995"/>
+              <a:gd name="connsiteX3" fmla="*/ 0 w 4016188"/>
+              <a:gd name="connsiteY3" fmla="*/ 149995 h 149995"/>
+              <a:gd name="connsiteX4" fmla="*/ 0 w 4016188"/>
+              <a:gd name="connsiteY4" fmla="*/ 6559 h 149995"/>
+              <a:gd name="connsiteX0" fmla="*/ 0 w 4016188"/>
+              <a:gd name="connsiteY0" fmla="*/ 8965 h 152401"/>
+              <a:gd name="connsiteX1" fmla="*/ 3861381 w 4016188"/>
+              <a:gd name="connsiteY1" fmla="*/ 0 h 152401"/>
+              <a:gd name="connsiteX2" fmla="*/ 4016188 w 4016188"/>
+              <a:gd name="connsiteY2" fmla="*/ 152401 h 152401"/>
+              <a:gd name="connsiteX3" fmla="*/ 0 w 4016188"/>
+              <a:gd name="connsiteY3" fmla="*/ 152401 h 152401"/>
+              <a:gd name="connsiteX4" fmla="*/ 0 w 4016188"/>
+              <a:gd name="connsiteY4" fmla="*/ 8965 h 152401"/>
+              <a:gd name="connsiteX0" fmla="*/ 0 w 4021601"/>
+              <a:gd name="connsiteY0" fmla="*/ 829 h 152401"/>
+              <a:gd name="connsiteX1" fmla="*/ 3866794 w 4021601"/>
+              <a:gd name="connsiteY1" fmla="*/ 0 h 152401"/>
+              <a:gd name="connsiteX2" fmla="*/ 4021601 w 4021601"/>
+              <a:gd name="connsiteY2" fmla="*/ 152401 h 152401"/>
+              <a:gd name="connsiteX3" fmla="*/ 5413 w 4021601"/>
+              <a:gd name="connsiteY3" fmla="*/ 152401 h 152401"/>
+              <a:gd name="connsiteX4" fmla="*/ 0 w 4021601"/>
+              <a:gd name="connsiteY4" fmla="*/ 829 h 152401"/>
+              <a:gd name="connsiteX0" fmla="*/ 0 w 4021601"/>
+              <a:gd name="connsiteY0" fmla="*/ 0 h 151572"/>
+              <a:gd name="connsiteX1" fmla="*/ 3728015 w 4021601"/>
+              <a:gd name="connsiteY1" fmla="*/ 8588 h 151572"/>
+              <a:gd name="connsiteX2" fmla="*/ 4021601 w 4021601"/>
+              <a:gd name="connsiteY2" fmla="*/ 151572 h 151572"/>
+              <a:gd name="connsiteX3" fmla="*/ 5413 w 4021601"/>
+              <a:gd name="connsiteY3" fmla="*/ 151572 h 151572"/>
+              <a:gd name="connsiteX4" fmla="*/ 0 w 4021601"/>
+              <a:gd name="connsiteY4" fmla="*/ 0 h 151572"/>
+              <a:gd name="connsiteX0" fmla="*/ 0 w 4021601"/>
+              <a:gd name="connsiteY0" fmla="*/ 0 h 151572"/>
+              <a:gd name="connsiteX1" fmla="*/ 3461132 w 4021601"/>
+              <a:gd name="connsiteY1" fmla="*/ 5449 h 151572"/>
+              <a:gd name="connsiteX2" fmla="*/ 4021601 w 4021601"/>
+              <a:gd name="connsiteY2" fmla="*/ 151572 h 151572"/>
+              <a:gd name="connsiteX3" fmla="*/ 5413 w 4021601"/>
+              <a:gd name="connsiteY3" fmla="*/ 151572 h 151572"/>
+              <a:gd name="connsiteX4" fmla="*/ 0 w 4021601"/>
+              <a:gd name="connsiteY4" fmla="*/ 0 h 151572"/>
+              <a:gd name="connsiteX0" fmla="*/ 0 w 4021601"/>
+              <a:gd name="connsiteY0" fmla="*/ 0 h 151572"/>
+              <a:gd name="connsiteX1" fmla="*/ 3525184 w 4021601"/>
+              <a:gd name="connsiteY1" fmla="*/ 5449 h 151572"/>
+              <a:gd name="connsiteX2" fmla="*/ 4021601 w 4021601"/>
+              <a:gd name="connsiteY2" fmla="*/ 151572 h 151572"/>
+              <a:gd name="connsiteX3" fmla="*/ 5413 w 4021601"/>
+              <a:gd name="connsiteY3" fmla="*/ 151572 h 151572"/>
+              <a:gd name="connsiteX4" fmla="*/ 0 w 4021601"/>
+              <a:gd name="connsiteY4" fmla="*/ 0 h 151572"/>
+              <a:gd name="connsiteX0" fmla="*/ 0 w 4021601"/>
+              <a:gd name="connsiteY0" fmla="*/ 0 h 151572"/>
+              <a:gd name="connsiteX1" fmla="*/ 3599912 w 4021601"/>
+              <a:gd name="connsiteY1" fmla="*/ 5449 h 151572"/>
+              <a:gd name="connsiteX2" fmla="*/ 4021601 w 4021601"/>
+              <a:gd name="connsiteY2" fmla="*/ 151572 h 151572"/>
+              <a:gd name="connsiteX3" fmla="*/ 5413 w 4021601"/>
+              <a:gd name="connsiteY3" fmla="*/ 151572 h 151572"/>
+              <a:gd name="connsiteX4" fmla="*/ 0 w 4021601"/>
+              <a:gd name="connsiteY4" fmla="*/ 0 h 151572"/>
+              <a:gd name="connsiteX0" fmla="*/ 0 w 4021601"/>
+              <a:gd name="connsiteY0" fmla="*/ 0 h 151572"/>
+              <a:gd name="connsiteX1" fmla="*/ 3535860 w 4021601"/>
+              <a:gd name="connsiteY1" fmla="*/ 8588 h 151572"/>
+              <a:gd name="connsiteX2" fmla="*/ 4021601 w 4021601"/>
+              <a:gd name="connsiteY2" fmla="*/ 151572 h 151572"/>
+              <a:gd name="connsiteX3" fmla="*/ 5413 w 4021601"/>
+              <a:gd name="connsiteY3" fmla="*/ 151572 h 151572"/>
+              <a:gd name="connsiteX4" fmla="*/ 0 w 4021601"/>
+              <a:gd name="connsiteY4" fmla="*/ 0 h 151572"/>
+            </a:gdLst>
+            <a:ahLst/>
+            <a:cxnLst>
+              <a:cxn ang="0">
+                <a:pos x="connsiteX0" y="connsiteY0"/>
+              </a:cxn>
+              <a:cxn ang="0">
+                <a:pos x="connsiteX1" y="connsiteY1"/>
+              </a:cxn>
+              <a:cxn ang="0">
+                <a:pos x="connsiteX2" y="connsiteY2"/>
+              </a:cxn>
+              <a:cxn ang="0">
+                <a:pos x="connsiteX3" y="connsiteY3"/>
+              </a:cxn>
+              <a:cxn ang="0">
+                <a:pos x="connsiteX4" y="connsiteY4"/>
+              </a:cxn>
+            </a:cxnLst>
+            <a:rect l="l" t="t" r="r" b="b"/>
+            <a:pathLst>
+              <a:path w="4021601" h="151572">
+                <a:moveTo>
+                  <a:pt x="0" y="0"/>
+                </a:moveTo>
+                <a:lnTo>
+                  <a:pt x="3535860" y="8588"/>
+                </a:lnTo>
+                <a:lnTo>
+                  <a:pt x="4021601" y="151572"/>
+                </a:lnTo>
+                <a:lnTo>
+                  <a:pt x="5413" y="151572"/>
+                </a:lnTo>
+                <a:lnTo>
+                  <a:pt x="0" y="0"/>
+                </a:lnTo>
+                <a:close/>
+              </a:path>
+            </a:pathLst>
+          </a:custGeom>
+          <a:solidFill>
+            <a:srgbClr val="C00000"/>
+          </a:solidFill>
+          <a:ln>
+            <a:noFill/>
+          </a:ln>
+        </p:spPr>
+        <p:style>
+          <a:lnRef idx="2">
+            <a:schemeClr val="accent1">
+              <a:shade val="50000"/>
+            </a:schemeClr>
+          </a:lnRef>
+          <a:fillRef idx="1">
+            <a:schemeClr val="accent1"/>
+          </a:fillRef>
+          <a:effectRef idx="0">
+            <a:schemeClr val="accent1"/>
+          </a:effectRef>
+          <a:fontRef idx="minor">
+            <a:schemeClr val="lt1"/>
+          </a:fontRef>
+        </p:style>
+        <p:txBody>
+          <a:bodyPr rtlCol="0" anchor="ctr"/>
+          <a:lstStyle/>
+          <a:p>
+            <a:pPr marL="0" marR="0" lvl="0" indent="0" algn="l" defTabSz="914400" rtl="0" eaLnBrk="1" fontAlgn="auto" latinLnBrk="0" hangingPunct="1">
+              <a:lnSpc>
+                <a:spcPct val="100000"/>
+              </a:lnSpc>
+              <a:spcBef>
+                <a:spcPts val="0"/>
+              </a:spcBef>
+              <a:spcAft>
+                <a:spcPts val="0"/>
+              </a:spcAft>
+              <a:buClrTx/>
+              <a:buSzTx/>
+              <a:buFontTx/>
+              <a:buNone/>
+              <a:tabLst/>
+              <a:defRPr/>
+            </a:pPr>
+            <a:endParaRPr kumimoji="0" lang="en-ID" sz="2800" b="1" i="0" u="none" strike="noStrike" kern="1200" cap="none" spc="300" normalizeH="0" baseline="0" noProof="0" dirty="0">
+              <a:ln>
+                <a:noFill/>
+              </a:ln>
+              <a:solidFill>
+                <a:prstClr val="white"/>
+              </a:solidFill>
+              <a:effectLst/>
+              <a:uLnTx/>
+              <a:uFillTx/>
+              <a:latin typeface="Bernard MT Condensed" panose="02050806060905020404" pitchFamily="18" charset="0"/>
+              <a:ea typeface="+mn-ea"/>
+              <a:cs typeface="+mn-cs"/>
+            </a:endParaRPr>
+          </a:p>
+        </p:txBody>
+      </p:sp>
+      <p:sp>
+        <p:nvSpPr>
+          <p:cNvPr id="10" name="TextBox 9">
+            <a:extLst>
+              <a:ext uri="{FF2B5EF4-FFF2-40B4-BE49-F238E27FC236}">
+                <a16:creationId xmlns:a16="http://schemas.microsoft.com/office/drawing/2014/main" id="{0AD98CF2-59A2-4A33-A98D-793845565145}"/>
+              </a:ext>
+            </a:extLst>
+          </p:cNvPr>
+          <p:cNvSpPr txBox="1"/>
+          <p:nvPr userDrawn="1"/>
+        </p:nvSpPr>
+        <p:spPr>
+          <a:xfrm>
+            <a:off x="10778605" y="6145810"/>
+            <a:ext cx="1494971" cy="923330"/>
+          </a:xfrm>
+          <a:prstGeom prst="rect">
+            <a:avLst/>
+          </a:prstGeom>
+          <a:noFill/>
+        </p:spPr>
+        <p:txBody>
+          <a:bodyPr wrap="square" rtlCol="0">
+            <a:spAutoFit/>
+          </a:bodyPr>
+          <a:lstStyle/>
+          <a:p>
+            <a:pPr marL="0" marR="0" lvl="0" indent="0" algn="l" defTabSz="914400" rtl="0" eaLnBrk="1" fontAlgn="auto" latinLnBrk="0" hangingPunct="1">
+              <a:lnSpc>
+                <a:spcPct val="100000"/>
+              </a:lnSpc>
+              <a:spcBef>
+                <a:spcPts val="0"/>
+              </a:spcBef>
+              <a:spcAft>
+                <a:spcPts val="0"/>
+              </a:spcAft>
+              <a:buClrTx/>
+              <a:buSzTx/>
+              <a:buFontTx/>
+              <a:buNone/>
+              <a:tabLst/>
+              <a:defRPr/>
+            </a:pPr>
+            <a:r>
+              <a:rPr kumimoji="0" lang="en-US" sz="5400" b="0" i="0" u="none" strike="noStrike" kern="1200" cap="none" spc="0" normalizeH="0" baseline="0" noProof="0" dirty="0">
+                <a:ln>
+                  <a:noFill/>
+                </a:ln>
+                <a:solidFill>
+                  <a:srgbClr val="C00000"/>
+                </a:solidFill>
+                <a:effectLst/>
+                <a:uLnTx/>
+                <a:uFillTx/>
+                <a:latin typeface="Stencil" panose="040409050D0802020404" pitchFamily="82" charset="0"/>
+                <a:ea typeface="+mn-ea"/>
+                <a:cs typeface="+mn-cs"/>
+              </a:rPr>
+              <a:t>abl</a:t>
+            </a:r>
+          </a:p>
+        </p:txBody>
+      </p:sp>
+      <p:sp>
+        <p:nvSpPr>
+          <p:cNvPr id="5" name="Text Placeholder 4">
+            <a:extLst>
+              <a:ext uri="{FF2B5EF4-FFF2-40B4-BE49-F238E27FC236}">
+                <a16:creationId xmlns:a16="http://schemas.microsoft.com/office/drawing/2014/main" id="{F1E3F4CB-5429-4518-8924-AE4D8D107784}"/>
               </a:ext>
             </a:extLst>
           </p:cNvPr>
@@ -1860,13 +2981,13 @@
             <a:spLocks noGrp="1"/>
           </p:cNvSpPr>
           <p:nvPr>
-            <p:ph type="body" sz="quarter" idx="20"/>
+            <p:ph type="body" sz="quarter" idx="16"/>
           </p:nvPr>
         </p:nvSpPr>
         <p:spPr>
           <a:xfrm>
-            <a:off x="8733614" y="2741993"/>
-            <a:ext cx="3156787" cy="461666"/>
+            <a:off x="2991776" y="116119"/>
+            <a:ext cx="5965794" cy="461666"/>
           </a:xfrm>
         </p:spPr>
         <p:txBody>
@@ -1931,10 +3052,10 @@
       </p:sp>
       <p:sp>
         <p:nvSpPr>
-          <p:cNvPr id="14" name="Text Placeholder 4">
-            <a:extLst>
-              <a:ext uri="{FF2B5EF4-FFF2-40B4-BE49-F238E27FC236}">
-                <a16:creationId xmlns:a16="http://schemas.microsoft.com/office/drawing/2014/main" id="{AA7693FC-DCBA-4F87-AEB1-001E02F7EFAD}"/>
+          <p:cNvPr id="3" name="Text Placeholder 2">
+            <a:extLst>
+              <a:ext uri="{FF2B5EF4-FFF2-40B4-BE49-F238E27FC236}">
+                <a16:creationId xmlns:a16="http://schemas.microsoft.com/office/drawing/2014/main" id="{AA9383AD-10FF-4129-BB81-373F78B6BD04}"/>
               </a:ext>
             </a:extLst>
           </p:cNvPr>
@@ -1942,12 +3063,53 @@
             <a:spLocks noGrp="1"/>
           </p:cNvSpPr>
           <p:nvPr>
-            <p:ph type="body" sz="quarter" idx="21"/>
+            <p:ph type="body" sz="quarter" idx="17"/>
           </p:nvPr>
         </p:nvSpPr>
         <p:spPr>
           <a:xfrm>
-            <a:off x="660748" y="5537347"/>
+            <a:off x="710" y="6338387"/>
+            <a:ext cx="3870325" cy="515937"/>
+          </a:xfrm>
+        </p:spPr>
+        <p:txBody>
+          <a:bodyPr/>
+          <a:lstStyle>
+            <a:lvl1pPr marL="0" indent="0">
+              <a:buNone/>
+              <a:defRPr>
+                <a:solidFill>
+                  <a:schemeClr val="bg1"/>
+                </a:solidFill>
+                <a:latin typeface="Bernard MT Condensed" panose="02050806060905020404" pitchFamily="18" charset="0"/>
+              </a:defRPr>
+            </a:lvl1pPr>
+          </a:lstStyle>
+          <a:p>
+            <a:pPr lvl="0"/>
+            <a:endParaRPr lang="en-ID" dirty="0"/>
+          </a:p>
+        </p:txBody>
+      </p:sp>
+      <p:sp>
+        <p:nvSpPr>
+          <p:cNvPr id="11" name="Text Placeholder 4">
+            <a:extLst>
+              <a:ext uri="{FF2B5EF4-FFF2-40B4-BE49-F238E27FC236}">
+                <a16:creationId xmlns:a16="http://schemas.microsoft.com/office/drawing/2014/main" id="{E8B489FB-7CA6-4C81-AB90-FCE08B1808F9}"/>
+              </a:ext>
+            </a:extLst>
+          </p:cNvPr>
+          <p:cNvSpPr>
+            <a:spLocks noGrp="1"/>
+          </p:cNvSpPr>
+          <p:nvPr>
+            <p:ph type="body" sz="quarter" idx="18"/>
+          </p:nvPr>
+        </p:nvSpPr>
+        <p:spPr>
+          <a:xfrm>
+            <a:off x="660748" y="2741993"/>
             <a:ext cx="3156787" cy="461666"/>
           </a:xfrm>
         </p:spPr>
@@ -2013,10 +3175,10 @@
       </p:sp>
       <p:sp>
         <p:nvSpPr>
-          <p:cNvPr id="15" name="Text Placeholder 4">
-            <a:extLst>
-              <a:ext uri="{FF2B5EF4-FFF2-40B4-BE49-F238E27FC236}">
-                <a16:creationId xmlns:a16="http://schemas.microsoft.com/office/drawing/2014/main" id="{1204F2B0-07C8-4634-A928-0C9C81DDCFBF}"/>
+          <p:cNvPr id="12" name="Text Placeholder 4">
+            <a:extLst>
+              <a:ext uri="{FF2B5EF4-FFF2-40B4-BE49-F238E27FC236}">
+                <a16:creationId xmlns:a16="http://schemas.microsoft.com/office/drawing/2014/main" id="{648D9B5E-676C-4BAB-A96F-BB01F53B7C6C}"/>
               </a:ext>
             </a:extLst>
           </p:cNvPr>
@@ -2024,12 +3186,12 @@
             <a:spLocks noGrp="1"/>
           </p:cNvSpPr>
           <p:nvPr>
-            <p:ph type="body" sz="quarter" idx="22"/>
+            <p:ph type="body" sz="quarter" idx="19"/>
           </p:nvPr>
         </p:nvSpPr>
         <p:spPr>
           <a:xfrm>
-            <a:off x="4701568" y="5537347"/>
+            <a:off x="4701568" y="2741993"/>
             <a:ext cx="3156787" cy="461666"/>
           </a:xfrm>
         </p:spPr>
@@ -2095,10 +3257,10 @@
       </p:sp>
       <p:sp>
         <p:nvSpPr>
-          <p:cNvPr id="16" name="Text Placeholder 4">
-            <a:extLst>
-              <a:ext uri="{FF2B5EF4-FFF2-40B4-BE49-F238E27FC236}">
-                <a16:creationId xmlns:a16="http://schemas.microsoft.com/office/drawing/2014/main" id="{82E377EA-0885-4677-B3E9-E61AE0F5D8A8}"/>
+          <p:cNvPr id="13" name="Text Placeholder 4">
+            <a:extLst>
+              <a:ext uri="{FF2B5EF4-FFF2-40B4-BE49-F238E27FC236}">
+                <a16:creationId xmlns:a16="http://schemas.microsoft.com/office/drawing/2014/main" id="{9B47CEE8-D6B4-4FC8-B58F-83E4EFF386E8}"/>
               </a:ext>
             </a:extLst>
           </p:cNvPr>
@@ -2106,12 +3268,12 @@
             <a:spLocks noGrp="1"/>
           </p:cNvSpPr>
           <p:nvPr>
-            <p:ph type="body" sz="quarter" idx="23"/>
+            <p:ph type="body" sz="quarter" idx="20"/>
           </p:nvPr>
         </p:nvSpPr>
         <p:spPr>
           <a:xfrm>
-            <a:off x="8733614" y="5537347"/>
+            <a:off x="8733614" y="2741993"/>
             <a:ext cx="3156787" cy="461666"/>
           </a:xfrm>
         </p:spPr>
@@ -2175,10 +3337,256 @@
           </a:p>
         </p:txBody>
       </p:sp>
+      <p:sp>
+        <p:nvSpPr>
+          <p:cNvPr id="14" name="Text Placeholder 4">
+            <a:extLst>
+              <a:ext uri="{FF2B5EF4-FFF2-40B4-BE49-F238E27FC236}">
+                <a16:creationId xmlns:a16="http://schemas.microsoft.com/office/drawing/2014/main" id="{AA7693FC-DCBA-4F87-AEB1-001E02F7EFAD}"/>
+              </a:ext>
+            </a:extLst>
+          </p:cNvPr>
+          <p:cNvSpPr>
+            <a:spLocks noGrp="1"/>
+          </p:cNvSpPr>
+          <p:nvPr>
+            <p:ph type="body" sz="quarter" idx="21"/>
+          </p:nvPr>
+        </p:nvSpPr>
+        <p:spPr>
+          <a:xfrm>
+            <a:off x="660748" y="5537347"/>
+            <a:ext cx="3156787" cy="461666"/>
+          </a:xfrm>
+        </p:spPr>
+        <p:txBody>
+          <a:bodyPr>
+            <a:noAutofit/>
+          </a:bodyPr>
+          <a:lstStyle>
+            <a:lvl1pPr marL="0" marR="0" indent="0" algn="ctr" defTabSz="914400" rtl="0" eaLnBrk="1" fontAlgn="auto" latinLnBrk="0" hangingPunct="1">
+              <a:lnSpc>
+                <a:spcPct val="100000"/>
+              </a:lnSpc>
+              <a:spcBef>
+                <a:spcPts val="0"/>
+              </a:spcBef>
+              <a:spcAft>
+                <a:spcPts val="0"/>
+              </a:spcAft>
+              <a:buClrTx/>
+              <a:buSzTx/>
+              <a:buFontTx/>
+              <a:buNone/>
+              <a:tabLst/>
+              <a:defRPr sz="1800">
+                <a:latin typeface="Arial Black" panose="020B0A04020102020204" pitchFamily="34" charset="0"/>
+              </a:defRPr>
+            </a:lvl1pPr>
+          </a:lstStyle>
+          <a:p>
+            <a:pPr marL="0" marR="0" lvl="0" indent="0" algn="ctr" defTabSz="914400" rtl="0" eaLnBrk="1" fontAlgn="auto" latinLnBrk="0" hangingPunct="1">
+              <a:lnSpc>
+                <a:spcPct val="100000"/>
+              </a:lnSpc>
+              <a:spcBef>
+                <a:spcPts val="0"/>
+              </a:spcBef>
+              <a:spcAft>
+                <a:spcPts val="0"/>
+              </a:spcAft>
+              <a:buClrTx/>
+              <a:buSzTx/>
+              <a:buFontTx/>
+              <a:buNone/>
+              <a:tabLst/>
+              <a:defRPr/>
+            </a:pPr>
+            <a:endParaRPr kumimoji="0" lang="en-ID" sz="3600" b="0" i="0" u="none" strike="noStrike" kern="1200" cap="none" spc="0" normalizeH="0" baseline="0" noProof="0" dirty="0">
+              <a:ln>
+                <a:noFill/>
+              </a:ln>
+              <a:solidFill>
+                <a:prstClr val="black"/>
+              </a:solidFill>
+              <a:effectLst/>
+              <a:uLnTx/>
+              <a:uFillTx/>
+              <a:latin typeface="+mn-lt"/>
+              <a:ea typeface="+mn-ea"/>
+              <a:cs typeface="+mn-cs"/>
+            </a:endParaRPr>
+          </a:p>
+        </p:txBody>
+      </p:sp>
+      <p:sp>
+        <p:nvSpPr>
+          <p:cNvPr id="15" name="Text Placeholder 4">
+            <a:extLst>
+              <a:ext uri="{FF2B5EF4-FFF2-40B4-BE49-F238E27FC236}">
+                <a16:creationId xmlns:a16="http://schemas.microsoft.com/office/drawing/2014/main" id="{1204F2B0-07C8-4634-A928-0C9C81DDCFBF}"/>
+              </a:ext>
+            </a:extLst>
+          </p:cNvPr>
+          <p:cNvSpPr>
+            <a:spLocks noGrp="1"/>
+          </p:cNvSpPr>
+          <p:nvPr>
+            <p:ph type="body" sz="quarter" idx="22"/>
+          </p:nvPr>
+        </p:nvSpPr>
+        <p:spPr>
+          <a:xfrm>
+            <a:off x="4701568" y="5537347"/>
+            <a:ext cx="3156787" cy="461666"/>
+          </a:xfrm>
+        </p:spPr>
+        <p:txBody>
+          <a:bodyPr>
+            <a:noAutofit/>
+          </a:bodyPr>
+          <a:lstStyle>
+            <a:lvl1pPr marL="0" marR="0" indent="0" algn="ctr" defTabSz="914400" rtl="0" eaLnBrk="1" fontAlgn="auto" latinLnBrk="0" hangingPunct="1">
+              <a:lnSpc>
+                <a:spcPct val="100000"/>
+              </a:lnSpc>
+              <a:spcBef>
+                <a:spcPts val="0"/>
+              </a:spcBef>
+              <a:spcAft>
+                <a:spcPts val="0"/>
+              </a:spcAft>
+              <a:buClrTx/>
+              <a:buSzTx/>
+              <a:buFontTx/>
+              <a:buNone/>
+              <a:tabLst/>
+              <a:defRPr sz="1800">
+                <a:latin typeface="Arial Black" panose="020B0A04020102020204" pitchFamily="34" charset="0"/>
+              </a:defRPr>
+            </a:lvl1pPr>
+          </a:lstStyle>
+          <a:p>
+            <a:pPr marL="0" marR="0" lvl="0" indent="0" algn="ctr" defTabSz="914400" rtl="0" eaLnBrk="1" fontAlgn="auto" latinLnBrk="0" hangingPunct="1">
+              <a:lnSpc>
+                <a:spcPct val="100000"/>
+              </a:lnSpc>
+              <a:spcBef>
+                <a:spcPts val="0"/>
+              </a:spcBef>
+              <a:spcAft>
+                <a:spcPts val="0"/>
+              </a:spcAft>
+              <a:buClrTx/>
+              <a:buSzTx/>
+              <a:buFontTx/>
+              <a:buNone/>
+              <a:tabLst/>
+              <a:defRPr/>
+            </a:pPr>
+            <a:endParaRPr kumimoji="0" lang="en-ID" sz="3600" b="0" i="0" u="none" strike="noStrike" kern="1200" cap="none" spc="0" normalizeH="0" baseline="0" noProof="0" dirty="0">
+              <a:ln>
+                <a:noFill/>
+              </a:ln>
+              <a:solidFill>
+                <a:prstClr val="black"/>
+              </a:solidFill>
+              <a:effectLst/>
+              <a:uLnTx/>
+              <a:uFillTx/>
+              <a:latin typeface="+mn-lt"/>
+              <a:ea typeface="+mn-ea"/>
+              <a:cs typeface="+mn-cs"/>
+            </a:endParaRPr>
+          </a:p>
+        </p:txBody>
+      </p:sp>
+      <p:sp>
+        <p:nvSpPr>
+          <p:cNvPr id="16" name="Text Placeholder 4">
+            <a:extLst>
+              <a:ext uri="{FF2B5EF4-FFF2-40B4-BE49-F238E27FC236}">
+                <a16:creationId xmlns:a16="http://schemas.microsoft.com/office/drawing/2014/main" id="{82E377EA-0885-4677-B3E9-E61AE0F5D8A8}"/>
+              </a:ext>
+            </a:extLst>
+          </p:cNvPr>
+          <p:cNvSpPr>
+            <a:spLocks noGrp="1"/>
+          </p:cNvSpPr>
+          <p:nvPr>
+            <p:ph type="body" sz="quarter" idx="23"/>
+          </p:nvPr>
+        </p:nvSpPr>
+        <p:spPr>
+          <a:xfrm>
+            <a:off x="8733614" y="5537347"/>
+            <a:ext cx="3156787" cy="461666"/>
+          </a:xfrm>
+        </p:spPr>
+        <p:txBody>
+          <a:bodyPr>
+            <a:noAutofit/>
+          </a:bodyPr>
+          <a:lstStyle>
+            <a:lvl1pPr marL="0" marR="0" indent="0" algn="ctr" defTabSz="914400" rtl="0" eaLnBrk="1" fontAlgn="auto" latinLnBrk="0" hangingPunct="1">
+              <a:lnSpc>
+                <a:spcPct val="100000"/>
+              </a:lnSpc>
+              <a:spcBef>
+                <a:spcPts val="0"/>
+              </a:spcBef>
+              <a:spcAft>
+                <a:spcPts val="0"/>
+              </a:spcAft>
+              <a:buClrTx/>
+              <a:buSzTx/>
+              <a:buFontTx/>
+              <a:buNone/>
+              <a:tabLst/>
+              <a:defRPr sz="1800">
+                <a:latin typeface="Arial Black" panose="020B0A04020102020204" pitchFamily="34" charset="0"/>
+              </a:defRPr>
+            </a:lvl1pPr>
+          </a:lstStyle>
+          <a:p>
+            <a:pPr marL="0" marR="0" lvl="0" indent="0" algn="ctr" defTabSz="914400" rtl="0" eaLnBrk="1" fontAlgn="auto" latinLnBrk="0" hangingPunct="1">
+              <a:lnSpc>
+                <a:spcPct val="100000"/>
+              </a:lnSpc>
+              <a:spcBef>
+                <a:spcPts val="0"/>
+              </a:spcBef>
+              <a:spcAft>
+                <a:spcPts val="0"/>
+              </a:spcAft>
+              <a:buClrTx/>
+              <a:buSzTx/>
+              <a:buFontTx/>
+              <a:buNone/>
+              <a:tabLst/>
+              <a:defRPr/>
+            </a:pPr>
+            <a:endParaRPr kumimoji="0" lang="en-ID" sz="3600" b="0" i="0" u="none" strike="noStrike" kern="1200" cap="none" spc="0" normalizeH="0" baseline="0" noProof="0" dirty="0">
+              <a:ln>
+                <a:noFill/>
+              </a:ln>
+              <a:solidFill>
+                <a:prstClr val="black"/>
+              </a:solidFill>
+              <a:effectLst/>
+              <a:uLnTx/>
+              <a:uFillTx/>
+              <a:latin typeface="+mn-lt"/>
+              <a:ea typeface="+mn-ea"/>
+              <a:cs typeface="+mn-cs"/>
+            </a:endParaRPr>
+          </a:p>
+        </p:txBody>
+      </p:sp>
     </p:spTree>
     <p:extLst>
       <p:ext uri="{BB962C8B-B14F-4D97-AF65-F5344CB8AC3E}">
-        <p14:creationId xmlns:p14="http://schemas.microsoft.com/office/powerpoint/2010/main" val="765954051"/>
+        <p14:creationId xmlns:p14="http://schemas.microsoft.com/office/powerpoint/2010/main" val="208538613"/>
       </p:ext>
     </p:extLst>
   </p:cSld>
@@ -2188,7 +3596,7 @@
 </p:sldLayout>
 </file>
 
-<file path=ppt/slideLayouts/slideLayout3.xml><?xml version="1.0" encoding="utf-8"?>
+<file path=ppt/slideLayouts/slideLayout4.xml><?xml version="1.0" encoding="utf-8"?>
 <p:sldLayout xmlns:a="http://schemas.openxmlformats.org/drawingml/2006/main" xmlns:r="http://schemas.openxmlformats.org/officeDocument/2006/relationships" xmlns:p="http://schemas.openxmlformats.org/presentationml/2006/main" preserve="1" userDrawn="1">
   <p:cSld name="Title and Content">
     <p:spTree>
@@ -3168,7 +4576,7 @@
 </p:sldLayout>
 </file>
 
-<file path=ppt/slideLayouts/slideLayout4.xml><?xml version="1.0" encoding="utf-8"?>
+<file path=ppt/slideLayouts/slideLayout5.xml><?xml version="1.0" encoding="utf-8"?>
 <p:sldLayout xmlns:a="http://schemas.openxmlformats.org/drawingml/2006/main" xmlns:r="http://schemas.openxmlformats.org/officeDocument/2006/relationships" xmlns:p="http://schemas.openxmlformats.org/presentationml/2006/main" type="secHead" preserve="1">
   <p:cSld name="Section Header">
     <p:spTree>
@@ -3371,7 +4779,7 @@
           <a:p>
             <a:fld id="{536FDD0A-57AF-4A80-93F2-40827A609B2E}" type="datetimeFigureOut">
               <a:rPr lang="en-ID" smtClean="0"/>
-              <a:t>06/07/2023</a:t>
+              <a:t>09/10/2023</a:t>
             </a:fld>
             <a:endParaRPr lang="en-ID"/>
           </a:p>
@@ -3444,7 +4852,7 @@
 </p:sldLayout>
 </file>
 
-<file path=ppt/slideLayouts/slideLayout5.xml><?xml version="1.0" encoding="utf-8"?>
+<file path=ppt/slideLayouts/slideLayout6.xml><?xml version="1.0" encoding="utf-8"?>
 <p:sldLayout xmlns:a="http://schemas.openxmlformats.org/drawingml/2006/main" xmlns:r="http://schemas.openxmlformats.org/officeDocument/2006/relationships" xmlns:p="http://schemas.openxmlformats.org/presentationml/2006/main" type="twoObj" preserve="1">
   <p:cSld name="Two Content">
     <p:spTree>
@@ -3639,7 +5047,7 @@
           <a:p>
             <a:fld id="{536FDD0A-57AF-4A80-93F2-40827A609B2E}" type="datetimeFigureOut">
               <a:rPr lang="en-ID" smtClean="0"/>
-              <a:t>06/07/2023</a:t>
+              <a:t>09/10/2023</a:t>
             </a:fld>
             <a:endParaRPr lang="en-ID"/>
           </a:p>
@@ -3712,7 +5120,7 @@
 </p:sldLayout>
 </file>
 
-<file path=ppt/slideLayouts/slideLayout6.xml><?xml version="1.0" encoding="utf-8"?>
+<file path=ppt/slideLayouts/slideLayout7.xml><?xml version="1.0" encoding="utf-8"?>
 <p:sldLayout xmlns:a="http://schemas.openxmlformats.org/drawingml/2006/main" xmlns:r="http://schemas.openxmlformats.org/officeDocument/2006/relationships" xmlns:p="http://schemas.openxmlformats.org/presentationml/2006/main" type="twoTxTwoObj" preserve="1">
   <p:cSld name="Comparison">
     <p:spTree>
@@ -4054,7 +5462,7 @@
           <a:p>
             <a:fld id="{536FDD0A-57AF-4A80-93F2-40827A609B2E}" type="datetimeFigureOut">
               <a:rPr lang="en-ID" smtClean="0"/>
-              <a:t>06/07/2023</a:t>
+              <a:t>09/10/2023</a:t>
             </a:fld>
             <a:endParaRPr lang="en-ID"/>
           </a:p>
@@ -4127,7 +5535,7 @@
 </p:sldLayout>
 </file>
 
-<file path=ppt/slideLayouts/slideLayout7.xml><?xml version="1.0" encoding="utf-8"?>
+<file path=ppt/slideLayouts/slideLayout8.xml><?xml version="1.0" encoding="utf-8"?>
 <p:sldLayout xmlns:a="http://schemas.openxmlformats.org/drawingml/2006/main" xmlns:r="http://schemas.openxmlformats.org/officeDocument/2006/relationships" xmlns:p="http://schemas.openxmlformats.org/presentationml/2006/main" type="blank" preserve="1">
   <p:cSld name="Blank">
     <p:spTree>
@@ -4167,7 +5575,7 @@
           <a:p>
             <a:fld id="{536FDD0A-57AF-4A80-93F2-40827A609B2E}" type="datetimeFigureOut">
               <a:rPr lang="en-ID" smtClean="0"/>
-              <a:t>06/07/2023</a:t>
+              <a:t>09/10/2023</a:t>
             </a:fld>
             <a:endParaRPr lang="en-ID"/>
           </a:p>
@@ -4240,7 +5648,7 @@
 </p:sldLayout>
 </file>
 
-<file path=ppt/slideLayouts/slideLayout8.xml><?xml version="1.0" encoding="utf-8"?>
+<file path=ppt/slideLayouts/slideLayout9.xml><?xml version="1.0" encoding="utf-8"?>
 <p:sldLayout xmlns:a="http://schemas.openxmlformats.org/drawingml/2006/main" xmlns:r="http://schemas.openxmlformats.org/officeDocument/2006/relationships" xmlns:p="http://schemas.openxmlformats.org/presentationml/2006/main" type="objTx" preserve="1">
   <p:cSld name="Content with Caption">
     <p:spTree>
@@ -4480,7 +5888,7 @@
           <a:p>
             <a:fld id="{536FDD0A-57AF-4A80-93F2-40827A609B2E}" type="datetimeFigureOut">
               <a:rPr lang="en-ID" smtClean="0"/>
-              <a:t>06/07/2023</a:t>
+              <a:t>09/10/2023</a:t>
             </a:fld>
             <a:endParaRPr lang="en-ID"/>
           </a:p>
@@ -4544,295 +5952,6 @@
     <p:extLst>
       <p:ext uri="{BB962C8B-B14F-4D97-AF65-F5344CB8AC3E}">
         <p14:creationId xmlns:p14="http://schemas.microsoft.com/office/powerpoint/2010/main" val="2901235680"/>
-      </p:ext>
-    </p:extLst>
-  </p:cSld>
-  <p:clrMapOvr>
-    <a:masterClrMapping/>
-  </p:clrMapOvr>
-</p:sldLayout>
-</file>
-
-<file path=ppt/slideLayouts/slideLayout9.xml><?xml version="1.0" encoding="utf-8"?>
-<p:sldLayout xmlns:a="http://schemas.openxmlformats.org/drawingml/2006/main" xmlns:r="http://schemas.openxmlformats.org/officeDocument/2006/relationships" xmlns:p="http://schemas.openxmlformats.org/presentationml/2006/main" type="picTx" preserve="1">
-  <p:cSld name="Picture with Caption">
-    <p:spTree>
-      <p:nvGrpSpPr>
-        <p:cNvPr id="1" name=""/>
-        <p:cNvGrpSpPr/>
-        <p:nvPr/>
-      </p:nvGrpSpPr>
-      <p:grpSpPr>
-        <a:xfrm>
-          <a:off x="0" y="0"/>
-          <a:ext cx="0" cy="0"/>
-          <a:chOff x="0" y="0"/>
-          <a:chExt cx="0" cy="0"/>
-        </a:xfrm>
-      </p:grpSpPr>
-      <p:sp>
-        <p:nvSpPr>
-          <p:cNvPr id="2" name="Title 1">
-            <a:extLst>
-              <a:ext uri="{FF2B5EF4-FFF2-40B4-BE49-F238E27FC236}">
-                <a16:creationId xmlns:a16="http://schemas.microsoft.com/office/drawing/2014/main" id="{32FF1A92-8C67-4436-B30F-9E24568E1962}"/>
-              </a:ext>
-            </a:extLst>
-          </p:cNvPr>
-          <p:cNvSpPr>
-            <a:spLocks noGrp="1"/>
-          </p:cNvSpPr>
-          <p:nvPr>
-            <p:ph type="title"/>
-          </p:nvPr>
-        </p:nvSpPr>
-        <p:spPr>
-          <a:xfrm>
-            <a:off x="839788" y="457200"/>
-            <a:ext cx="3932237" cy="1600200"/>
-          </a:xfrm>
-        </p:spPr>
-        <p:txBody>
-          <a:bodyPr anchor="b"/>
-          <a:lstStyle>
-            <a:lvl1pPr>
-              <a:defRPr sz="3200"/>
-            </a:lvl1pPr>
-          </a:lstStyle>
-          <a:p>
-            <a:r>
-              <a:rPr lang="en-US"/>
-              <a:t>Click to edit Master title style</a:t>
-            </a:r>
-            <a:endParaRPr lang="en-ID"/>
-          </a:p>
-        </p:txBody>
-      </p:sp>
-      <p:sp>
-        <p:nvSpPr>
-          <p:cNvPr id="3" name="Picture Placeholder 2">
-            <a:extLst>
-              <a:ext uri="{FF2B5EF4-FFF2-40B4-BE49-F238E27FC236}">
-                <a16:creationId xmlns:a16="http://schemas.microsoft.com/office/drawing/2014/main" id="{ED5098DD-675B-4C15-BFFC-CFBF210EADA8}"/>
-              </a:ext>
-            </a:extLst>
-          </p:cNvPr>
-          <p:cNvSpPr>
-            <a:spLocks noGrp="1"/>
-          </p:cNvSpPr>
-          <p:nvPr>
-            <p:ph type="pic" idx="1"/>
-          </p:nvPr>
-        </p:nvSpPr>
-        <p:spPr>
-          <a:xfrm>
-            <a:off x="5183188" y="987425"/>
-            <a:ext cx="6172200" cy="4873625"/>
-          </a:xfrm>
-        </p:spPr>
-        <p:txBody>
-          <a:bodyPr/>
-          <a:lstStyle>
-            <a:lvl1pPr marL="0" indent="0">
-              <a:buNone/>
-              <a:defRPr sz="3200"/>
-            </a:lvl1pPr>
-            <a:lvl2pPr marL="457200" indent="0">
-              <a:buNone/>
-              <a:defRPr sz="2800"/>
-            </a:lvl2pPr>
-            <a:lvl3pPr marL="914400" indent="0">
-              <a:buNone/>
-              <a:defRPr sz="2400"/>
-            </a:lvl3pPr>
-            <a:lvl4pPr marL="1371600" indent="0">
-              <a:buNone/>
-              <a:defRPr sz="2000"/>
-            </a:lvl4pPr>
-            <a:lvl5pPr marL="1828800" indent="0">
-              <a:buNone/>
-              <a:defRPr sz="2000"/>
-            </a:lvl5pPr>
-            <a:lvl6pPr marL="2286000" indent="0">
-              <a:buNone/>
-              <a:defRPr sz="2000"/>
-            </a:lvl6pPr>
-            <a:lvl7pPr marL="2743200" indent="0">
-              <a:buNone/>
-              <a:defRPr sz="2000"/>
-            </a:lvl7pPr>
-            <a:lvl8pPr marL="3200400" indent="0">
-              <a:buNone/>
-              <a:defRPr sz="2000"/>
-            </a:lvl8pPr>
-            <a:lvl9pPr marL="3657600" indent="0">
-              <a:buNone/>
-              <a:defRPr sz="2000"/>
-            </a:lvl9pPr>
-          </a:lstStyle>
-          <a:p>
-            <a:endParaRPr lang="en-ID"/>
-          </a:p>
-        </p:txBody>
-      </p:sp>
-      <p:sp>
-        <p:nvSpPr>
-          <p:cNvPr id="4" name="Text Placeholder 3">
-            <a:extLst>
-              <a:ext uri="{FF2B5EF4-FFF2-40B4-BE49-F238E27FC236}">
-                <a16:creationId xmlns:a16="http://schemas.microsoft.com/office/drawing/2014/main" id="{7DA7A1D6-6018-412D-81F6-37EB69585B17}"/>
-              </a:ext>
-            </a:extLst>
-          </p:cNvPr>
-          <p:cNvSpPr>
-            <a:spLocks noGrp="1"/>
-          </p:cNvSpPr>
-          <p:nvPr>
-            <p:ph type="body" sz="half" idx="2"/>
-          </p:nvPr>
-        </p:nvSpPr>
-        <p:spPr>
-          <a:xfrm>
-            <a:off x="839788" y="2057400"/>
-            <a:ext cx="3932237" cy="3811588"/>
-          </a:xfrm>
-        </p:spPr>
-        <p:txBody>
-          <a:bodyPr/>
-          <a:lstStyle>
-            <a:lvl1pPr marL="0" indent="0">
-              <a:buNone/>
-              <a:defRPr sz="1600"/>
-            </a:lvl1pPr>
-            <a:lvl2pPr marL="457200" indent="0">
-              <a:buNone/>
-              <a:defRPr sz="1400"/>
-            </a:lvl2pPr>
-            <a:lvl3pPr marL="914400" indent="0">
-              <a:buNone/>
-              <a:defRPr sz="1200"/>
-            </a:lvl3pPr>
-            <a:lvl4pPr marL="1371600" indent="0">
-              <a:buNone/>
-              <a:defRPr sz="1000"/>
-            </a:lvl4pPr>
-            <a:lvl5pPr marL="1828800" indent="0">
-              <a:buNone/>
-              <a:defRPr sz="1000"/>
-            </a:lvl5pPr>
-            <a:lvl6pPr marL="2286000" indent="0">
-              <a:buNone/>
-              <a:defRPr sz="1000"/>
-            </a:lvl6pPr>
-            <a:lvl7pPr marL="2743200" indent="0">
-              <a:buNone/>
-              <a:defRPr sz="1000"/>
-            </a:lvl7pPr>
-            <a:lvl8pPr marL="3200400" indent="0">
-              <a:buNone/>
-              <a:defRPr sz="1000"/>
-            </a:lvl8pPr>
-            <a:lvl9pPr marL="3657600" indent="0">
-              <a:buNone/>
-              <a:defRPr sz="1000"/>
-            </a:lvl9pPr>
-          </a:lstStyle>
-          <a:p>
-            <a:pPr lvl="0"/>
-            <a:r>
-              <a:rPr lang="en-US"/>
-              <a:t>Edit Master text styles</a:t>
-            </a:r>
-          </a:p>
-        </p:txBody>
-      </p:sp>
-      <p:sp>
-        <p:nvSpPr>
-          <p:cNvPr id="5" name="Date Placeholder 4">
-            <a:extLst>
-              <a:ext uri="{FF2B5EF4-FFF2-40B4-BE49-F238E27FC236}">
-                <a16:creationId xmlns:a16="http://schemas.microsoft.com/office/drawing/2014/main" id="{82B142C2-C2A8-4383-B837-5C8B8294795D}"/>
-              </a:ext>
-            </a:extLst>
-          </p:cNvPr>
-          <p:cNvSpPr>
-            <a:spLocks noGrp="1"/>
-          </p:cNvSpPr>
-          <p:nvPr>
-            <p:ph type="dt" sz="half" idx="10"/>
-          </p:nvPr>
-        </p:nvSpPr>
-        <p:spPr/>
-        <p:txBody>
-          <a:bodyPr/>
-          <a:lstStyle/>
-          <a:p>
-            <a:fld id="{536FDD0A-57AF-4A80-93F2-40827A609B2E}" type="datetimeFigureOut">
-              <a:rPr lang="en-ID" smtClean="0"/>
-              <a:t>06/07/2023</a:t>
-            </a:fld>
-            <a:endParaRPr lang="en-ID"/>
-          </a:p>
-        </p:txBody>
-      </p:sp>
-      <p:sp>
-        <p:nvSpPr>
-          <p:cNvPr id="6" name="Footer Placeholder 5">
-            <a:extLst>
-              <a:ext uri="{FF2B5EF4-FFF2-40B4-BE49-F238E27FC236}">
-                <a16:creationId xmlns:a16="http://schemas.microsoft.com/office/drawing/2014/main" id="{91946F19-D84F-46A8-9013-C6086CC1198A}"/>
-              </a:ext>
-            </a:extLst>
-          </p:cNvPr>
-          <p:cNvSpPr>
-            <a:spLocks noGrp="1"/>
-          </p:cNvSpPr>
-          <p:nvPr>
-            <p:ph type="ftr" sz="quarter" idx="11"/>
-          </p:nvPr>
-        </p:nvSpPr>
-        <p:spPr/>
-        <p:txBody>
-          <a:bodyPr/>
-          <a:lstStyle/>
-          <a:p>
-            <a:endParaRPr lang="en-ID"/>
-          </a:p>
-        </p:txBody>
-      </p:sp>
-      <p:sp>
-        <p:nvSpPr>
-          <p:cNvPr id="7" name="Slide Number Placeholder 6">
-            <a:extLst>
-              <a:ext uri="{FF2B5EF4-FFF2-40B4-BE49-F238E27FC236}">
-                <a16:creationId xmlns:a16="http://schemas.microsoft.com/office/drawing/2014/main" id="{C6A38B5C-EEA5-4C86-AA5C-3BBB6B84AB46}"/>
-              </a:ext>
-            </a:extLst>
-          </p:cNvPr>
-          <p:cNvSpPr>
-            <a:spLocks noGrp="1"/>
-          </p:cNvSpPr>
-          <p:nvPr>
-            <p:ph type="sldNum" sz="quarter" idx="12"/>
-          </p:nvPr>
-        </p:nvSpPr>
-        <p:spPr/>
-        <p:txBody>
-          <a:bodyPr/>
-          <a:lstStyle/>
-          <a:p>
-            <a:fld id="{6FE961E3-02E5-4DEB-BA10-874BF8C0F7CA}" type="slidenum">
-              <a:rPr lang="en-ID" smtClean="0"/>
-              <a:t>‹#›</a:t>
-            </a:fld>
-            <a:endParaRPr lang="en-ID"/>
-          </a:p>
-        </p:txBody>
-      </p:sp>
-    </p:spTree>
-    <p:extLst>
-      <p:ext uri="{BB962C8B-B14F-4D97-AF65-F5344CB8AC3E}">
-        <p14:creationId xmlns:p14="http://schemas.microsoft.com/office/powerpoint/2010/main" val="3807042545"/>
       </p:ext>
     </p:extLst>
   </p:cSld>
@@ -5012,7 +6131,7 @@
           <a:p>
             <a:fld id="{536FDD0A-57AF-4A80-93F2-40827A609B2E}" type="datetimeFigureOut">
               <a:rPr lang="en-ID" smtClean="0"/>
-              <a:t>06/07/2023</a:t>
+              <a:t>09/10/2023</a:t>
             </a:fld>
             <a:endParaRPr lang="en-ID"/>
           </a:p>
@@ -5119,15 +6238,16 @@
   <p:sldLayoutIdLst>
     <p:sldLayoutId id="2147483649" r:id="rId1"/>
     <p:sldLayoutId id="2147483660" r:id="rId2"/>
-    <p:sldLayoutId id="2147483650" r:id="rId3"/>
-    <p:sldLayoutId id="2147483651" r:id="rId4"/>
-    <p:sldLayoutId id="2147483652" r:id="rId5"/>
-    <p:sldLayoutId id="2147483653" r:id="rId6"/>
-    <p:sldLayoutId id="2147483655" r:id="rId7"/>
-    <p:sldLayoutId id="2147483656" r:id="rId8"/>
-    <p:sldLayoutId id="2147483657" r:id="rId9"/>
-    <p:sldLayoutId id="2147483658" r:id="rId10"/>
-    <p:sldLayoutId id="2147483659" r:id="rId11"/>
+    <p:sldLayoutId id="2147483661" r:id="rId3"/>
+    <p:sldLayoutId id="2147483650" r:id="rId4"/>
+    <p:sldLayoutId id="2147483651" r:id="rId5"/>
+    <p:sldLayoutId id="2147483652" r:id="rId6"/>
+    <p:sldLayoutId id="2147483653" r:id="rId7"/>
+    <p:sldLayoutId id="2147483655" r:id="rId8"/>
+    <p:sldLayoutId id="2147483656" r:id="rId9"/>
+    <p:sldLayoutId id="2147483657" r:id="rId10"/>
+    <p:sldLayoutId id="2147483658" r:id="rId11"/>
+    <p:sldLayoutId id="2147483659" r:id="rId12"/>
   </p:sldLayoutIdLst>
   <p:txStyles>
     <p:titleStyle>

--- a/slide_master.pptx
+++ b/slide_master.pptx
@@ -258,7 +258,7 @@
           <a:p>
             <a:fld id="{536FDD0A-57AF-4A80-93F2-40827A609B2E}" type="datetimeFigureOut">
               <a:rPr lang="en-ID" smtClean="0"/>
-              <a:t>09/10/2023</a:t>
+              <a:t>03/09/2024</a:t>
             </a:fld>
             <a:endParaRPr lang="en-ID"/>
           </a:p>
@@ -547,7 +547,7 @@
           <a:p>
             <a:fld id="{536FDD0A-57AF-4A80-93F2-40827A609B2E}" type="datetimeFigureOut">
               <a:rPr lang="en-ID" smtClean="0"/>
-              <a:t>09/10/2023</a:t>
+              <a:t>03/09/2024</a:t>
             </a:fld>
             <a:endParaRPr lang="en-ID"/>
           </a:p>
@@ -747,7 +747,7 @@
           <a:p>
             <a:fld id="{536FDD0A-57AF-4A80-93F2-40827A609B2E}" type="datetimeFigureOut">
               <a:rPr lang="en-ID" smtClean="0"/>
-              <a:t>09/10/2023</a:t>
+              <a:t>03/09/2024</a:t>
             </a:fld>
             <a:endParaRPr lang="en-ID"/>
           </a:p>
@@ -957,7 +957,7 @@
           <a:p>
             <a:fld id="{536FDD0A-57AF-4A80-93F2-40827A609B2E}" type="datetimeFigureOut">
               <a:rPr lang="en-ID" smtClean="0"/>
-              <a:t>09/10/2023</a:t>
+              <a:t>03/09/2024</a:t>
             </a:fld>
             <a:endParaRPr lang="en-ID"/>
           </a:p>
@@ -1032,7 +1032,7 @@
 
 <file path=ppt/slideLayouts/slideLayout2.xml><?xml version="1.0" encoding="utf-8"?>
 <p:sldLayout xmlns:a="http://schemas.openxmlformats.org/drawingml/2006/main" xmlns:r="http://schemas.openxmlformats.org/officeDocument/2006/relationships" xmlns:p="http://schemas.openxmlformats.org/presentationml/2006/main" preserve="1" userDrawn="1">
-  <p:cSld name="1_Title Only">
+  <p:cSld name="3_Title Only">
     <p:spTree>
       <p:nvGrpSpPr>
         <p:cNvPr id="1" name=""/>
@@ -1049,203 +1049,32 @@
       </p:grpSpPr>
       <p:sp>
         <p:nvSpPr>
-          <p:cNvPr id="6" name="Rectangle 7">
-            <a:extLst>
-              <a:ext uri="{FF2B5EF4-FFF2-40B4-BE49-F238E27FC236}">
-                <a16:creationId xmlns:a16="http://schemas.microsoft.com/office/drawing/2014/main" id="{DFB09729-9660-4E4E-A843-599B8E71809D}"/>
-              </a:ext>
-            </a:extLst>
-          </p:cNvPr>
-          <p:cNvSpPr/>
-          <p:nvPr userDrawn="1"/>
-        </p:nvSpPr>
-        <p:spPr>
-          <a:xfrm>
-            <a:off x="6219373" y="6711646"/>
-            <a:ext cx="3614056" cy="145143"/>
-          </a:xfrm>
-          <a:custGeom>
-            <a:avLst/>
-            <a:gdLst>
-              <a:gd name="connsiteX0" fmla="*/ 0 w 4016188"/>
-              <a:gd name="connsiteY0" fmla="*/ 0 h 143436"/>
-              <a:gd name="connsiteX1" fmla="*/ 4016188 w 4016188"/>
-              <a:gd name="connsiteY1" fmla="*/ 0 h 143436"/>
-              <a:gd name="connsiteX2" fmla="*/ 4016188 w 4016188"/>
-              <a:gd name="connsiteY2" fmla="*/ 143436 h 143436"/>
-              <a:gd name="connsiteX3" fmla="*/ 0 w 4016188"/>
-              <a:gd name="connsiteY3" fmla="*/ 143436 h 143436"/>
-              <a:gd name="connsiteX4" fmla="*/ 0 w 4016188"/>
-              <a:gd name="connsiteY4" fmla="*/ 0 h 143436"/>
-              <a:gd name="connsiteX0" fmla="*/ 0 w 4016188"/>
-              <a:gd name="connsiteY0" fmla="*/ 8965 h 152401"/>
-              <a:gd name="connsiteX1" fmla="*/ 3881717 w 4016188"/>
-              <a:gd name="connsiteY1" fmla="*/ 0 h 152401"/>
-              <a:gd name="connsiteX2" fmla="*/ 4016188 w 4016188"/>
-              <a:gd name="connsiteY2" fmla="*/ 152401 h 152401"/>
-              <a:gd name="connsiteX3" fmla="*/ 0 w 4016188"/>
-              <a:gd name="connsiteY3" fmla="*/ 152401 h 152401"/>
-              <a:gd name="connsiteX4" fmla="*/ 0 w 4016188"/>
-              <a:gd name="connsiteY4" fmla="*/ 8965 h 152401"/>
-              <a:gd name="connsiteX0" fmla="*/ 0 w 4016188"/>
-              <a:gd name="connsiteY0" fmla="*/ 8965 h 152401"/>
-              <a:gd name="connsiteX1" fmla="*/ 3863787 w 4016188"/>
-              <a:gd name="connsiteY1" fmla="*/ 0 h 152401"/>
-              <a:gd name="connsiteX2" fmla="*/ 4016188 w 4016188"/>
-              <a:gd name="connsiteY2" fmla="*/ 152401 h 152401"/>
-              <a:gd name="connsiteX3" fmla="*/ 0 w 4016188"/>
-              <a:gd name="connsiteY3" fmla="*/ 152401 h 152401"/>
-              <a:gd name="connsiteX4" fmla="*/ 0 w 4016188"/>
-              <a:gd name="connsiteY4" fmla="*/ 8965 h 152401"/>
-              <a:gd name="connsiteX0" fmla="*/ 0 w 4016188"/>
-              <a:gd name="connsiteY0" fmla="*/ 6559 h 149995"/>
-              <a:gd name="connsiteX1" fmla="*/ 3885444 w 4016188"/>
-              <a:gd name="connsiteY1" fmla="*/ 0 h 149995"/>
-              <a:gd name="connsiteX2" fmla="*/ 4016188 w 4016188"/>
-              <a:gd name="connsiteY2" fmla="*/ 149995 h 149995"/>
-              <a:gd name="connsiteX3" fmla="*/ 0 w 4016188"/>
-              <a:gd name="connsiteY3" fmla="*/ 149995 h 149995"/>
-              <a:gd name="connsiteX4" fmla="*/ 0 w 4016188"/>
-              <a:gd name="connsiteY4" fmla="*/ 6559 h 149995"/>
-              <a:gd name="connsiteX0" fmla="*/ 0 w 4016188"/>
-              <a:gd name="connsiteY0" fmla="*/ 8965 h 152401"/>
-              <a:gd name="connsiteX1" fmla="*/ 3861381 w 4016188"/>
-              <a:gd name="connsiteY1" fmla="*/ 0 h 152401"/>
-              <a:gd name="connsiteX2" fmla="*/ 4016188 w 4016188"/>
-              <a:gd name="connsiteY2" fmla="*/ 152401 h 152401"/>
-              <a:gd name="connsiteX3" fmla="*/ 0 w 4016188"/>
-              <a:gd name="connsiteY3" fmla="*/ 152401 h 152401"/>
-              <a:gd name="connsiteX4" fmla="*/ 0 w 4016188"/>
-              <a:gd name="connsiteY4" fmla="*/ 8965 h 152401"/>
-              <a:gd name="connsiteX0" fmla="*/ 0 w 4021601"/>
-              <a:gd name="connsiteY0" fmla="*/ 829 h 152401"/>
-              <a:gd name="connsiteX1" fmla="*/ 3866794 w 4021601"/>
-              <a:gd name="connsiteY1" fmla="*/ 0 h 152401"/>
-              <a:gd name="connsiteX2" fmla="*/ 4021601 w 4021601"/>
-              <a:gd name="connsiteY2" fmla="*/ 152401 h 152401"/>
-              <a:gd name="connsiteX3" fmla="*/ 5413 w 4021601"/>
-              <a:gd name="connsiteY3" fmla="*/ 152401 h 152401"/>
-              <a:gd name="connsiteX4" fmla="*/ 0 w 4021601"/>
-              <a:gd name="connsiteY4" fmla="*/ 829 h 152401"/>
-              <a:gd name="connsiteX0" fmla="*/ 0 w 4021601"/>
-              <a:gd name="connsiteY0" fmla="*/ 0 h 151572"/>
-              <a:gd name="connsiteX1" fmla="*/ 3728015 w 4021601"/>
-              <a:gd name="connsiteY1" fmla="*/ 8588 h 151572"/>
-              <a:gd name="connsiteX2" fmla="*/ 4021601 w 4021601"/>
-              <a:gd name="connsiteY2" fmla="*/ 151572 h 151572"/>
-              <a:gd name="connsiteX3" fmla="*/ 5413 w 4021601"/>
-              <a:gd name="connsiteY3" fmla="*/ 151572 h 151572"/>
-              <a:gd name="connsiteX4" fmla="*/ 0 w 4021601"/>
-              <a:gd name="connsiteY4" fmla="*/ 0 h 151572"/>
-              <a:gd name="connsiteX0" fmla="*/ 0 w 4021601"/>
-              <a:gd name="connsiteY0" fmla="*/ 0 h 151572"/>
-              <a:gd name="connsiteX1" fmla="*/ 3461132 w 4021601"/>
-              <a:gd name="connsiteY1" fmla="*/ 5449 h 151572"/>
-              <a:gd name="connsiteX2" fmla="*/ 4021601 w 4021601"/>
-              <a:gd name="connsiteY2" fmla="*/ 151572 h 151572"/>
-              <a:gd name="connsiteX3" fmla="*/ 5413 w 4021601"/>
-              <a:gd name="connsiteY3" fmla="*/ 151572 h 151572"/>
-              <a:gd name="connsiteX4" fmla="*/ 0 w 4021601"/>
-              <a:gd name="connsiteY4" fmla="*/ 0 h 151572"/>
-              <a:gd name="connsiteX0" fmla="*/ 0 w 4021601"/>
-              <a:gd name="connsiteY0" fmla="*/ 0 h 151572"/>
-              <a:gd name="connsiteX1" fmla="*/ 3525184 w 4021601"/>
-              <a:gd name="connsiteY1" fmla="*/ 5449 h 151572"/>
-              <a:gd name="connsiteX2" fmla="*/ 4021601 w 4021601"/>
-              <a:gd name="connsiteY2" fmla="*/ 151572 h 151572"/>
-              <a:gd name="connsiteX3" fmla="*/ 5413 w 4021601"/>
-              <a:gd name="connsiteY3" fmla="*/ 151572 h 151572"/>
-              <a:gd name="connsiteX4" fmla="*/ 0 w 4021601"/>
-              <a:gd name="connsiteY4" fmla="*/ 0 h 151572"/>
-              <a:gd name="connsiteX0" fmla="*/ 0 w 4021601"/>
-              <a:gd name="connsiteY0" fmla="*/ 0 h 151572"/>
-              <a:gd name="connsiteX1" fmla="*/ 3599912 w 4021601"/>
-              <a:gd name="connsiteY1" fmla="*/ 5449 h 151572"/>
-              <a:gd name="connsiteX2" fmla="*/ 4021601 w 4021601"/>
-              <a:gd name="connsiteY2" fmla="*/ 151572 h 151572"/>
-              <a:gd name="connsiteX3" fmla="*/ 5413 w 4021601"/>
-              <a:gd name="connsiteY3" fmla="*/ 151572 h 151572"/>
-              <a:gd name="connsiteX4" fmla="*/ 0 w 4021601"/>
-              <a:gd name="connsiteY4" fmla="*/ 0 h 151572"/>
-              <a:gd name="connsiteX0" fmla="*/ 0 w 4021601"/>
-              <a:gd name="connsiteY0" fmla="*/ 0 h 151572"/>
-              <a:gd name="connsiteX1" fmla="*/ 3535860 w 4021601"/>
-              <a:gd name="connsiteY1" fmla="*/ 8588 h 151572"/>
-              <a:gd name="connsiteX2" fmla="*/ 4021601 w 4021601"/>
-              <a:gd name="connsiteY2" fmla="*/ 151572 h 151572"/>
-              <a:gd name="connsiteX3" fmla="*/ 5413 w 4021601"/>
-              <a:gd name="connsiteY3" fmla="*/ 151572 h 151572"/>
-              <a:gd name="connsiteX4" fmla="*/ 0 w 4021601"/>
-              <a:gd name="connsiteY4" fmla="*/ 0 h 151572"/>
-            </a:gdLst>
-            <a:ahLst/>
-            <a:cxnLst>
-              <a:cxn ang="0">
-                <a:pos x="connsiteX0" y="connsiteY0"/>
-              </a:cxn>
-              <a:cxn ang="0">
-                <a:pos x="connsiteX1" y="connsiteY1"/>
-              </a:cxn>
-              <a:cxn ang="0">
-                <a:pos x="connsiteX2" y="connsiteY2"/>
-              </a:cxn>
-              <a:cxn ang="0">
-                <a:pos x="connsiteX3" y="connsiteY3"/>
-              </a:cxn>
-              <a:cxn ang="0">
-                <a:pos x="connsiteX4" y="connsiteY4"/>
-              </a:cxn>
-            </a:cxnLst>
-            <a:rect l="l" t="t" r="r" b="b"/>
-            <a:pathLst>
-              <a:path w="4021601" h="151572">
-                <a:moveTo>
-                  <a:pt x="0" y="0"/>
-                </a:moveTo>
-                <a:lnTo>
-                  <a:pt x="3535860" y="8588"/>
-                </a:lnTo>
-                <a:lnTo>
-                  <a:pt x="4021601" y="151572"/>
-                </a:lnTo>
-                <a:lnTo>
-                  <a:pt x="5413" y="151572"/>
-                </a:lnTo>
-                <a:lnTo>
-                  <a:pt x="0" y="0"/>
-                </a:lnTo>
-                <a:close/>
-              </a:path>
-            </a:pathLst>
-          </a:custGeom>
-          <a:solidFill>
-            <a:schemeClr val="tx1"/>
-          </a:solidFill>
-          <a:ln>
-            <a:noFill/>
-          </a:ln>
-        </p:spPr>
-        <p:style>
-          <a:lnRef idx="2">
-            <a:schemeClr val="accent1">
-              <a:shade val="50000"/>
-            </a:schemeClr>
-          </a:lnRef>
-          <a:fillRef idx="1">
-            <a:schemeClr val="accent1"/>
-          </a:fillRef>
-          <a:effectRef idx="0">
-            <a:schemeClr val="accent1"/>
-          </a:effectRef>
-          <a:fontRef idx="minor">
-            <a:schemeClr val="lt1"/>
-          </a:fontRef>
-        </p:style>
-        <p:txBody>
-          <a:bodyPr rtlCol="0" anchor="ctr"/>
-          <a:lstStyle/>
-          <a:p>
-            <a:pPr marL="0" marR="0" lvl="0" indent="0" algn="l" defTabSz="914400" rtl="0" eaLnBrk="1" fontAlgn="auto" latinLnBrk="0" hangingPunct="1">
+          <p:cNvPr id="5" name="Text Placeholder 4">
+            <a:extLst>
+              <a:ext uri="{FF2B5EF4-FFF2-40B4-BE49-F238E27FC236}">
+                <a16:creationId xmlns:a16="http://schemas.microsoft.com/office/drawing/2014/main" id="{F1E3F4CB-5429-4518-8924-AE4D8D107784}"/>
+              </a:ext>
+            </a:extLst>
+          </p:cNvPr>
+          <p:cNvSpPr>
+            <a:spLocks noGrp="1"/>
+          </p:cNvSpPr>
+          <p:nvPr>
+            <p:ph type="body" sz="quarter" idx="16"/>
+          </p:nvPr>
+        </p:nvSpPr>
+        <p:spPr>
+          <a:xfrm>
+            <a:off x="311642" y="275923"/>
+            <a:ext cx="8645928" cy="461666"/>
+          </a:xfrm>
+        </p:spPr>
+        <p:txBody>
+          <a:bodyPr>
+            <a:noAutofit/>
+          </a:bodyPr>
+          <a:lstStyle>
+            <a:lvl1pPr marL="0" marR="0" indent="0" algn="l" defTabSz="914400" rtl="0" eaLnBrk="1" fontAlgn="auto" latinLnBrk="0" hangingPunct="1">
               <a:lnSpc>
                 <a:spcPct val="100000"/>
               </a:lnSpc>
@@ -1260,224 +1089,26 @@
               <a:buFontTx/>
               <a:buNone/>
               <a:tabLst/>
-              <a:defRPr/>
-            </a:pPr>
-            <a:endParaRPr kumimoji="0" lang="en-ID" sz="1400" b="1" i="0" u="none" strike="noStrike" kern="1200" cap="none" spc="300" normalizeH="0" baseline="0" noProof="0" dirty="0">
-              <a:ln>
-                <a:noFill/>
-              </a:ln>
-              <a:solidFill>
-                <a:prstClr val="white"/>
-              </a:solidFill>
-              <a:effectLst/>
-              <a:uLnTx/>
-              <a:uFillTx/>
-              <a:latin typeface="Calibri"/>
-              <a:ea typeface="+mn-ea"/>
-              <a:cs typeface="+mn-cs"/>
-            </a:endParaRPr>
-          </a:p>
-        </p:txBody>
-      </p:sp>
-      <p:sp>
-        <p:nvSpPr>
-          <p:cNvPr id="7" name="Rectangle 7">
-            <a:extLst>
-              <a:ext uri="{FF2B5EF4-FFF2-40B4-BE49-F238E27FC236}">
-                <a16:creationId xmlns:a16="http://schemas.microsoft.com/office/drawing/2014/main" id="{9BD2AB37-D8A2-4481-9C97-0EAB5A81A163}"/>
-              </a:ext>
-            </a:extLst>
-          </p:cNvPr>
-          <p:cNvSpPr/>
-          <p:nvPr userDrawn="1"/>
-        </p:nvSpPr>
-        <p:spPr>
-          <a:xfrm>
-            <a:off x="3207658" y="6545943"/>
-            <a:ext cx="3614056" cy="312057"/>
-          </a:xfrm>
-          <a:custGeom>
-            <a:avLst/>
-            <a:gdLst>
-              <a:gd name="connsiteX0" fmla="*/ 0 w 4016188"/>
-              <a:gd name="connsiteY0" fmla="*/ 0 h 143436"/>
-              <a:gd name="connsiteX1" fmla="*/ 4016188 w 4016188"/>
-              <a:gd name="connsiteY1" fmla="*/ 0 h 143436"/>
-              <a:gd name="connsiteX2" fmla="*/ 4016188 w 4016188"/>
-              <a:gd name="connsiteY2" fmla="*/ 143436 h 143436"/>
-              <a:gd name="connsiteX3" fmla="*/ 0 w 4016188"/>
-              <a:gd name="connsiteY3" fmla="*/ 143436 h 143436"/>
-              <a:gd name="connsiteX4" fmla="*/ 0 w 4016188"/>
-              <a:gd name="connsiteY4" fmla="*/ 0 h 143436"/>
-              <a:gd name="connsiteX0" fmla="*/ 0 w 4016188"/>
-              <a:gd name="connsiteY0" fmla="*/ 8965 h 152401"/>
-              <a:gd name="connsiteX1" fmla="*/ 3881717 w 4016188"/>
-              <a:gd name="connsiteY1" fmla="*/ 0 h 152401"/>
-              <a:gd name="connsiteX2" fmla="*/ 4016188 w 4016188"/>
-              <a:gd name="connsiteY2" fmla="*/ 152401 h 152401"/>
-              <a:gd name="connsiteX3" fmla="*/ 0 w 4016188"/>
-              <a:gd name="connsiteY3" fmla="*/ 152401 h 152401"/>
-              <a:gd name="connsiteX4" fmla="*/ 0 w 4016188"/>
-              <a:gd name="connsiteY4" fmla="*/ 8965 h 152401"/>
-              <a:gd name="connsiteX0" fmla="*/ 0 w 4016188"/>
-              <a:gd name="connsiteY0" fmla="*/ 8965 h 152401"/>
-              <a:gd name="connsiteX1" fmla="*/ 3863787 w 4016188"/>
-              <a:gd name="connsiteY1" fmla="*/ 0 h 152401"/>
-              <a:gd name="connsiteX2" fmla="*/ 4016188 w 4016188"/>
-              <a:gd name="connsiteY2" fmla="*/ 152401 h 152401"/>
-              <a:gd name="connsiteX3" fmla="*/ 0 w 4016188"/>
-              <a:gd name="connsiteY3" fmla="*/ 152401 h 152401"/>
-              <a:gd name="connsiteX4" fmla="*/ 0 w 4016188"/>
-              <a:gd name="connsiteY4" fmla="*/ 8965 h 152401"/>
-              <a:gd name="connsiteX0" fmla="*/ 0 w 4016188"/>
-              <a:gd name="connsiteY0" fmla="*/ 6559 h 149995"/>
-              <a:gd name="connsiteX1" fmla="*/ 3885444 w 4016188"/>
-              <a:gd name="connsiteY1" fmla="*/ 0 h 149995"/>
-              <a:gd name="connsiteX2" fmla="*/ 4016188 w 4016188"/>
-              <a:gd name="connsiteY2" fmla="*/ 149995 h 149995"/>
-              <a:gd name="connsiteX3" fmla="*/ 0 w 4016188"/>
-              <a:gd name="connsiteY3" fmla="*/ 149995 h 149995"/>
-              <a:gd name="connsiteX4" fmla="*/ 0 w 4016188"/>
-              <a:gd name="connsiteY4" fmla="*/ 6559 h 149995"/>
-              <a:gd name="connsiteX0" fmla="*/ 0 w 4016188"/>
-              <a:gd name="connsiteY0" fmla="*/ 8965 h 152401"/>
-              <a:gd name="connsiteX1" fmla="*/ 3861381 w 4016188"/>
-              <a:gd name="connsiteY1" fmla="*/ 0 h 152401"/>
-              <a:gd name="connsiteX2" fmla="*/ 4016188 w 4016188"/>
-              <a:gd name="connsiteY2" fmla="*/ 152401 h 152401"/>
-              <a:gd name="connsiteX3" fmla="*/ 0 w 4016188"/>
-              <a:gd name="connsiteY3" fmla="*/ 152401 h 152401"/>
-              <a:gd name="connsiteX4" fmla="*/ 0 w 4016188"/>
-              <a:gd name="connsiteY4" fmla="*/ 8965 h 152401"/>
-              <a:gd name="connsiteX0" fmla="*/ 0 w 4021601"/>
-              <a:gd name="connsiteY0" fmla="*/ 829 h 152401"/>
-              <a:gd name="connsiteX1" fmla="*/ 3866794 w 4021601"/>
-              <a:gd name="connsiteY1" fmla="*/ 0 h 152401"/>
-              <a:gd name="connsiteX2" fmla="*/ 4021601 w 4021601"/>
-              <a:gd name="connsiteY2" fmla="*/ 152401 h 152401"/>
-              <a:gd name="connsiteX3" fmla="*/ 5413 w 4021601"/>
-              <a:gd name="connsiteY3" fmla="*/ 152401 h 152401"/>
-              <a:gd name="connsiteX4" fmla="*/ 0 w 4021601"/>
-              <a:gd name="connsiteY4" fmla="*/ 829 h 152401"/>
-              <a:gd name="connsiteX0" fmla="*/ 0 w 4021601"/>
-              <a:gd name="connsiteY0" fmla="*/ 0 h 151572"/>
-              <a:gd name="connsiteX1" fmla="*/ 3728015 w 4021601"/>
-              <a:gd name="connsiteY1" fmla="*/ 8588 h 151572"/>
-              <a:gd name="connsiteX2" fmla="*/ 4021601 w 4021601"/>
-              <a:gd name="connsiteY2" fmla="*/ 151572 h 151572"/>
-              <a:gd name="connsiteX3" fmla="*/ 5413 w 4021601"/>
-              <a:gd name="connsiteY3" fmla="*/ 151572 h 151572"/>
-              <a:gd name="connsiteX4" fmla="*/ 0 w 4021601"/>
-              <a:gd name="connsiteY4" fmla="*/ 0 h 151572"/>
-              <a:gd name="connsiteX0" fmla="*/ 0 w 4021601"/>
-              <a:gd name="connsiteY0" fmla="*/ 0 h 151572"/>
-              <a:gd name="connsiteX1" fmla="*/ 3461132 w 4021601"/>
-              <a:gd name="connsiteY1" fmla="*/ 5449 h 151572"/>
-              <a:gd name="connsiteX2" fmla="*/ 4021601 w 4021601"/>
-              <a:gd name="connsiteY2" fmla="*/ 151572 h 151572"/>
-              <a:gd name="connsiteX3" fmla="*/ 5413 w 4021601"/>
-              <a:gd name="connsiteY3" fmla="*/ 151572 h 151572"/>
-              <a:gd name="connsiteX4" fmla="*/ 0 w 4021601"/>
-              <a:gd name="connsiteY4" fmla="*/ 0 h 151572"/>
-              <a:gd name="connsiteX0" fmla="*/ 0 w 4021601"/>
-              <a:gd name="connsiteY0" fmla="*/ 0 h 151572"/>
-              <a:gd name="connsiteX1" fmla="*/ 3525184 w 4021601"/>
-              <a:gd name="connsiteY1" fmla="*/ 5449 h 151572"/>
-              <a:gd name="connsiteX2" fmla="*/ 4021601 w 4021601"/>
-              <a:gd name="connsiteY2" fmla="*/ 151572 h 151572"/>
-              <a:gd name="connsiteX3" fmla="*/ 5413 w 4021601"/>
-              <a:gd name="connsiteY3" fmla="*/ 151572 h 151572"/>
-              <a:gd name="connsiteX4" fmla="*/ 0 w 4021601"/>
-              <a:gd name="connsiteY4" fmla="*/ 0 h 151572"/>
-              <a:gd name="connsiteX0" fmla="*/ 0 w 4021601"/>
-              <a:gd name="connsiteY0" fmla="*/ 0 h 151572"/>
-              <a:gd name="connsiteX1" fmla="*/ 3599912 w 4021601"/>
-              <a:gd name="connsiteY1" fmla="*/ 5449 h 151572"/>
-              <a:gd name="connsiteX2" fmla="*/ 4021601 w 4021601"/>
-              <a:gd name="connsiteY2" fmla="*/ 151572 h 151572"/>
-              <a:gd name="connsiteX3" fmla="*/ 5413 w 4021601"/>
-              <a:gd name="connsiteY3" fmla="*/ 151572 h 151572"/>
-              <a:gd name="connsiteX4" fmla="*/ 0 w 4021601"/>
-              <a:gd name="connsiteY4" fmla="*/ 0 h 151572"/>
-              <a:gd name="connsiteX0" fmla="*/ 0 w 4021601"/>
-              <a:gd name="connsiteY0" fmla="*/ 0 h 151572"/>
-              <a:gd name="connsiteX1" fmla="*/ 3535860 w 4021601"/>
-              <a:gd name="connsiteY1" fmla="*/ 8588 h 151572"/>
-              <a:gd name="connsiteX2" fmla="*/ 4021601 w 4021601"/>
-              <a:gd name="connsiteY2" fmla="*/ 151572 h 151572"/>
-              <a:gd name="connsiteX3" fmla="*/ 5413 w 4021601"/>
-              <a:gd name="connsiteY3" fmla="*/ 151572 h 151572"/>
-              <a:gd name="connsiteX4" fmla="*/ 0 w 4021601"/>
-              <a:gd name="connsiteY4" fmla="*/ 0 h 151572"/>
-            </a:gdLst>
-            <a:ahLst/>
-            <a:cxnLst>
-              <a:cxn ang="0">
-                <a:pos x="connsiteX0" y="connsiteY0"/>
-              </a:cxn>
-              <a:cxn ang="0">
-                <a:pos x="connsiteX1" y="connsiteY1"/>
-              </a:cxn>
-              <a:cxn ang="0">
-                <a:pos x="connsiteX2" y="connsiteY2"/>
-              </a:cxn>
-              <a:cxn ang="0">
-                <a:pos x="connsiteX3" y="connsiteY3"/>
-              </a:cxn>
-              <a:cxn ang="0">
-                <a:pos x="connsiteX4" y="connsiteY4"/>
-              </a:cxn>
-            </a:cxnLst>
-            <a:rect l="l" t="t" r="r" b="b"/>
-            <a:pathLst>
-              <a:path w="4021601" h="151572">
-                <a:moveTo>
-                  <a:pt x="0" y="0"/>
-                </a:moveTo>
-                <a:lnTo>
-                  <a:pt x="3535860" y="8588"/>
-                </a:lnTo>
-                <a:lnTo>
-                  <a:pt x="4021601" y="151572"/>
-                </a:lnTo>
-                <a:lnTo>
-                  <a:pt x="5413" y="151572"/>
-                </a:lnTo>
-                <a:lnTo>
-                  <a:pt x="0" y="0"/>
-                </a:lnTo>
-                <a:close/>
-              </a:path>
-            </a:pathLst>
-          </a:custGeom>
-          <a:solidFill>
-            <a:srgbClr val="00B0F0"/>
-          </a:solidFill>
-          <a:ln>
-            <a:noFill/>
-          </a:ln>
-        </p:spPr>
-        <p:style>
-          <a:lnRef idx="2">
-            <a:schemeClr val="accent1">
-              <a:shade val="50000"/>
-            </a:schemeClr>
-          </a:lnRef>
-          <a:fillRef idx="1">
-            <a:schemeClr val="accent1"/>
-          </a:fillRef>
-          <a:effectRef idx="0">
-            <a:schemeClr val="accent1"/>
-          </a:effectRef>
-          <a:fontRef idx="minor">
-            <a:schemeClr val="lt1"/>
-          </a:fontRef>
-        </p:style>
-        <p:txBody>
-          <a:bodyPr rtlCol="0" anchor="ctr"/>
-          <a:lstStyle/>
-          <a:p>
-            <a:pPr marL="0" marR="0" lvl="0" indent="0" algn="l" defTabSz="914400" rtl="0" eaLnBrk="1" fontAlgn="auto" latinLnBrk="0" hangingPunct="1">
+              <a:defRPr kumimoji="0" lang="en-ID" sz="2000" b="1" i="0" u="none" strike="noStrike" kern="1200" cap="none" spc="0" normalizeH="0" baseline="0" noProof="0" dirty="0">
+                <a:ln>
+                  <a:noFill/>
+                </a:ln>
+                <a:solidFill>
+                  <a:srgbClr val="4472C4">
+                    <a:lumMod val="75000"/>
+                  </a:srgbClr>
+                </a:solidFill>
+                <a:effectLst/>
+                <a:uLnTx/>
+                <a:uFillTx/>
+                <a:latin typeface="Aptos" panose="02110004020202020204"/>
+                <a:ea typeface="+mn-ea"/>
+                <a:cs typeface="+mn-cs"/>
+              </a:defRPr>
+            </a:lvl1pPr>
+          </a:lstStyle>
+          <a:p>
+            <a:pPr marL="0" marR="0" lvl="0" indent="0" algn="ctr" defTabSz="914400" rtl="0" eaLnBrk="1" fontAlgn="auto" latinLnBrk="0" hangingPunct="1">
               <a:lnSpc>
                 <a:spcPct val="100000"/>
               </a:lnSpc>
@@ -1494,381 +1125,84 @@
               <a:tabLst/>
               <a:defRPr/>
             </a:pPr>
-            <a:endParaRPr kumimoji="0" lang="en-ID" sz="1400" b="1" i="0" u="none" strike="noStrike" kern="1200" cap="none" spc="300" normalizeH="0" baseline="0" noProof="0" dirty="0">
+            <a:endParaRPr kumimoji="0" lang="en-ID" sz="3600" b="0" i="0" u="none" strike="noStrike" kern="1200" cap="none" spc="0" normalizeH="0" baseline="0" noProof="0" dirty="0">
               <a:ln>
                 <a:noFill/>
               </a:ln>
               <a:solidFill>
-                <a:prstClr val="white"/>
+                <a:prstClr val="black"/>
               </a:solidFill>
               <a:effectLst/>
               <a:uLnTx/>
               <a:uFillTx/>
-              <a:latin typeface="Calibri"/>
+              <a:latin typeface="+mn-lt"/>
               <a:ea typeface="+mn-ea"/>
               <a:cs typeface="+mn-cs"/>
             </a:endParaRPr>
           </a:p>
         </p:txBody>
       </p:sp>
-      <p:cxnSp>
-        <p:nvCxnSpPr>
-          <p:cNvPr id="8" name="Straight Connector 7">
-            <a:extLst>
-              <a:ext uri="{FF2B5EF4-FFF2-40B4-BE49-F238E27FC236}">
-                <a16:creationId xmlns:a16="http://schemas.microsoft.com/office/drawing/2014/main" id="{EEF2414E-3F0E-4EFC-AED0-5849524401C4}"/>
-              </a:ext>
-            </a:extLst>
-          </p:cNvPr>
-          <p:cNvCxnSpPr/>
-          <p:nvPr userDrawn="1"/>
-        </p:nvCxnSpPr>
-        <p:spPr>
-          <a:xfrm>
-            <a:off x="3120570" y="6342745"/>
-            <a:ext cx="8040916" cy="29027"/>
-          </a:xfrm>
-          <a:prstGeom prst="line">
-            <a:avLst/>
-          </a:prstGeom>
-          <a:ln w="28575">
-            <a:solidFill>
-              <a:srgbClr val="C00000"/>
-            </a:solidFill>
-          </a:ln>
-        </p:spPr>
-        <p:style>
-          <a:lnRef idx="1">
-            <a:schemeClr val="accent1"/>
-          </a:lnRef>
-          <a:fillRef idx="0">
-            <a:schemeClr val="accent1"/>
-          </a:fillRef>
-          <a:effectRef idx="0">
-            <a:schemeClr val="accent1"/>
-          </a:effectRef>
-          <a:fontRef idx="minor">
-            <a:schemeClr val="tx1"/>
-          </a:fontRef>
-        </p:style>
-      </p:cxnSp>
-      <p:sp>
-        <p:nvSpPr>
-          <p:cNvPr id="9" name="Rectangle 7">
-            <a:extLst>
-              <a:ext uri="{FF2B5EF4-FFF2-40B4-BE49-F238E27FC236}">
-                <a16:creationId xmlns:a16="http://schemas.microsoft.com/office/drawing/2014/main" id="{23E479D7-3791-4E2F-95BA-DB02A2DB2A2F}"/>
-              </a:ext>
-            </a:extLst>
-          </p:cNvPr>
-          <p:cNvSpPr/>
-          <p:nvPr userDrawn="1"/>
-        </p:nvSpPr>
-        <p:spPr>
-          <a:xfrm>
-            <a:off x="325" y="6299200"/>
-            <a:ext cx="3870478" cy="558801"/>
-          </a:xfrm>
-          <a:custGeom>
-            <a:avLst/>
-            <a:gdLst>
-              <a:gd name="connsiteX0" fmla="*/ 0 w 4016188"/>
-              <a:gd name="connsiteY0" fmla="*/ 0 h 143436"/>
-              <a:gd name="connsiteX1" fmla="*/ 4016188 w 4016188"/>
-              <a:gd name="connsiteY1" fmla="*/ 0 h 143436"/>
-              <a:gd name="connsiteX2" fmla="*/ 4016188 w 4016188"/>
-              <a:gd name="connsiteY2" fmla="*/ 143436 h 143436"/>
-              <a:gd name="connsiteX3" fmla="*/ 0 w 4016188"/>
-              <a:gd name="connsiteY3" fmla="*/ 143436 h 143436"/>
-              <a:gd name="connsiteX4" fmla="*/ 0 w 4016188"/>
-              <a:gd name="connsiteY4" fmla="*/ 0 h 143436"/>
-              <a:gd name="connsiteX0" fmla="*/ 0 w 4016188"/>
-              <a:gd name="connsiteY0" fmla="*/ 8965 h 152401"/>
-              <a:gd name="connsiteX1" fmla="*/ 3881717 w 4016188"/>
-              <a:gd name="connsiteY1" fmla="*/ 0 h 152401"/>
-              <a:gd name="connsiteX2" fmla="*/ 4016188 w 4016188"/>
-              <a:gd name="connsiteY2" fmla="*/ 152401 h 152401"/>
-              <a:gd name="connsiteX3" fmla="*/ 0 w 4016188"/>
-              <a:gd name="connsiteY3" fmla="*/ 152401 h 152401"/>
-              <a:gd name="connsiteX4" fmla="*/ 0 w 4016188"/>
-              <a:gd name="connsiteY4" fmla="*/ 8965 h 152401"/>
-              <a:gd name="connsiteX0" fmla="*/ 0 w 4016188"/>
-              <a:gd name="connsiteY0" fmla="*/ 8965 h 152401"/>
-              <a:gd name="connsiteX1" fmla="*/ 3863787 w 4016188"/>
-              <a:gd name="connsiteY1" fmla="*/ 0 h 152401"/>
-              <a:gd name="connsiteX2" fmla="*/ 4016188 w 4016188"/>
-              <a:gd name="connsiteY2" fmla="*/ 152401 h 152401"/>
-              <a:gd name="connsiteX3" fmla="*/ 0 w 4016188"/>
-              <a:gd name="connsiteY3" fmla="*/ 152401 h 152401"/>
-              <a:gd name="connsiteX4" fmla="*/ 0 w 4016188"/>
-              <a:gd name="connsiteY4" fmla="*/ 8965 h 152401"/>
-              <a:gd name="connsiteX0" fmla="*/ 0 w 4016188"/>
-              <a:gd name="connsiteY0" fmla="*/ 6559 h 149995"/>
-              <a:gd name="connsiteX1" fmla="*/ 3885444 w 4016188"/>
-              <a:gd name="connsiteY1" fmla="*/ 0 h 149995"/>
-              <a:gd name="connsiteX2" fmla="*/ 4016188 w 4016188"/>
-              <a:gd name="connsiteY2" fmla="*/ 149995 h 149995"/>
-              <a:gd name="connsiteX3" fmla="*/ 0 w 4016188"/>
-              <a:gd name="connsiteY3" fmla="*/ 149995 h 149995"/>
-              <a:gd name="connsiteX4" fmla="*/ 0 w 4016188"/>
-              <a:gd name="connsiteY4" fmla="*/ 6559 h 149995"/>
-              <a:gd name="connsiteX0" fmla="*/ 0 w 4016188"/>
-              <a:gd name="connsiteY0" fmla="*/ 8965 h 152401"/>
-              <a:gd name="connsiteX1" fmla="*/ 3861381 w 4016188"/>
-              <a:gd name="connsiteY1" fmla="*/ 0 h 152401"/>
-              <a:gd name="connsiteX2" fmla="*/ 4016188 w 4016188"/>
-              <a:gd name="connsiteY2" fmla="*/ 152401 h 152401"/>
-              <a:gd name="connsiteX3" fmla="*/ 0 w 4016188"/>
-              <a:gd name="connsiteY3" fmla="*/ 152401 h 152401"/>
-              <a:gd name="connsiteX4" fmla="*/ 0 w 4016188"/>
-              <a:gd name="connsiteY4" fmla="*/ 8965 h 152401"/>
-              <a:gd name="connsiteX0" fmla="*/ 0 w 4021601"/>
-              <a:gd name="connsiteY0" fmla="*/ 829 h 152401"/>
-              <a:gd name="connsiteX1" fmla="*/ 3866794 w 4021601"/>
-              <a:gd name="connsiteY1" fmla="*/ 0 h 152401"/>
-              <a:gd name="connsiteX2" fmla="*/ 4021601 w 4021601"/>
-              <a:gd name="connsiteY2" fmla="*/ 152401 h 152401"/>
-              <a:gd name="connsiteX3" fmla="*/ 5413 w 4021601"/>
-              <a:gd name="connsiteY3" fmla="*/ 152401 h 152401"/>
-              <a:gd name="connsiteX4" fmla="*/ 0 w 4021601"/>
-              <a:gd name="connsiteY4" fmla="*/ 829 h 152401"/>
-              <a:gd name="connsiteX0" fmla="*/ 0 w 4021601"/>
-              <a:gd name="connsiteY0" fmla="*/ 0 h 151572"/>
-              <a:gd name="connsiteX1" fmla="*/ 3728015 w 4021601"/>
-              <a:gd name="connsiteY1" fmla="*/ 8588 h 151572"/>
-              <a:gd name="connsiteX2" fmla="*/ 4021601 w 4021601"/>
-              <a:gd name="connsiteY2" fmla="*/ 151572 h 151572"/>
-              <a:gd name="connsiteX3" fmla="*/ 5413 w 4021601"/>
-              <a:gd name="connsiteY3" fmla="*/ 151572 h 151572"/>
-              <a:gd name="connsiteX4" fmla="*/ 0 w 4021601"/>
-              <a:gd name="connsiteY4" fmla="*/ 0 h 151572"/>
-              <a:gd name="connsiteX0" fmla="*/ 0 w 4021601"/>
-              <a:gd name="connsiteY0" fmla="*/ 0 h 151572"/>
-              <a:gd name="connsiteX1" fmla="*/ 3461132 w 4021601"/>
-              <a:gd name="connsiteY1" fmla="*/ 5449 h 151572"/>
-              <a:gd name="connsiteX2" fmla="*/ 4021601 w 4021601"/>
-              <a:gd name="connsiteY2" fmla="*/ 151572 h 151572"/>
-              <a:gd name="connsiteX3" fmla="*/ 5413 w 4021601"/>
-              <a:gd name="connsiteY3" fmla="*/ 151572 h 151572"/>
-              <a:gd name="connsiteX4" fmla="*/ 0 w 4021601"/>
-              <a:gd name="connsiteY4" fmla="*/ 0 h 151572"/>
-              <a:gd name="connsiteX0" fmla="*/ 0 w 4021601"/>
-              <a:gd name="connsiteY0" fmla="*/ 0 h 151572"/>
-              <a:gd name="connsiteX1" fmla="*/ 3525184 w 4021601"/>
-              <a:gd name="connsiteY1" fmla="*/ 5449 h 151572"/>
-              <a:gd name="connsiteX2" fmla="*/ 4021601 w 4021601"/>
-              <a:gd name="connsiteY2" fmla="*/ 151572 h 151572"/>
-              <a:gd name="connsiteX3" fmla="*/ 5413 w 4021601"/>
-              <a:gd name="connsiteY3" fmla="*/ 151572 h 151572"/>
-              <a:gd name="connsiteX4" fmla="*/ 0 w 4021601"/>
-              <a:gd name="connsiteY4" fmla="*/ 0 h 151572"/>
-              <a:gd name="connsiteX0" fmla="*/ 0 w 4021601"/>
-              <a:gd name="connsiteY0" fmla="*/ 0 h 151572"/>
-              <a:gd name="connsiteX1" fmla="*/ 3599912 w 4021601"/>
-              <a:gd name="connsiteY1" fmla="*/ 5449 h 151572"/>
-              <a:gd name="connsiteX2" fmla="*/ 4021601 w 4021601"/>
-              <a:gd name="connsiteY2" fmla="*/ 151572 h 151572"/>
-              <a:gd name="connsiteX3" fmla="*/ 5413 w 4021601"/>
-              <a:gd name="connsiteY3" fmla="*/ 151572 h 151572"/>
-              <a:gd name="connsiteX4" fmla="*/ 0 w 4021601"/>
-              <a:gd name="connsiteY4" fmla="*/ 0 h 151572"/>
-              <a:gd name="connsiteX0" fmla="*/ 0 w 4021601"/>
-              <a:gd name="connsiteY0" fmla="*/ 0 h 151572"/>
-              <a:gd name="connsiteX1" fmla="*/ 3535860 w 4021601"/>
-              <a:gd name="connsiteY1" fmla="*/ 8588 h 151572"/>
-              <a:gd name="connsiteX2" fmla="*/ 4021601 w 4021601"/>
-              <a:gd name="connsiteY2" fmla="*/ 151572 h 151572"/>
-              <a:gd name="connsiteX3" fmla="*/ 5413 w 4021601"/>
-              <a:gd name="connsiteY3" fmla="*/ 151572 h 151572"/>
-              <a:gd name="connsiteX4" fmla="*/ 0 w 4021601"/>
-              <a:gd name="connsiteY4" fmla="*/ 0 h 151572"/>
-            </a:gdLst>
-            <a:ahLst/>
-            <a:cxnLst>
-              <a:cxn ang="0">
-                <a:pos x="connsiteX0" y="connsiteY0"/>
-              </a:cxn>
-              <a:cxn ang="0">
-                <a:pos x="connsiteX1" y="connsiteY1"/>
-              </a:cxn>
-              <a:cxn ang="0">
-                <a:pos x="connsiteX2" y="connsiteY2"/>
-              </a:cxn>
-              <a:cxn ang="0">
-                <a:pos x="connsiteX3" y="connsiteY3"/>
-              </a:cxn>
-              <a:cxn ang="0">
-                <a:pos x="connsiteX4" y="connsiteY4"/>
-              </a:cxn>
-            </a:cxnLst>
-            <a:rect l="l" t="t" r="r" b="b"/>
-            <a:pathLst>
-              <a:path w="4021601" h="151572">
-                <a:moveTo>
-                  <a:pt x="0" y="0"/>
-                </a:moveTo>
-                <a:lnTo>
-                  <a:pt x="3535860" y="8588"/>
-                </a:lnTo>
-                <a:lnTo>
-                  <a:pt x="4021601" y="151572"/>
-                </a:lnTo>
-                <a:lnTo>
-                  <a:pt x="5413" y="151572"/>
-                </a:lnTo>
-                <a:lnTo>
-                  <a:pt x="0" y="0"/>
-                </a:lnTo>
-                <a:close/>
-              </a:path>
-            </a:pathLst>
-          </a:custGeom>
-          <a:solidFill>
-            <a:srgbClr val="C00000"/>
-          </a:solidFill>
-          <a:ln>
-            <a:noFill/>
-          </a:ln>
-        </p:spPr>
-        <p:style>
-          <a:lnRef idx="2">
-            <a:schemeClr val="accent1">
-              <a:shade val="50000"/>
-            </a:schemeClr>
-          </a:lnRef>
-          <a:fillRef idx="1">
-            <a:schemeClr val="accent1"/>
-          </a:fillRef>
-          <a:effectRef idx="0">
-            <a:schemeClr val="accent1"/>
-          </a:effectRef>
-          <a:fontRef idx="minor">
-            <a:schemeClr val="lt1"/>
-          </a:fontRef>
-        </p:style>
-        <p:txBody>
-          <a:bodyPr rtlCol="0" anchor="ctr"/>
-          <a:lstStyle/>
-          <a:p>
-            <a:pPr marL="0" marR="0" lvl="0" indent="0" algn="l" defTabSz="914400" rtl="0" eaLnBrk="1" fontAlgn="auto" latinLnBrk="0" hangingPunct="1">
-              <a:lnSpc>
-                <a:spcPct val="100000"/>
-              </a:lnSpc>
-              <a:spcBef>
-                <a:spcPts val="0"/>
-              </a:spcBef>
-              <a:spcAft>
-                <a:spcPts val="0"/>
-              </a:spcAft>
-              <a:buClrTx/>
-              <a:buSzTx/>
-              <a:buFontTx/>
-              <a:buNone/>
-              <a:tabLst/>
-              <a:defRPr/>
-            </a:pPr>
-            <a:endParaRPr kumimoji="0" lang="en-ID" sz="2800" b="1" i="0" u="none" strike="noStrike" kern="1200" cap="none" spc="300" normalizeH="0" baseline="0" noProof="0" dirty="0">
-              <a:ln>
-                <a:noFill/>
-              </a:ln>
-              <a:solidFill>
-                <a:prstClr val="white"/>
-              </a:solidFill>
-              <a:effectLst/>
-              <a:uLnTx/>
-              <a:uFillTx/>
-              <a:latin typeface="Bernard MT Condensed" panose="02050806060905020404" pitchFamily="18" charset="0"/>
-              <a:ea typeface="+mn-ea"/>
-              <a:cs typeface="+mn-cs"/>
-            </a:endParaRPr>
-          </a:p>
-        </p:txBody>
-      </p:sp>
-      <p:sp>
-        <p:nvSpPr>
-          <p:cNvPr id="10" name="TextBox 9">
-            <a:extLst>
-              <a:ext uri="{FF2B5EF4-FFF2-40B4-BE49-F238E27FC236}">
-                <a16:creationId xmlns:a16="http://schemas.microsoft.com/office/drawing/2014/main" id="{0AD98CF2-59A2-4A33-A98D-793845565145}"/>
-              </a:ext>
-            </a:extLst>
-          </p:cNvPr>
-          <p:cNvSpPr txBox="1"/>
-          <p:nvPr userDrawn="1"/>
-        </p:nvSpPr>
-        <p:spPr>
-          <a:xfrm>
-            <a:off x="10778605" y="6145810"/>
-            <a:ext cx="1494971" cy="923330"/>
-          </a:xfrm>
-          <a:prstGeom prst="rect">
-            <a:avLst/>
-          </a:prstGeom>
-          <a:noFill/>
-        </p:spPr>
-        <p:txBody>
-          <a:bodyPr wrap="square" rtlCol="0">
-            <a:spAutoFit/>
-          </a:bodyPr>
-          <a:lstStyle/>
-          <a:p>
-            <a:pPr marL="0" marR="0" lvl="0" indent="0" algn="l" defTabSz="914400" rtl="0" eaLnBrk="1" fontAlgn="auto" latinLnBrk="0" hangingPunct="1">
-              <a:lnSpc>
-                <a:spcPct val="100000"/>
-              </a:lnSpc>
-              <a:spcBef>
-                <a:spcPts val="0"/>
-              </a:spcBef>
-              <a:spcAft>
-                <a:spcPts val="0"/>
-              </a:spcAft>
-              <a:buClrTx/>
-              <a:buSzTx/>
-              <a:buFontTx/>
-              <a:buNone/>
-              <a:tabLst/>
-              <a:defRPr/>
-            </a:pPr>
-            <a:r>
-              <a:rPr kumimoji="0" lang="en-US" sz="5400" b="0" i="0" u="none" strike="noStrike" kern="1200" cap="none" spc="0" normalizeH="0" baseline="0" noProof="0" dirty="0">
-                <a:ln>
-                  <a:noFill/>
-                </a:ln>
+      <p:sp>
+        <p:nvSpPr>
+          <p:cNvPr id="3" name="Text Placeholder 2">
+            <a:extLst>
+              <a:ext uri="{FF2B5EF4-FFF2-40B4-BE49-F238E27FC236}">
+                <a16:creationId xmlns:a16="http://schemas.microsoft.com/office/drawing/2014/main" id="{AA9383AD-10FF-4129-BB81-373F78B6BD04}"/>
+              </a:ext>
+            </a:extLst>
+          </p:cNvPr>
+          <p:cNvSpPr>
+            <a:spLocks noGrp="1"/>
+          </p:cNvSpPr>
+          <p:nvPr>
+            <p:ph type="body" sz="quarter" idx="17"/>
+          </p:nvPr>
+        </p:nvSpPr>
+        <p:spPr>
+          <a:xfrm>
+            <a:off x="710" y="6338387"/>
+            <a:ext cx="3870325" cy="515937"/>
+          </a:xfrm>
+        </p:spPr>
+        <p:txBody>
+          <a:bodyPr/>
+          <a:lstStyle>
+            <a:lvl1pPr marL="0" indent="0">
+              <a:buNone/>
+              <a:defRPr>
                 <a:solidFill>
-                  <a:srgbClr val="C00000"/>
+                  <a:schemeClr val="bg1"/>
                 </a:solidFill>
-                <a:effectLst/>
-                <a:uLnTx/>
-                <a:uFillTx/>
-                <a:latin typeface="Stencil" panose="040409050D0802020404" pitchFamily="82" charset="0"/>
-                <a:ea typeface="+mn-ea"/>
-                <a:cs typeface="+mn-cs"/>
-              </a:rPr>
-              <a:t>abl</a:t>
-            </a:r>
-          </a:p>
-        </p:txBody>
-      </p:sp>
-      <p:sp>
-        <p:nvSpPr>
-          <p:cNvPr id="5" name="Text Placeholder 4">
-            <a:extLst>
-              <a:ext uri="{FF2B5EF4-FFF2-40B4-BE49-F238E27FC236}">
-                <a16:creationId xmlns:a16="http://schemas.microsoft.com/office/drawing/2014/main" id="{F1E3F4CB-5429-4518-8924-AE4D8D107784}"/>
-              </a:ext>
-            </a:extLst>
-          </p:cNvPr>
-          <p:cNvSpPr>
-            <a:spLocks noGrp="1"/>
-          </p:cNvSpPr>
-          <p:nvPr>
-            <p:ph type="body" sz="quarter" idx="16"/>
-          </p:nvPr>
-        </p:nvSpPr>
-        <p:spPr>
-          <a:xfrm>
-            <a:off x="2991776" y="116119"/>
-            <a:ext cx="5965794" cy="461666"/>
+                <a:latin typeface="Bernard MT Condensed" panose="02050806060905020404" pitchFamily="18" charset="0"/>
+              </a:defRPr>
+            </a:lvl1pPr>
+          </a:lstStyle>
+          <a:p>
+            <a:pPr lvl="0"/>
+            <a:endParaRPr lang="en-ID" dirty="0"/>
+          </a:p>
+        </p:txBody>
+      </p:sp>
+      <p:sp>
+        <p:nvSpPr>
+          <p:cNvPr id="14" name="Text Placeholder 4">
+            <a:extLst>
+              <a:ext uri="{FF2B5EF4-FFF2-40B4-BE49-F238E27FC236}">
+                <a16:creationId xmlns:a16="http://schemas.microsoft.com/office/drawing/2014/main" id="{AA7693FC-DCBA-4F87-AEB1-001E02F7EFAD}"/>
+              </a:ext>
+            </a:extLst>
+          </p:cNvPr>
+          <p:cNvSpPr>
+            <a:spLocks noGrp="1"/>
+          </p:cNvSpPr>
+          <p:nvPr>
+            <p:ph type="body" sz="quarter" idx="21"/>
+          </p:nvPr>
+        </p:nvSpPr>
+        <p:spPr>
+          <a:xfrm>
+            <a:off x="1178106" y="5101042"/>
+            <a:ext cx="4642976" cy="461666"/>
           </a:xfrm>
         </p:spPr>
         <p:txBody>
@@ -1933,65 +1267,24 @@
       </p:sp>
       <p:sp>
         <p:nvSpPr>
-          <p:cNvPr id="3" name="Text Placeholder 2">
-            <a:extLst>
-              <a:ext uri="{FF2B5EF4-FFF2-40B4-BE49-F238E27FC236}">
-                <a16:creationId xmlns:a16="http://schemas.microsoft.com/office/drawing/2014/main" id="{AA9383AD-10FF-4129-BB81-373F78B6BD04}"/>
-              </a:ext>
-            </a:extLst>
-          </p:cNvPr>
-          <p:cNvSpPr>
-            <a:spLocks noGrp="1"/>
-          </p:cNvSpPr>
-          <p:nvPr>
-            <p:ph type="body" sz="quarter" idx="17"/>
-          </p:nvPr>
-        </p:nvSpPr>
-        <p:spPr>
-          <a:xfrm>
-            <a:off x="710" y="6338387"/>
-            <a:ext cx="3870325" cy="515937"/>
-          </a:xfrm>
-        </p:spPr>
-        <p:txBody>
-          <a:bodyPr/>
-          <a:lstStyle>
-            <a:lvl1pPr marL="0" indent="0">
-              <a:buNone/>
-              <a:defRPr>
-                <a:solidFill>
-                  <a:schemeClr val="bg1"/>
-                </a:solidFill>
-                <a:latin typeface="Bernard MT Condensed" panose="02050806060905020404" pitchFamily="18" charset="0"/>
-              </a:defRPr>
-            </a:lvl1pPr>
-          </a:lstStyle>
-          <a:p>
-            <a:pPr lvl="0"/>
-            <a:endParaRPr lang="en-ID" dirty="0"/>
-          </a:p>
-        </p:txBody>
-      </p:sp>
-      <p:sp>
-        <p:nvSpPr>
-          <p:cNvPr id="14" name="Text Placeholder 4">
-            <a:extLst>
-              <a:ext uri="{FF2B5EF4-FFF2-40B4-BE49-F238E27FC236}">
-                <a16:creationId xmlns:a16="http://schemas.microsoft.com/office/drawing/2014/main" id="{AA7693FC-DCBA-4F87-AEB1-001E02F7EFAD}"/>
-              </a:ext>
-            </a:extLst>
-          </p:cNvPr>
-          <p:cNvSpPr>
-            <a:spLocks noGrp="1"/>
-          </p:cNvSpPr>
-          <p:nvPr>
-            <p:ph type="body" sz="quarter" idx="21"/>
-          </p:nvPr>
-        </p:nvSpPr>
-        <p:spPr>
-          <a:xfrm>
-            <a:off x="1178106" y="5101042"/>
-            <a:ext cx="4642976" cy="461666"/>
+          <p:cNvPr id="16" name="Text Placeholder 4">
+            <a:extLst>
+              <a:ext uri="{FF2B5EF4-FFF2-40B4-BE49-F238E27FC236}">
+                <a16:creationId xmlns:a16="http://schemas.microsoft.com/office/drawing/2014/main" id="{82E377EA-0885-4677-B3E9-E61AE0F5D8A8}"/>
+              </a:ext>
+            </a:extLst>
+          </p:cNvPr>
+          <p:cNvSpPr>
+            <a:spLocks noGrp="1"/>
+          </p:cNvSpPr>
+          <p:nvPr>
+            <p:ph type="body" sz="quarter" idx="23"/>
+          </p:nvPr>
+        </p:nvSpPr>
+        <p:spPr>
+          <a:xfrm>
+            <a:off x="7001789" y="5092194"/>
+            <a:ext cx="4544752" cy="461666"/>
           </a:xfrm>
         </p:spPr>
         <p:txBody>
@@ -2054,26 +1347,216 @@
           </a:p>
         </p:txBody>
       </p:sp>
-      <p:sp>
-        <p:nvSpPr>
-          <p:cNvPr id="16" name="Text Placeholder 4">
-            <a:extLst>
-              <a:ext uri="{FF2B5EF4-FFF2-40B4-BE49-F238E27FC236}">
-                <a16:creationId xmlns:a16="http://schemas.microsoft.com/office/drawing/2014/main" id="{82E377EA-0885-4677-B3E9-E61AE0F5D8A8}"/>
-              </a:ext>
-            </a:extLst>
-          </p:cNvPr>
-          <p:cNvSpPr>
-            <a:spLocks noGrp="1"/>
-          </p:cNvSpPr>
-          <p:nvPr>
-            <p:ph type="body" sz="quarter" idx="23"/>
-          </p:nvPr>
-        </p:nvSpPr>
-        <p:spPr>
-          <a:xfrm>
-            <a:off x="7001789" y="5092194"/>
-            <a:ext cx="4544752" cy="461666"/>
+      <p:pic>
+        <p:nvPicPr>
+          <p:cNvPr id="11" name="Picture 10" descr="A blue and pink logo&#10;&#10;Description automatically generated">
+            <a:extLst>
+              <a:ext uri="{FF2B5EF4-FFF2-40B4-BE49-F238E27FC236}">
+                <a16:creationId xmlns:a16="http://schemas.microsoft.com/office/drawing/2014/main" id="{05BA7860-94B6-4A07-BA19-438836509C9E}"/>
+              </a:ext>
+            </a:extLst>
+          </p:cNvPr>
+          <p:cNvPicPr>
+            <a:picLocks noChangeAspect="1"/>
+          </p:cNvPicPr>
+          <p:nvPr userDrawn="1"/>
+        </p:nvPicPr>
+        <p:blipFill>
+          <a:blip r:embed="rId2">
+            <a:extLst>
+              <a:ext uri="{28A0092B-C50C-407E-A947-70E740481C1C}">
+                <a14:useLocalDpi xmlns:a14="http://schemas.microsoft.com/office/drawing/2010/main" val="0"/>
+              </a:ext>
+            </a:extLst>
+          </a:blip>
+          <a:stretch>
+            <a:fillRect/>
+          </a:stretch>
+        </p:blipFill>
+        <p:spPr>
+          <a:xfrm>
+            <a:off x="4970706" y="6408436"/>
+            <a:ext cx="2284862" cy="324000"/>
+          </a:xfrm>
+          <a:prstGeom prst="rect">
+            <a:avLst/>
+          </a:prstGeom>
+        </p:spPr>
+      </p:pic>
+      <p:cxnSp>
+        <p:nvCxnSpPr>
+          <p:cNvPr id="12" name="Straight Connector 11">
+            <a:extLst>
+              <a:ext uri="{FF2B5EF4-FFF2-40B4-BE49-F238E27FC236}">
+                <a16:creationId xmlns:a16="http://schemas.microsoft.com/office/drawing/2014/main" id="{6EF2FA62-CA26-4BD9-953B-421B7B8D2B17}"/>
+              </a:ext>
+            </a:extLst>
+          </p:cNvPr>
+          <p:cNvCxnSpPr>
+            <a:cxnSpLocks/>
+          </p:cNvCxnSpPr>
+          <p:nvPr userDrawn="1"/>
+        </p:nvCxnSpPr>
+        <p:spPr>
+          <a:xfrm>
+            <a:off x="311642" y="6300894"/>
+            <a:ext cx="11602990" cy="0"/>
+          </a:xfrm>
+          <a:prstGeom prst="line">
+            <a:avLst/>
+          </a:prstGeom>
+          <a:ln w="38100">
+            <a:solidFill>
+              <a:schemeClr val="bg1">
+                <a:lumMod val="75000"/>
+              </a:schemeClr>
+            </a:solidFill>
+          </a:ln>
+        </p:spPr>
+        <p:style>
+          <a:lnRef idx="2">
+            <a:schemeClr val="accent1"/>
+          </a:lnRef>
+          <a:fillRef idx="0">
+            <a:schemeClr val="accent1"/>
+          </a:fillRef>
+          <a:effectRef idx="1">
+            <a:schemeClr val="accent1"/>
+          </a:effectRef>
+          <a:fontRef idx="minor">
+            <a:schemeClr val="tx1"/>
+          </a:fontRef>
+        </p:style>
+      </p:cxnSp>
+      <p:cxnSp>
+        <p:nvCxnSpPr>
+          <p:cNvPr id="13" name="Straight Connector 12">
+            <a:extLst>
+              <a:ext uri="{FF2B5EF4-FFF2-40B4-BE49-F238E27FC236}">
+                <a16:creationId xmlns:a16="http://schemas.microsoft.com/office/drawing/2014/main" id="{AF2EB07A-6DA5-41C4-8B6B-067A1CDD1042}"/>
+              </a:ext>
+            </a:extLst>
+          </p:cNvPr>
+          <p:cNvCxnSpPr/>
+          <p:nvPr userDrawn="1"/>
+        </p:nvCxnSpPr>
+        <p:spPr>
+          <a:xfrm>
+            <a:off x="311642" y="1051560"/>
+            <a:ext cx="11602990" cy="0"/>
+          </a:xfrm>
+          <a:prstGeom prst="line">
+            <a:avLst/>
+          </a:prstGeom>
+          <a:ln w="38100">
+            <a:solidFill>
+              <a:schemeClr val="bg1">
+                <a:lumMod val="75000"/>
+              </a:schemeClr>
+            </a:solidFill>
+          </a:ln>
+        </p:spPr>
+        <p:style>
+          <a:lnRef idx="2">
+            <a:schemeClr val="accent1"/>
+          </a:lnRef>
+          <a:fillRef idx="0">
+            <a:schemeClr val="accent1"/>
+          </a:fillRef>
+          <a:effectRef idx="1">
+            <a:schemeClr val="accent1"/>
+          </a:effectRef>
+          <a:fontRef idx="minor">
+            <a:schemeClr val="tx1"/>
+          </a:fontRef>
+        </p:style>
+      </p:cxnSp>
+      <p:pic>
+        <p:nvPicPr>
+          <p:cNvPr id="15" name="Picture 14" descr="A red and black logo&#10;&#10;Description automatically generated">
+            <a:extLst>
+              <a:ext uri="{FF2B5EF4-FFF2-40B4-BE49-F238E27FC236}">
+                <a16:creationId xmlns:a16="http://schemas.microsoft.com/office/drawing/2014/main" id="{B0DA8EBB-4FC9-4D89-9DA5-952617F63627}"/>
+              </a:ext>
+            </a:extLst>
+          </p:cNvPr>
+          <p:cNvPicPr>
+            <a:picLocks noChangeAspect="1"/>
+          </p:cNvPicPr>
+          <p:nvPr userDrawn="1"/>
+        </p:nvPicPr>
+        <p:blipFill>
+          <a:blip r:embed="rId3">
+            <a:extLst>
+              <a:ext uri="{28A0092B-C50C-407E-A947-70E740481C1C}">
+                <a14:useLocalDpi xmlns:a14="http://schemas.microsoft.com/office/drawing/2010/main" val="0"/>
+              </a:ext>
+            </a:extLst>
+          </a:blip>
+          <a:stretch>
+            <a:fillRect/>
+          </a:stretch>
+        </p:blipFill>
+        <p:spPr>
+          <a:xfrm>
+            <a:off x="10214194" y="234717"/>
+            <a:ext cx="1666164" cy="540000"/>
+          </a:xfrm>
+          <a:prstGeom prst="rect">
+            <a:avLst/>
+          </a:prstGeom>
+        </p:spPr>
+      </p:pic>
+    </p:spTree>
+    <p:extLst>
+      <p:ext uri="{BB962C8B-B14F-4D97-AF65-F5344CB8AC3E}">
+        <p14:creationId xmlns:p14="http://schemas.microsoft.com/office/powerpoint/2010/main" val="1307737140"/>
+      </p:ext>
+    </p:extLst>
+  </p:cSld>
+  <p:clrMapOvr>
+    <a:masterClrMapping/>
+  </p:clrMapOvr>
+</p:sldLayout>
+</file>
+
+<file path=ppt/slideLayouts/slideLayout3.xml><?xml version="1.0" encoding="utf-8"?>
+<p:sldLayout xmlns:a="http://schemas.openxmlformats.org/drawingml/2006/main" xmlns:r="http://schemas.openxmlformats.org/officeDocument/2006/relationships" xmlns:p="http://schemas.openxmlformats.org/presentationml/2006/main" preserve="1" userDrawn="1">
+  <p:cSld name="4_Title Only">
+    <p:spTree>
+      <p:nvGrpSpPr>
+        <p:cNvPr id="1" name=""/>
+        <p:cNvGrpSpPr/>
+        <p:nvPr/>
+      </p:nvGrpSpPr>
+      <p:grpSpPr>
+        <a:xfrm>
+          <a:off x="0" y="0"/>
+          <a:ext cx="0" cy="0"/>
+          <a:chOff x="0" y="0"/>
+          <a:chExt cx="0" cy="0"/>
+        </a:xfrm>
+      </p:grpSpPr>
+      <p:sp>
+        <p:nvSpPr>
+          <p:cNvPr id="5" name="Text Placeholder 4">
+            <a:extLst>
+              <a:ext uri="{FF2B5EF4-FFF2-40B4-BE49-F238E27FC236}">
+                <a16:creationId xmlns:a16="http://schemas.microsoft.com/office/drawing/2014/main" id="{F1E3F4CB-5429-4518-8924-AE4D8D107784}"/>
+              </a:ext>
+            </a:extLst>
+          </p:cNvPr>
+          <p:cNvSpPr>
+            <a:spLocks noGrp="1"/>
+          </p:cNvSpPr>
+          <p:nvPr>
+            <p:ph type="body" sz="quarter" idx="16"/>
+          </p:nvPr>
+        </p:nvSpPr>
+        <p:spPr>
+          <a:xfrm>
+            <a:off x="2991776" y="116119"/>
+            <a:ext cx="5965794" cy="461666"/>
           </a:xfrm>
         </p:spPr>
         <p:txBody>
@@ -2096,8 +1579,19 @@
               <a:buFontTx/>
               <a:buNone/>
               <a:tabLst/>
-              <a:defRPr sz="1800">
-                <a:latin typeface="Arial Black" panose="020B0A04020102020204" pitchFamily="34" charset="0"/>
+              <a:defRPr kumimoji="0" lang="en-ID" sz="3600" b="0" i="0" u="none" strike="noStrike" kern="1200" cap="none" spc="0" normalizeH="0" baseline="0" noProof="0" dirty="0">
+                <a:ln>
+                  <a:noFill/>
+                </a:ln>
+                <a:solidFill>
+                  <a:prstClr val="black"/>
+                </a:solidFill>
+                <a:effectLst/>
+                <a:uLnTx/>
+                <a:uFillTx/>
+                <a:latin typeface="+mn-lt"/>
+                <a:ea typeface="+mn-ea"/>
+                <a:cs typeface="+mn-cs"/>
               </a:defRPr>
             </a:lvl1pPr>
           </a:lstStyle>
@@ -2136,858 +1630,67 @@
           </a:p>
         </p:txBody>
       </p:sp>
-    </p:spTree>
-    <p:extLst>
-      <p:ext uri="{BB962C8B-B14F-4D97-AF65-F5344CB8AC3E}">
-        <p14:creationId xmlns:p14="http://schemas.microsoft.com/office/powerpoint/2010/main" val="765954051"/>
-      </p:ext>
-    </p:extLst>
-  </p:cSld>
-  <p:clrMapOvr>
-    <a:masterClrMapping/>
-  </p:clrMapOvr>
-</p:sldLayout>
-</file>
-
-<file path=ppt/slideLayouts/slideLayout3.xml><?xml version="1.0" encoding="utf-8"?>
-<p:sldLayout xmlns:a="http://schemas.openxmlformats.org/drawingml/2006/main" xmlns:r="http://schemas.openxmlformats.org/officeDocument/2006/relationships" xmlns:p="http://schemas.openxmlformats.org/presentationml/2006/main" preserve="1" userDrawn="1">
-  <p:cSld name="2_Title Only">
-    <p:spTree>
-      <p:nvGrpSpPr>
-        <p:cNvPr id="1" name=""/>
-        <p:cNvGrpSpPr/>
-        <p:nvPr/>
-      </p:nvGrpSpPr>
-      <p:grpSpPr>
-        <a:xfrm>
-          <a:off x="0" y="0"/>
-          <a:ext cx="0" cy="0"/>
-          <a:chOff x="0" y="0"/>
-          <a:chExt cx="0" cy="0"/>
-        </a:xfrm>
-      </p:grpSpPr>
-      <p:sp>
-        <p:nvSpPr>
-          <p:cNvPr id="6" name="Rectangle 7">
-            <a:extLst>
-              <a:ext uri="{FF2B5EF4-FFF2-40B4-BE49-F238E27FC236}">
-                <a16:creationId xmlns:a16="http://schemas.microsoft.com/office/drawing/2014/main" id="{DFB09729-9660-4E4E-A843-599B8E71809D}"/>
-              </a:ext>
-            </a:extLst>
-          </p:cNvPr>
-          <p:cNvSpPr/>
-          <p:nvPr userDrawn="1"/>
-        </p:nvSpPr>
-        <p:spPr>
-          <a:xfrm>
-            <a:off x="6219373" y="6711646"/>
-            <a:ext cx="3614056" cy="145143"/>
-          </a:xfrm>
-          <a:custGeom>
-            <a:avLst/>
-            <a:gdLst>
-              <a:gd name="connsiteX0" fmla="*/ 0 w 4016188"/>
-              <a:gd name="connsiteY0" fmla="*/ 0 h 143436"/>
-              <a:gd name="connsiteX1" fmla="*/ 4016188 w 4016188"/>
-              <a:gd name="connsiteY1" fmla="*/ 0 h 143436"/>
-              <a:gd name="connsiteX2" fmla="*/ 4016188 w 4016188"/>
-              <a:gd name="connsiteY2" fmla="*/ 143436 h 143436"/>
-              <a:gd name="connsiteX3" fmla="*/ 0 w 4016188"/>
-              <a:gd name="connsiteY3" fmla="*/ 143436 h 143436"/>
-              <a:gd name="connsiteX4" fmla="*/ 0 w 4016188"/>
-              <a:gd name="connsiteY4" fmla="*/ 0 h 143436"/>
-              <a:gd name="connsiteX0" fmla="*/ 0 w 4016188"/>
-              <a:gd name="connsiteY0" fmla="*/ 8965 h 152401"/>
-              <a:gd name="connsiteX1" fmla="*/ 3881717 w 4016188"/>
-              <a:gd name="connsiteY1" fmla="*/ 0 h 152401"/>
-              <a:gd name="connsiteX2" fmla="*/ 4016188 w 4016188"/>
-              <a:gd name="connsiteY2" fmla="*/ 152401 h 152401"/>
-              <a:gd name="connsiteX3" fmla="*/ 0 w 4016188"/>
-              <a:gd name="connsiteY3" fmla="*/ 152401 h 152401"/>
-              <a:gd name="connsiteX4" fmla="*/ 0 w 4016188"/>
-              <a:gd name="connsiteY4" fmla="*/ 8965 h 152401"/>
-              <a:gd name="connsiteX0" fmla="*/ 0 w 4016188"/>
-              <a:gd name="connsiteY0" fmla="*/ 8965 h 152401"/>
-              <a:gd name="connsiteX1" fmla="*/ 3863787 w 4016188"/>
-              <a:gd name="connsiteY1" fmla="*/ 0 h 152401"/>
-              <a:gd name="connsiteX2" fmla="*/ 4016188 w 4016188"/>
-              <a:gd name="connsiteY2" fmla="*/ 152401 h 152401"/>
-              <a:gd name="connsiteX3" fmla="*/ 0 w 4016188"/>
-              <a:gd name="connsiteY3" fmla="*/ 152401 h 152401"/>
-              <a:gd name="connsiteX4" fmla="*/ 0 w 4016188"/>
-              <a:gd name="connsiteY4" fmla="*/ 8965 h 152401"/>
-              <a:gd name="connsiteX0" fmla="*/ 0 w 4016188"/>
-              <a:gd name="connsiteY0" fmla="*/ 6559 h 149995"/>
-              <a:gd name="connsiteX1" fmla="*/ 3885444 w 4016188"/>
-              <a:gd name="connsiteY1" fmla="*/ 0 h 149995"/>
-              <a:gd name="connsiteX2" fmla="*/ 4016188 w 4016188"/>
-              <a:gd name="connsiteY2" fmla="*/ 149995 h 149995"/>
-              <a:gd name="connsiteX3" fmla="*/ 0 w 4016188"/>
-              <a:gd name="connsiteY3" fmla="*/ 149995 h 149995"/>
-              <a:gd name="connsiteX4" fmla="*/ 0 w 4016188"/>
-              <a:gd name="connsiteY4" fmla="*/ 6559 h 149995"/>
-              <a:gd name="connsiteX0" fmla="*/ 0 w 4016188"/>
-              <a:gd name="connsiteY0" fmla="*/ 8965 h 152401"/>
-              <a:gd name="connsiteX1" fmla="*/ 3861381 w 4016188"/>
-              <a:gd name="connsiteY1" fmla="*/ 0 h 152401"/>
-              <a:gd name="connsiteX2" fmla="*/ 4016188 w 4016188"/>
-              <a:gd name="connsiteY2" fmla="*/ 152401 h 152401"/>
-              <a:gd name="connsiteX3" fmla="*/ 0 w 4016188"/>
-              <a:gd name="connsiteY3" fmla="*/ 152401 h 152401"/>
-              <a:gd name="connsiteX4" fmla="*/ 0 w 4016188"/>
-              <a:gd name="connsiteY4" fmla="*/ 8965 h 152401"/>
-              <a:gd name="connsiteX0" fmla="*/ 0 w 4021601"/>
-              <a:gd name="connsiteY0" fmla="*/ 829 h 152401"/>
-              <a:gd name="connsiteX1" fmla="*/ 3866794 w 4021601"/>
-              <a:gd name="connsiteY1" fmla="*/ 0 h 152401"/>
-              <a:gd name="connsiteX2" fmla="*/ 4021601 w 4021601"/>
-              <a:gd name="connsiteY2" fmla="*/ 152401 h 152401"/>
-              <a:gd name="connsiteX3" fmla="*/ 5413 w 4021601"/>
-              <a:gd name="connsiteY3" fmla="*/ 152401 h 152401"/>
-              <a:gd name="connsiteX4" fmla="*/ 0 w 4021601"/>
-              <a:gd name="connsiteY4" fmla="*/ 829 h 152401"/>
-              <a:gd name="connsiteX0" fmla="*/ 0 w 4021601"/>
-              <a:gd name="connsiteY0" fmla="*/ 0 h 151572"/>
-              <a:gd name="connsiteX1" fmla="*/ 3728015 w 4021601"/>
-              <a:gd name="connsiteY1" fmla="*/ 8588 h 151572"/>
-              <a:gd name="connsiteX2" fmla="*/ 4021601 w 4021601"/>
-              <a:gd name="connsiteY2" fmla="*/ 151572 h 151572"/>
-              <a:gd name="connsiteX3" fmla="*/ 5413 w 4021601"/>
-              <a:gd name="connsiteY3" fmla="*/ 151572 h 151572"/>
-              <a:gd name="connsiteX4" fmla="*/ 0 w 4021601"/>
-              <a:gd name="connsiteY4" fmla="*/ 0 h 151572"/>
-              <a:gd name="connsiteX0" fmla="*/ 0 w 4021601"/>
-              <a:gd name="connsiteY0" fmla="*/ 0 h 151572"/>
-              <a:gd name="connsiteX1" fmla="*/ 3461132 w 4021601"/>
-              <a:gd name="connsiteY1" fmla="*/ 5449 h 151572"/>
-              <a:gd name="connsiteX2" fmla="*/ 4021601 w 4021601"/>
-              <a:gd name="connsiteY2" fmla="*/ 151572 h 151572"/>
-              <a:gd name="connsiteX3" fmla="*/ 5413 w 4021601"/>
-              <a:gd name="connsiteY3" fmla="*/ 151572 h 151572"/>
-              <a:gd name="connsiteX4" fmla="*/ 0 w 4021601"/>
-              <a:gd name="connsiteY4" fmla="*/ 0 h 151572"/>
-              <a:gd name="connsiteX0" fmla="*/ 0 w 4021601"/>
-              <a:gd name="connsiteY0" fmla="*/ 0 h 151572"/>
-              <a:gd name="connsiteX1" fmla="*/ 3525184 w 4021601"/>
-              <a:gd name="connsiteY1" fmla="*/ 5449 h 151572"/>
-              <a:gd name="connsiteX2" fmla="*/ 4021601 w 4021601"/>
-              <a:gd name="connsiteY2" fmla="*/ 151572 h 151572"/>
-              <a:gd name="connsiteX3" fmla="*/ 5413 w 4021601"/>
-              <a:gd name="connsiteY3" fmla="*/ 151572 h 151572"/>
-              <a:gd name="connsiteX4" fmla="*/ 0 w 4021601"/>
-              <a:gd name="connsiteY4" fmla="*/ 0 h 151572"/>
-              <a:gd name="connsiteX0" fmla="*/ 0 w 4021601"/>
-              <a:gd name="connsiteY0" fmla="*/ 0 h 151572"/>
-              <a:gd name="connsiteX1" fmla="*/ 3599912 w 4021601"/>
-              <a:gd name="connsiteY1" fmla="*/ 5449 h 151572"/>
-              <a:gd name="connsiteX2" fmla="*/ 4021601 w 4021601"/>
-              <a:gd name="connsiteY2" fmla="*/ 151572 h 151572"/>
-              <a:gd name="connsiteX3" fmla="*/ 5413 w 4021601"/>
-              <a:gd name="connsiteY3" fmla="*/ 151572 h 151572"/>
-              <a:gd name="connsiteX4" fmla="*/ 0 w 4021601"/>
-              <a:gd name="connsiteY4" fmla="*/ 0 h 151572"/>
-              <a:gd name="connsiteX0" fmla="*/ 0 w 4021601"/>
-              <a:gd name="connsiteY0" fmla="*/ 0 h 151572"/>
-              <a:gd name="connsiteX1" fmla="*/ 3535860 w 4021601"/>
-              <a:gd name="connsiteY1" fmla="*/ 8588 h 151572"/>
-              <a:gd name="connsiteX2" fmla="*/ 4021601 w 4021601"/>
-              <a:gd name="connsiteY2" fmla="*/ 151572 h 151572"/>
-              <a:gd name="connsiteX3" fmla="*/ 5413 w 4021601"/>
-              <a:gd name="connsiteY3" fmla="*/ 151572 h 151572"/>
-              <a:gd name="connsiteX4" fmla="*/ 0 w 4021601"/>
-              <a:gd name="connsiteY4" fmla="*/ 0 h 151572"/>
-            </a:gdLst>
-            <a:ahLst/>
-            <a:cxnLst>
-              <a:cxn ang="0">
-                <a:pos x="connsiteX0" y="connsiteY0"/>
-              </a:cxn>
-              <a:cxn ang="0">
-                <a:pos x="connsiteX1" y="connsiteY1"/>
-              </a:cxn>
-              <a:cxn ang="0">
-                <a:pos x="connsiteX2" y="connsiteY2"/>
-              </a:cxn>
-              <a:cxn ang="0">
-                <a:pos x="connsiteX3" y="connsiteY3"/>
-              </a:cxn>
-              <a:cxn ang="0">
-                <a:pos x="connsiteX4" y="connsiteY4"/>
-              </a:cxn>
-            </a:cxnLst>
-            <a:rect l="l" t="t" r="r" b="b"/>
-            <a:pathLst>
-              <a:path w="4021601" h="151572">
-                <a:moveTo>
-                  <a:pt x="0" y="0"/>
-                </a:moveTo>
-                <a:lnTo>
-                  <a:pt x="3535860" y="8588"/>
-                </a:lnTo>
-                <a:lnTo>
-                  <a:pt x="4021601" y="151572"/>
-                </a:lnTo>
-                <a:lnTo>
-                  <a:pt x="5413" y="151572"/>
-                </a:lnTo>
-                <a:lnTo>
-                  <a:pt x="0" y="0"/>
-                </a:lnTo>
-                <a:close/>
-              </a:path>
-            </a:pathLst>
-          </a:custGeom>
-          <a:solidFill>
-            <a:schemeClr val="tx1"/>
-          </a:solidFill>
-          <a:ln>
-            <a:noFill/>
-          </a:ln>
-        </p:spPr>
-        <p:style>
-          <a:lnRef idx="2">
-            <a:schemeClr val="accent1">
-              <a:shade val="50000"/>
-            </a:schemeClr>
-          </a:lnRef>
-          <a:fillRef idx="1">
-            <a:schemeClr val="accent1"/>
-          </a:fillRef>
-          <a:effectRef idx="0">
-            <a:schemeClr val="accent1"/>
-          </a:effectRef>
-          <a:fontRef idx="minor">
-            <a:schemeClr val="lt1"/>
-          </a:fontRef>
-        </p:style>
-        <p:txBody>
-          <a:bodyPr rtlCol="0" anchor="ctr"/>
-          <a:lstStyle/>
-          <a:p>
-            <a:pPr marL="0" marR="0" lvl="0" indent="0" algn="l" defTabSz="914400" rtl="0" eaLnBrk="1" fontAlgn="auto" latinLnBrk="0" hangingPunct="1">
-              <a:lnSpc>
-                <a:spcPct val="100000"/>
-              </a:lnSpc>
-              <a:spcBef>
-                <a:spcPts val="0"/>
-              </a:spcBef>
-              <a:spcAft>
-                <a:spcPts val="0"/>
-              </a:spcAft>
-              <a:buClrTx/>
-              <a:buSzTx/>
-              <a:buFontTx/>
-              <a:buNone/>
-              <a:tabLst/>
-              <a:defRPr/>
-            </a:pPr>
-            <a:endParaRPr kumimoji="0" lang="en-ID" sz="1400" b="1" i="0" u="none" strike="noStrike" kern="1200" cap="none" spc="300" normalizeH="0" baseline="0" noProof="0" dirty="0">
-              <a:ln>
-                <a:noFill/>
-              </a:ln>
-              <a:solidFill>
-                <a:prstClr val="white"/>
-              </a:solidFill>
-              <a:effectLst/>
-              <a:uLnTx/>
-              <a:uFillTx/>
-              <a:latin typeface="Calibri"/>
-              <a:ea typeface="+mn-ea"/>
-              <a:cs typeface="+mn-cs"/>
-            </a:endParaRPr>
-          </a:p>
-        </p:txBody>
-      </p:sp>
-      <p:sp>
-        <p:nvSpPr>
-          <p:cNvPr id="7" name="Rectangle 7">
-            <a:extLst>
-              <a:ext uri="{FF2B5EF4-FFF2-40B4-BE49-F238E27FC236}">
-                <a16:creationId xmlns:a16="http://schemas.microsoft.com/office/drawing/2014/main" id="{9BD2AB37-D8A2-4481-9C97-0EAB5A81A163}"/>
-              </a:ext>
-            </a:extLst>
-          </p:cNvPr>
-          <p:cNvSpPr/>
-          <p:nvPr userDrawn="1"/>
-        </p:nvSpPr>
-        <p:spPr>
-          <a:xfrm>
-            <a:off x="3207658" y="6545943"/>
-            <a:ext cx="3614056" cy="312057"/>
-          </a:xfrm>
-          <a:custGeom>
-            <a:avLst/>
-            <a:gdLst>
-              <a:gd name="connsiteX0" fmla="*/ 0 w 4016188"/>
-              <a:gd name="connsiteY0" fmla="*/ 0 h 143436"/>
-              <a:gd name="connsiteX1" fmla="*/ 4016188 w 4016188"/>
-              <a:gd name="connsiteY1" fmla="*/ 0 h 143436"/>
-              <a:gd name="connsiteX2" fmla="*/ 4016188 w 4016188"/>
-              <a:gd name="connsiteY2" fmla="*/ 143436 h 143436"/>
-              <a:gd name="connsiteX3" fmla="*/ 0 w 4016188"/>
-              <a:gd name="connsiteY3" fmla="*/ 143436 h 143436"/>
-              <a:gd name="connsiteX4" fmla="*/ 0 w 4016188"/>
-              <a:gd name="connsiteY4" fmla="*/ 0 h 143436"/>
-              <a:gd name="connsiteX0" fmla="*/ 0 w 4016188"/>
-              <a:gd name="connsiteY0" fmla="*/ 8965 h 152401"/>
-              <a:gd name="connsiteX1" fmla="*/ 3881717 w 4016188"/>
-              <a:gd name="connsiteY1" fmla="*/ 0 h 152401"/>
-              <a:gd name="connsiteX2" fmla="*/ 4016188 w 4016188"/>
-              <a:gd name="connsiteY2" fmla="*/ 152401 h 152401"/>
-              <a:gd name="connsiteX3" fmla="*/ 0 w 4016188"/>
-              <a:gd name="connsiteY3" fmla="*/ 152401 h 152401"/>
-              <a:gd name="connsiteX4" fmla="*/ 0 w 4016188"/>
-              <a:gd name="connsiteY4" fmla="*/ 8965 h 152401"/>
-              <a:gd name="connsiteX0" fmla="*/ 0 w 4016188"/>
-              <a:gd name="connsiteY0" fmla="*/ 8965 h 152401"/>
-              <a:gd name="connsiteX1" fmla="*/ 3863787 w 4016188"/>
-              <a:gd name="connsiteY1" fmla="*/ 0 h 152401"/>
-              <a:gd name="connsiteX2" fmla="*/ 4016188 w 4016188"/>
-              <a:gd name="connsiteY2" fmla="*/ 152401 h 152401"/>
-              <a:gd name="connsiteX3" fmla="*/ 0 w 4016188"/>
-              <a:gd name="connsiteY3" fmla="*/ 152401 h 152401"/>
-              <a:gd name="connsiteX4" fmla="*/ 0 w 4016188"/>
-              <a:gd name="connsiteY4" fmla="*/ 8965 h 152401"/>
-              <a:gd name="connsiteX0" fmla="*/ 0 w 4016188"/>
-              <a:gd name="connsiteY0" fmla="*/ 6559 h 149995"/>
-              <a:gd name="connsiteX1" fmla="*/ 3885444 w 4016188"/>
-              <a:gd name="connsiteY1" fmla="*/ 0 h 149995"/>
-              <a:gd name="connsiteX2" fmla="*/ 4016188 w 4016188"/>
-              <a:gd name="connsiteY2" fmla="*/ 149995 h 149995"/>
-              <a:gd name="connsiteX3" fmla="*/ 0 w 4016188"/>
-              <a:gd name="connsiteY3" fmla="*/ 149995 h 149995"/>
-              <a:gd name="connsiteX4" fmla="*/ 0 w 4016188"/>
-              <a:gd name="connsiteY4" fmla="*/ 6559 h 149995"/>
-              <a:gd name="connsiteX0" fmla="*/ 0 w 4016188"/>
-              <a:gd name="connsiteY0" fmla="*/ 8965 h 152401"/>
-              <a:gd name="connsiteX1" fmla="*/ 3861381 w 4016188"/>
-              <a:gd name="connsiteY1" fmla="*/ 0 h 152401"/>
-              <a:gd name="connsiteX2" fmla="*/ 4016188 w 4016188"/>
-              <a:gd name="connsiteY2" fmla="*/ 152401 h 152401"/>
-              <a:gd name="connsiteX3" fmla="*/ 0 w 4016188"/>
-              <a:gd name="connsiteY3" fmla="*/ 152401 h 152401"/>
-              <a:gd name="connsiteX4" fmla="*/ 0 w 4016188"/>
-              <a:gd name="connsiteY4" fmla="*/ 8965 h 152401"/>
-              <a:gd name="connsiteX0" fmla="*/ 0 w 4021601"/>
-              <a:gd name="connsiteY0" fmla="*/ 829 h 152401"/>
-              <a:gd name="connsiteX1" fmla="*/ 3866794 w 4021601"/>
-              <a:gd name="connsiteY1" fmla="*/ 0 h 152401"/>
-              <a:gd name="connsiteX2" fmla="*/ 4021601 w 4021601"/>
-              <a:gd name="connsiteY2" fmla="*/ 152401 h 152401"/>
-              <a:gd name="connsiteX3" fmla="*/ 5413 w 4021601"/>
-              <a:gd name="connsiteY3" fmla="*/ 152401 h 152401"/>
-              <a:gd name="connsiteX4" fmla="*/ 0 w 4021601"/>
-              <a:gd name="connsiteY4" fmla="*/ 829 h 152401"/>
-              <a:gd name="connsiteX0" fmla="*/ 0 w 4021601"/>
-              <a:gd name="connsiteY0" fmla="*/ 0 h 151572"/>
-              <a:gd name="connsiteX1" fmla="*/ 3728015 w 4021601"/>
-              <a:gd name="connsiteY1" fmla="*/ 8588 h 151572"/>
-              <a:gd name="connsiteX2" fmla="*/ 4021601 w 4021601"/>
-              <a:gd name="connsiteY2" fmla="*/ 151572 h 151572"/>
-              <a:gd name="connsiteX3" fmla="*/ 5413 w 4021601"/>
-              <a:gd name="connsiteY3" fmla="*/ 151572 h 151572"/>
-              <a:gd name="connsiteX4" fmla="*/ 0 w 4021601"/>
-              <a:gd name="connsiteY4" fmla="*/ 0 h 151572"/>
-              <a:gd name="connsiteX0" fmla="*/ 0 w 4021601"/>
-              <a:gd name="connsiteY0" fmla="*/ 0 h 151572"/>
-              <a:gd name="connsiteX1" fmla="*/ 3461132 w 4021601"/>
-              <a:gd name="connsiteY1" fmla="*/ 5449 h 151572"/>
-              <a:gd name="connsiteX2" fmla="*/ 4021601 w 4021601"/>
-              <a:gd name="connsiteY2" fmla="*/ 151572 h 151572"/>
-              <a:gd name="connsiteX3" fmla="*/ 5413 w 4021601"/>
-              <a:gd name="connsiteY3" fmla="*/ 151572 h 151572"/>
-              <a:gd name="connsiteX4" fmla="*/ 0 w 4021601"/>
-              <a:gd name="connsiteY4" fmla="*/ 0 h 151572"/>
-              <a:gd name="connsiteX0" fmla="*/ 0 w 4021601"/>
-              <a:gd name="connsiteY0" fmla="*/ 0 h 151572"/>
-              <a:gd name="connsiteX1" fmla="*/ 3525184 w 4021601"/>
-              <a:gd name="connsiteY1" fmla="*/ 5449 h 151572"/>
-              <a:gd name="connsiteX2" fmla="*/ 4021601 w 4021601"/>
-              <a:gd name="connsiteY2" fmla="*/ 151572 h 151572"/>
-              <a:gd name="connsiteX3" fmla="*/ 5413 w 4021601"/>
-              <a:gd name="connsiteY3" fmla="*/ 151572 h 151572"/>
-              <a:gd name="connsiteX4" fmla="*/ 0 w 4021601"/>
-              <a:gd name="connsiteY4" fmla="*/ 0 h 151572"/>
-              <a:gd name="connsiteX0" fmla="*/ 0 w 4021601"/>
-              <a:gd name="connsiteY0" fmla="*/ 0 h 151572"/>
-              <a:gd name="connsiteX1" fmla="*/ 3599912 w 4021601"/>
-              <a:gd name="connsiteY1" fmla="*/ 5449 h 151572"/>
-              <a:gd name="connsiteX2" fmla="*/ 4021601 w 4021601"/>
-              <a:gd name="connsiteY2" fmla="*/ 151572 h 151572"/>
-              <a:gd name="connsiteX3" fmla="*/ 5413 w 4021601"/>
-              <a:gd name="connsiteY3" fmla="*/ 151572 h 151572"/>
-              <a:gd name="connsiteX4" fmla="*/ 0 w 4021601"/>
-              <a:gd name="connsiteY4" fmla="*/ 0 h 151572"/>
-              <a:gd name="connsiteX0" fmla="*/ 0 w 4021601"/>
-              <a:gd name="connsiteY0" fmla="*/ 0 h 151572"/>
-              <a:gd name="connsiteX1" fmla="*/ 3535860 w 4021601"/>
-              <a:gd name="connsiteY1" fmla="*/ 8588 h 151572"/>
-              <a:gd name="connsiteX2" fmla="*/ 4021601 w 4021601"/>
-              <a:gd name="connsiteY2" fmla="*/ 151572 h 151572"/>
-              <a:gd name="connsiteX3" fmla="*/ 5413 w 4021601"/>
-              <a:gd name="connsiteY3" fmla="*/ 151572 h 151572"/>
-              <a:gd name="connsiteX4" fmla="*/ 0 w 4021601"/>
-              <a:gd name="connsiteY4" fmla="*/ 0 h 151572"/>
-            </a:gdLst>
-            <a:ahLst/>
-            <a:cxnLst>
-              <a:cxn ang="0">
-                <a:pos x="connsiteX0" y="connsiteY0"/>
-              </a:cxn>
-              <a:cxn ang="0">
-                <a:pos x="connsiteX1" y="connsiteY1"/>
-              </a:cxn>
-              <a:cxn ang="0">
-                <a:pos x="connsiteX2" y="connsiteY2"/>
-              </a:cxn>
-              <a:cxn ang="0">
-                <a:pos x="connsiteX3" y="connsiteY3"/>
-              </a:cxn>
-              <a:cxn ang="0">
-                <a:pos x="connsiteX4" y="connsiteY4"/>
-              </a:cxn>
-            </a:cxnLst>
-            <a:rect l="l" t="t" r="r" b="b"/>
-            <a:pathLst>
-              <a:path w="4021601" h="151572">
-                <a:moveTo>
-                  <a:pt x="0" y="0"/>
-                </a:moveTo>
-                <a:lnTo>
-                  <a:pt x="3535860" y="8588"/>
-                </a:lnTo>
-                <a:lnTo>
-                  <a:pt x="4021601" y="151572"/>
-                </a:lnTo>
-                <a:lnTo>
-                  <a:pt x="5413" y="151572"/>
-                </a:lnTo>
-                <a:lnTo>
-                  <a:pt x="0" y="0"/>
-                </a:lnTo>
-                <a:close/>
-              </a:path>
-            </a:pathLst>
-          </a:custGeom>
-          <a:solidFill>
-            <a:srgbClr val="00B0F0"/>
-          </a:solidFill>
-          <a:ln>
-            <a:noFill/>
-          </a:ln>
-        </p:spPr>
-        <p:style>
-          <a:lnRef idx="2">
-            <a:schemeClr val="accent1">
-              <a:shade val="50000"/>
-            </a:schemeClr>
-          </a:lnRef>
-          <a:fillRef idx="1">
-            <a:schemeClr val="accent1"/>
-          </a:fillRef>
-          <a:effectRef idx="0">
-            <a:schemeClr val="accent1"/>
-          </a:effectRef>
-          <a:fontRef idx="minor">
-            <a:schemeClr val="lt1"/>
-          </a:fontRef>
-        </p:style>
-        <p:txBody>
-          <a:bodyPr rtlCol="0" anchor="ctr"/>
-          <a:lstStyle/>
-          <a:p>
-            <a:pPr marL="0" marR="0" lvl="0" indent="0" algn="l" defTabSz="914400" rtl="0" eaLnBrk="1" fontAlgn="auto" latinLnBrk="0" hangingPunct="1">
-              <a:lnSpc>
-                <a:spcPct val="100000"/>
-              </a:lnSpc>
-              <a:spcBef>
-                <a:spcPts val="0"/>
-              </a:spcBef>
-              <a:spcAft>
-                <a:spcPts val="0"/>
-              </a:spcAft>
-              <a:buClrTx/>
-              <a:buSzTx/>
-              <a:buFontTx/>
-              <a:buNone/>
-              <a:tabLst/>
-              <a:defRPr/>
-            </a:pPr>
-            <a:endParaRPr kumimoji="0" lang="en-ID" sz="1400" b="1" i="0" u="none" strike="noStrike" kern="1200" cap="none" spc="300" normalizeH="0" baseline="0" noProof="0" dirty="0">
-              <a:ln>
-                <a:noFill/>
-              </a:ln>
-              <a:solidFill>
-                <a:prstClr val="white"/>
-              </a:solidFill>
-              <a:effectLst/>
-              <a:uLnTx/>
-              <a:uFillTx/>
-              <a:latin typeface="Calibri"/>
-              <a:ea typeface="+mn-ea"/>
-              <a:cs typeface="+mn-cs"/>
-            </a:endParaRPr>
-          </a:p>
-        </p:txBody>
-      </p:sp>
-      <p:cxnSp>
-        <p:nvCxnSpPr>
-          <p:cNvPr id="8" name="Straight Connector 7">
-            <a:extLst>
-              <a:ext uri="{FF2B5EF4-FFF2-40B4-BE49-F238E27FC236}">
-                <a16:creationId xmlns:a16="http://schemas.microsoft.com/office/drawing/2014/main" id="{EEF2414E-3F0E-4EFC-AED0-5849524401C4}"/>
-              </a:ext>
-            </a:extLst>
-          </p:cNvPr>
-          <p:cNvCxnSpPr/>
-          <p:nvPr userDrawn="1"/>
-        </p:nvCxnSpPr>
-        <p:spPr>
-          <a:xfrm>
-            <a:off x="3120570" y="6342745"/>
-            <a:ext cx="8040916" cy="29027"/>
-          </a:xfrm>
-          <a:prstGeom prst="line">
-            <a:avLst/>
-          </a:prstGeom>
-          <a:ln w="28575">
-            <a:solidFill>
-              <a:srgbClr val="C00000"/>
-            </a:solidFill>
-          </a:ln>
-        </p:spPr>
-        <p:style>
-          <a:lnRef idx="1">
-            <a:schemeClr val="accent1"/>
-          </a:lnRef>
-          <a:fillRef idx="0">
-            <a:schemeClr val="accent1"/>
-          </a:fillRef>
-          <a:effectRef idx="0">
-            <a:schemeClr val="accent1"/>
-          </a:effectRef>
-          <a:fontRef idx="minor">
-            <a:schemeClr val="tx1"/>
-          </a:fontRef>
-        </p:style>
-      </p:cxnSp>
-      <p:sp>
-        <p:nvSpPr>
-          <p:cNvPr id="9" name="Rectangle 7">
-            <a:extLst>
-              <a:ext uri="{FF2B5EF4-FFF2-40B4-BE49-F238E27FC236}">
-                <a16:creationId xmlns:a16="http://schemas.microsoft.com/office/drawing/2014/main" id="{23E479D7-3791-4E2F-95BA-DB02A2DB2A2F}"/>
-              </a:ext>
-            </a:extLst>
-          </p:cNvPr>
-          <p:cNvSpPr/>
-          <p:nvPr userDrawn="1"/>
-        </p:nvSpPr>
-        <p:spPr>
-          <a:xfrm>
-            <a:off x="325" y="6299200"/>
-            <a:ext cx="3870478" cy="558801"/>
-          </a:xfrm>
-          <a:custGeom>
-            <a:avLst/>
-            <a:gdLst>
-              <a:gd name="connsiteX0" fmla="*/ 0 w 4016188"/>
-              <a:gd name="connsiteY0" fmla="*/ 0 h 143436"/>
-              <a:gd name="connsiteX1" fmla="*/ 4016188 w 4016188"/>
-              <a:gd name="connsiteY1" fmla="*/ 0 h 143436"/>
-              <a:gd name="connsiteX2" fmla="*/ 4016188 w 4016188"/>
-              <a:gd name="connsiteY2" fmla="*/ 143436 h 143436"/>
-              <a:gd name="connsiteX3" fmla="*/ 0 w 4016188"/>
-              <a:gd name="connsiteY3" fmla="*/ 143436 h 143436"/>
-              <a:gd name="connsiteX4" fmla="*/ 0 w 4016188"/>
-              <a:gd name="connsiteY4" fmla="*/ 0 h 143436"/>
-              <a:gd name="connsiteX0" fmla="*/ 0 w 4016188"/>
-              <a:gd name="connsiteY0" fmla="*/ 8965 h 152401"/>
-              <a:gd name="connsiteX1" fmla="*/ 3881717 w 4016188"/>
-              <a:gd name="connsiteY1" fmla="*/ 0 h 152401"/>
-              <a:gd name="connsiteX2" fmla="*/ 4016188 w 4016188"/>
-              <a:gd name="connsiteY2" fmla="*/ 152401 h 152401"/>
-              <a:gd name="connsiteX3" fmla="*/ 0 w 4016188"/>
-              <a:gd name="connsiteY3" fmla="*/ 152401 h 152401"/>
-              <a:gd name="connsiteX4" fmla="*/ 0 w 4016188"/>
-              <a:gd name="connsiteY4" fmla="*/ 8965 h 152401"/>
-              <a:gd name="connsiteX0" fmla="*/ 0 w 4016188"/>
-              <a:gd name="connsiteY0" fmla="*/ 8965 h 152401"/>
-              <a:gd name="connsiteX1" fmla="*/ 3863787 w 4016188"/>
-              <a:gd name="connsiteY1" fmla="*/ 0 h 152401"/>
-              <a:gd name="connsiteX2" fmla="*/ 4016188 w 4016188"/>
-              <a:gd name="connsiteY2" fmla="*/ 152401 h 152401"/>
-              <a:gd name="connsiteX3" fmla="*/ 0 w 4016188"/>
-              <a:gd name="connsiteY3" fmla="*/ 152401 h 152401"/>
-              <a:gd name="connsiteX4" fmla="*/ 0 w 4016188"/>
-              <a:gd name="connsiteY4" fmla="*/ 8965 h 152401"/>
-              <a:gd name="connsiteX0" fmla="*/ 0 w 4016188"/>
-              <a:gd name="connsiteY0" fmla="*/ 6559 h 149995"/>
-              <a:gd name="connsiteX1" fmla="*/ 3885444 w 4016188"/>
-              <a:gd name="connsiteY1" fmla="*/ 0 h 149995"/>
-              <a:gd name="connsiteX2" fmla="*/ 4016188 w 4016188"/>
-              <a:gd name="connsiteY2" fmla="*/ 149995 h 149995"/>
-              <a:gd name="connsiteX3" fmla="*/ 0 w 4016188"/>
-              <a:gd name="connsiteY3" fmla="*/ 149995 h 149995"/>
-              <a:gd name="connsiteX4" fmla="*/ 0 w 4016188"/>
-              <a:gd name="connsiteY4" fmla="*/ 6559 h 149995"/>
-              <a:gd name="connsiteX0" fmla="*/ 0 w 4016188"/>
-              <a:gd name="connsiteY0" fmla="*/ 8965 h 152401"/>
-              <a:gd name="connsiteX1" fmla="*/ 3861381 w 4016188"/>
-              <a:gd name="connsiteY1" fmla="*/ 0 h 152401"/>
-              <a:gd name="connsiteX2" fmla="*/ 4016188 w 4016188"/>
-              <a:gd name="connsiteY2" fmla="*/ 152401 h 152401"/>
-              <a:gd name="connsiteX3" fmla="*/ 0 w 4016188"/>
-              <a:gd name="connsiteY3" fmla="*/ 152401 h 152401"/>
-              <a:gd name="connsiteX4" fmla="*/ 0 w 4016188"/>
-              <a:gd name="connsiteY4" fmla="*/ 8965 h 152401"/>
-              <a:gd name="connsiteX0" fmla="*/ 0 w 4021601"/>
-              <a:gd name="connsiteY0" fmla="*/ 829 h 152401"/>
-              <a:gd name="connsiteX1" fmla="*/ 3866794 w 4021601"/>
-              <a:gd name="connsiteY1" fmla="*/ 0 h 152401"/>
-              <a:gd name="connsiteX2" fmla="*/ 4021601 w 4021601"/>
-              <a:gd name="connsiteY2" fmla="*/ 152401 h 152401"/>
-              <a:gd name="connsiteX3" fmla="*/ 5413 w 4021601"/>
-              <a:gd name="connsiteY3" fmla="*/ 152401 h 152401"/>
-              <a:gd name="connsiteX4" fmla="*/ 0 w 4021601"/>
-              <a:gd name="connsiteY4" fmla="*/ 829 h 152401"/>
-              <a:gd name="connsiteX0" fmla="*/ 0 w 4021601"/>
-              <a:gd name="connsiteY0" fmla="*/ 0 h 151572"/>
-              <a:gd name="connsiteX1" fmla="*/ 3728015 w 4021601"/>
-              <a:gd name="connsiteY1" fmla="*/ 8588 h 151572"/>
-              <a:gd name="connsiteX2" fmla="*/ 4021601 w 4021601"/>
-              <a:gd name="connsiteY2" fmla="*/ 151572 h 151572"/>
-              <a:gd name="connsiteX3" fmla="*/ 5413 w 4021601"/>
-              <a:gd name="connsiteY3" fmla="*/ 151572 h 151572"/>
-              <a:gd name="connsiteX4" fmla="*/ 0 w 4021601"/>
-              <a:gd name="connsiteY4" fmla="*/ 0 h 151572"/>
-              <a:gd name="connsiteX0" fmla="*/ 0 w 4021601"/>
-              <a:gd name="connsiteY0" fmla="*/ 0 h 151572"/>
-              <a:gd name="connsiteX1" fmla="*/ 3461132 w 4021601"/>
-              <a:gd name="connsiteY1" fmla="*/ 5449 h 151572"/>
-              <a:gd name="connsiteX2" fmla="*/ 4021601 w 4021601"/>
-              <a:gd name="connsiteY2" fmla="*/ 151572 h 151572"/>
-              <a:gd name="connsiteX3" fmla="*/ 5413 w 4021601"/>
-              <a:gd name="connsiteY3" fmla="*/ 151572 h 151572"/>
-              <a:gd name="connsiteX4" fmla="*/ 0 w 4021601"/>
-              <a:gd name="connsiteY4" fmla="*/ 0 h 151572"/>
-              <a:gd name="connsiteX0" fmla="*/ 0 w 4021601"/>
-              <a:gd name="connsiteY0" fmla="*/ 0 h 151572"/>
-              <a:gd name="connsiteX1" fmla="*/ 3525184 w 4021601"/>
-              <a:gd name="connsiteY1" fmla="*/ 5449 h 151572"/>
-              <a:gd name="connsiteX2" fmla="*/ 4021601 w 4021601"/>
-              <a:gd name="connsiteY2" fmla="*/ 151572 h 151572"/>
-              <a:gd name="connsiteX3" fmla="*/ 5413 w 4021601"/>
-              <a:gd name="connsiteY3" fmla="*/ 151572 h 151572"/>
-              <a:gd name="connsiteX4" fmla="*/ 0 w 4021601"/>
-              <a:gd name="connsiteY4" fmla="*/ 0 h 151572"/>
-              <a:gd name="connsiteX0" fmla="*/ 0 w 4021601"/>
-              <a:gd name="connsiteY0" fmla="*/ 0 h 151572"/>
-              <a:gd name="connsiteX1" fmla="*/ 3599912 w 4021601"/>
-              <a:gd name="connsiteY1" fmla="*/ 5449 h 151572"/>
-              <a:gd name="connsiteX2" fmla="*/ 4021601 w 4021601"/>
-              <a:gd name="connsiteY2" fmla="*/ 151572 h 151572"/>
-              <a:gd name="connsiteX3" fmla="*/ 5413 w 4021601"/>
-              <a:gd name="connsiteY3" fmla="*/ 151572 h 151572"/>
-              <a:gd name="connsiteX4" fmla="*/ 0 w 4021601"/>
-              <a:gd name="connsiteY4" fmla="*/ 0 h 151572"/>
-              <a:gd name="connsiteX0" fmla="*/ 0 w 4021601"/>
-              <a:gd name="connsiteY0" fmla="*/ 0 h 151572"/>
-              <a:gd name="connsiteX1" fmla="*/ 3535860 w 4021601"/>
-              <a:gd name="connsiteY1" fmla="*/ 8588 h 151572"/>
-              <a:gd name="connsiteX2" fmla="*/ 4021601 w 4021601"/>
-              <a:gd name="connsiteY2" fmla="*/ 151572 h 151572"/>
-              <a:gd name="connsiteX3" fmla="*/ 5413 w 4021601"/>
-              <a:gd name="connsiteY3" fmla="*/ 151572 h 151572"/>
-              <a:gd name="connsiteX4" fmla="*/ 0 w 4021601"/>
-              <a:gd name="connsiteY4" fmla="*/ 0 h 151572"/>
-            </a:gdLst>
-            <a:ahLst/>
-            <a:cxnLst>
-              <a:cxn ang="0">
-                <a:pos x="connsiteX0" y="connsiteY0"/>
-              </a:cxn>
-              <a:cxn ang="0">
-                <a:pos x="connsiteX1" y="connsiteY1"/>
-              </a:cxn>
-              <a:cxn ang="0">
-                <a:pos x="connsiteX2" y="connsiteY2"/>
-              </a:cxn>
-              <a:cxn ang="0">
-                <a:pos x="connsiteX3" y="connsiteY3"/>
-              </a:cxn>
-              <a:cxn ang="0">
-                <a:pos x="connsiteX4" y="connsiteY4"/>
-              </a:cxn>
-            </a:cxnLst>
-            <a:rect l="l" t="t" r="r" b="b"/>
-            <a:pathLst>
-              <a:path w="4021601" h="151572">
-                <a:moveTo>
-                  <a:pt x="0" y="0"/>
-                </a:moveTo>
-                <a:lnTo>
-                  <a:pt x="3535860" y="8588"/>
-                </a:lnTo>
-                <a:lnTo>
-                  <a:pt x="4021601" y="151572"/>
-                </a:lnTo>
-                <a:lnTo>
-                  <a:pt x="5413" y="151572"/>
-                </a:lnTo>
-                <a:lnTo>
-                  <a:pt x="0" y="0"/>
-                </a:lnTo>
-                <a:close/>
-              </a:path>
-            </a:pathLst>
-          </a:custGeom>
-          <a:solidFill>
-            <a:srgbClr val="C00000"/>
-          </a:solidFill>
-          <a:ln>
-            <a:noFill/>
-          </a:ln>
-        </p:spPr>
-        <p:style>
-          <a:lnRef idx="2">
-            <a:schemeClr val="accent1">
-              <a:shade val="50000"/>
-            </a:schemeClr>
-          </a:lnRef>
-          <a:fillRef idx="1">
-            <a:schemeClr val="accent1"/>
-          </a:fillRef>
-          <a:effectRef idx="0">
-            <a:schemeClr val="accent1"/>
-          </a:effectRef>
-          <a:fontRef idx="minor">
-            <a:schemeClr val="lt1"/>
-          </a:fontRef>
-        </p:style>
-        <p:txBody>
-          <a:bodyPr rtlCol="0" anchor="ctr"/>
-          <a:lstStyle/>
-          <a:p>
-            <a:pPr marL="0" marR="0" lvl="0" indent="0" algn="l" defTabSz="914400" rtl="0" eaLnBrk="1" fontAlgn="auto" latinLnBrk="0" hangingPunct="1">
-              <a:lnSpc>
-                <a:spcPct val="100000"/>
-              </a:lnSpc>
-              <a:spcBef>
-                <a:spcPts val="0"/>
-              </a:spcBef>
-              <a:spcAft>
-                <a:spcPts val="0"/>
-              </a:spcAft>
-              <a:buClrTx/>
-              <a:buSzTx/>
-              <a:buFontTx/>
-              <a:buNone/>
-              <a:tabLst/>
-              <a:defRPr/>
-            </a:pPr>
-            <a:endParaRPr kumimoji="0" lang="en-ID" sz="2800" b="1" i="0" u="none" strike="noStrike" kern="1200" cap="none" spc="300" normalizeH="0" baseline="0" noProof="0" dirty="0">
-              <a:ln>
-                <a:noFill/>
-              </a:ln>
-              <a:solidFill>
-                <a:prstClr val="white"/>
-              </a:solidFill>
-              <a:effectLst/>
-              <a:uLnTx/>
-              <a:uFillTx/>
-              <a:latin typeface="Bernard MT Condensed" panose="02050806060905020404" pitchFamily="18" charset="0"/>
-              <a:ea typeface="+mn-ea"/>
-              <a:cs typeface="+mn-cs"/>
-            </a:endParaRPr>
-          </a:p>
-        </p:txBody>
-      </p:sp>
-      <p:sp>
-        <p:nvSpPr>
-          <p:cNvPr id="10" name="TextBox 9">
-            <a:extLst>
-              <a:ext uri="{FF2B5EF4-FFF2-40B4-BE49-F238E27FC236}">
-                <a16:creationId xmlns:a16="http://schemas.microsoft.com/office/drawing/2014/main" id="{0AD98CF2-59A2-4A33-A98D-793845565145}"/>
-              </a:ext>
-            </a:extLst>
-          </p:cNvPr>
-          <p:cNvSpPr txBox="1"/>
-          <p:nvPr userDrawn="1"/>
-        </p:nvSpPr>
-        <p:spPr>
-          <a:xfrm>
-            <a:off x="10778605" y="6145810"/>
-            <a:ext cx="1494971" cy="923330"/>
-          </a:xfrm>
-          <a:prstGeom prst="rect">
-            <a:avLst/>
-          </a:prstGeom>
-          <a:noFill/>
-        </p:spPr>
-        <p:txBody>
-          <a:bodyPr wrap="square" rtlCol="0">
-            <a:spAutoFit/>
-          </a:bodyPr>
-          <a:lstStyle/>
-          <a:p>
-            <a:pPr marL="0" marR="0" lvl="0" indent="0" algn="l" defTabSz="914400" rtl="0" eaLnBrk="1" fontAlgn="auto" latinLnBrk="0" hangingPunct="1">
-              <a:lnSpc>
-                <a:spcPct val="100000"/>
-              </a:lnSpc>
-              <a:spcBef>
-                <a:spcPts val="0"/>
-              </a:spcBef>
-              <a:spcAft>
-                <a:spcPts val="0"/>
-              </a:spcAft>
-              <a:buClrTx/>
-              <a:buSzTx/>
-              <a:buFontTx/>
-              <a:buNone/>
-              <a:tabLst/>
-              <a:defRPr/>
-            </a:pPr>
-            <a:r>
-              <a:rPr kumimoji="0" lang="en-US" sz="5400" b="0" i="0" u="none" strike="noStrike" kern="1200" cap="none" spc="0" normalizeH="0" baseline="0" noProof="0" dirty="0">
-                <a:ln>
-                  <a:noFill/>
-                </a:ln>
+      <p:sp>
+        <p:nvSpPr>
+          <p:cNvPr id="3" name="Text Placeholder 2">
+            <a:extLst>
+              <a:ext uri="{FF2B5EF4-FFF2-40B4-BE49-F238E27FC236}">
+                <a16:creationId xmlns:a16="http://schemas.microsoft.com/office/drawing/2014/main" id="{AA9383AD-10FF-4129-BB81-373F78B6BD04}"/>
+              </a:ext>
+            </a:extLst>
+          </p:cNvPr>
+          <p:cNvSpPr>
+            <a:spLocks noGrp="1"/>
+          </p:cNvSpPr>
+          <p:nvPr>
+            <p:ph type="body" sz="quarter" idx="17"/>
+          </p:nvPr>
+        </p:nvSpPr>
+        <p:spPr>
+          <a:xfrm>
+            <a:off x="0" y="6342063"/>
+            <a:ext cx="3870325" cy="515937"/>
+          </a:xfrm>
+        </p:spPr>
+        <p:txBody>
+          <a:bodyPr/>
+          <a:lstStyle>
+            <a:lvl1pPr marL="0" indent="0">
+              <a:buNone/>
+              <a:defRPr>
                 <a:solidFill>
-                  <a:srgbClr val="C00000"/>
+                  <a:schemeClr val="bg1"/>
                 </a:solidFill>
-                <a:effectLst/>
-                <a:uLnTx/>
-                <a:uFillTx/>
-                <a:latin typeface="Stencil" panose="040409050D0802020404" pitchFamily="82" charset="0"/>
-                <a:ea typeface="+mn-ea"/>
-                <a:cs typeface="+mn-cs"/>
-              </a:rPr>
-              <a:t>abl</a:t>
-            </a:r>
-          </a:p>
-        </p:txBody>
-      </p:sp>
-      <p:sp>
-        <p:nvSpPr>
-          <p:cNvPr id="5" name="Text Placeholder 4">
-            <a:extLst>
-              <a:ext uri="{FF2B5EF4-FFF2-40B4-BE49-F238E27FC236}">
-                <a16:creationId xmlns:a16="http://schemas.microsoft.com/office/drawing/2014/main" id="{F1E3F4CB-5429-4518-8924-AE4D8D107784}"/>
-              </a:ext>
-            </a:extLst>
-          </p:cNvPr>
-          <p:cNvSpPr>
-            <a:spLocks noGrp="1"/>
-          </p:cNvSpPr>
-          <p:nvPr>
-            <p:ph type="body" sz="quarter" idx="16"/>
-          </p:nvPr>
-        </p:nvSpPr>
-        <p:spPr>
-          <a:xfrm>
-            <a:off x="2991776" y="116119"/>
-            <a:ext cx="5965794" cy="461666"/>
+                <a:latin typeface="Bernard MT Condensed" panose="02050806060905020404" pitchFamily="18" charset="0"/>
+              </a:defRPr>
+            </a:lvl1pPr>
+          </a:lstStyle>
+          <a:p>
+            <a:pPr lvl="0"/>
+            <a:endParaRPr lang="en-ID" dirty="0"/>
+          </a:p>
+        </p:txBody>
+      </p:sp>
+      <p:sp>
+        <p:nvSpPr>
+          <p:cNvPr id="11" name="Text Placeholder 4">
+            <a:extLst>
+              <a:ext uri="{FF2B5EF4-FFF2-40B4-BE49-F238E27FC236}">
+                <a16:creationId xmlns:a16="http://schemas.microsoft.com/office/drawing/2014/main" id="{E8B489FB-7CA6-4C81-AB90-FCE08B1808F9}"/>
+              </a:ext>
+            </a:extLst>
+          </p:cNvPr>
+          <p:cNvSpPr>
+            <a:spLocks noGrp="1"/>
+          </p:cNvSpPr>
+          <p:nvPr>
+            <p:ph type="body" sz="quarter" idx="18"/>
+          </p:nvPr>
+        </p:nvSpPr>
+        <p:spPr>
+          <a:xfrm>
+            <a:off x="660748" y="2741993"/>
+            <a:ext cx="3156787" cy="461666"/>
           </a:xfrm>
         </p:spPr>
         <p:txBody>
@@ -3052,64 +1755,23 @@
       </p:sp>
       <p:sp>
         <p:nvSpPr>
-          <p:cNvPr id="3" name="Text Placeholder 2">
-            <a:extLst>
-              <a:ext uri="{FF2B5EF4-FFF2-40B4-BE49-F238E27FC236}">
-                <a16:creationId xmlns:a16="http://schemas.microsoft.com/office/drawing/2014/main" id="{AA9383AD-10FF-4129-BB81-373F78B6BD04}"/>
-              </a:ext>
-            </a:extLst>
-          </p:cNvPr>
-          <p:cNvSpPr>
-            <a:spLocks noGrp="1"/>
-          </p:cNvSpPr>
-          <p:nvPr>
-            <p:ph type="body" sz="quarter" idx="17"/>
-          </p:nvPr>
-        </p:nvSpPr>
-        <p:spPr>
-          <a:xfrm>
-            <a:off x="710" y="6338387"/>
-            <a:ext cx="3870325" cy="515937"/>
-          </a:xfrm>
-        </p:spPr>
-        <p:txBody>
-          <a:bodyPr/>
-          <a:lstStyle>
-            <a:lvl1pPr marL="0" indent="0">
-              <a:buNone/>
-              <a:defRPr>
-                <a:solidFill>
-                  <a:schemeClr val="bg1"/>
-                </a:solidFill>
-                <a:latin typeface="Bernard MT Condensed" panose="02050806060905020404" pitchFamily="18" charset="0"/>
-              </a:defRPr>
-            </a:lvl1pPr>
-          </a:lstStyle>
-          <a:p>
-            <a:pPr lvl="0"/>
-            <a:endParaRPr lang="en-ID" dirty="0"/>
-          </a:p>
-        </p:txBody>
-      </p:sp>
-      <p:sp>
-        <p:nvSpPr>
-          <p:cNvPr id="11" name="Text Placeholder 4">
-            <a:extLst>
-              <a:ext uri="{FF2B5EF4-FFF2-40B4-BE49-F238E27FC236}">
-                <a16:creationId xmlns:a16="http://schemas.microsoft.com/office/drawing/2014/main" id="{E8B489FB-7CA6-4C81-AB90-FCE08B1808F9}"/>
-              </a:ext>
-            </a:extLst>
-          </p:cNvPr>
-          <p:cNvSpPr>
-            <a:spLocks noGrp="1"/>
-          </p:cNvSpPr>
-          <p:nvPr>
-            <p:ph type="body" sz="quarter" idx="18"/>
-          </p:nvPr>
-        </p:nvSpPr>
-        <p:spPr>
-          <a:xfrm>
-            <a:off x="660748" y="2741993"/>
+          <p:cNvPr id="12" name="Text Placeholder 4">
+            <a:extLst>
+              <a:ext uri="{FF2B5EF4-FFF2-40B4-BE49-F238E27FC236}">
+                <a16:creationId xmlns:a16="http://schemas.microsoft.com/office/drawing/2014/main" id="{648D9B5E-676C-4BAB-A96F-BB01F53B7C6C}"/>
+              </a:ext>
+            </a:extLst>
+          </p:cNvPr>
+          <p:cNvSpPr>
+            <a:spLocks noGrp="1"/>
+          </p:cNvSpPr>
+          <p:nvPr>
+            <p:ph type="body" sz="quarter" idx="19"/>
+          </p:nvPr>
+        </p:nvSpPr>
+        <p:spPr>
+          <a:xfrm>
+            <a:off x="4701568" y="2741993"/>
             <a:ext cx="3156787" cy="461666"/>
           </a:xfrm>
         </p:spPr>
@@ -3175,23 +1837,23 @@
       </p:sp>
       <p:sp>
         <p:nvSpPr>
-          <p:cNvPr id="12" name="Text Placeholder 4">
-            <a:extLst>
-              <a:ext uri="{FF2B5EF4-FFF2-40B4-BE49-F238E27FC236}">
-                <a16:creationId xmlns:a16="http://schemas.microsoft.com/office/drawing/2014/main" id="{648D9B5E-676C-4BAB-A96F-BB01F53B7C6C}"/>
-              </a:ext>
-            </a:extLst>
-          </p:cNvPr>
-          <p:cNvSpPr>
-            <a:spLocks noGrp="1"/>
-          </p:cNvSpPr>
-          <p:nvPr>
-            <p:ph type="body" sz="quarter" idx="19"/>
-          </p:nvPr>
-        </p:nvSpPr>
-        <p:spPr>
-          <a:xfrm>
-            <a:off x="4701568" y="2741993"/>
+          <p:cNvPr id="13" name="Text Placeholder 4">
+            <a:extLst>
+              <a:ext uri="{FF2B5EF4-FFF2-40B4-BE49-F238E27FC236}">
+                <a16:creationId xmlns:a16="http://schemas.microsoft.com/office/drawing/2014/main" id="{9B47CEE8-D6B4-4FC8-B58F-83E4EFF386E8}"/>
+              </a:ext>
+            </a:extLst>
+          </p:cNvPr>
+          <p:cNvSpPr>
+            <a:spLocks noGrp="1"/>
+          </p:cNvSpPr>
+          <p:nvPr>
+            <p:ph type="body" sz="quarter" idx="20"/>
+          </p:nvPr>
+        </p:nvSpPr>
+        <p:spPr>
+          <a:xfrm>
+            <a:off x="8733614" y="2741993"/>
             <a:ext cx="3156787" cy="461666"/>
           </a:xfrm>
         </p:spPr>
@@ -3257,23 +1919,23 @@
       </p:sp>
       <p:sp>
         <p:nvSpPr>
-          <p:cNvPr id="13" name="Text Placeholder 4">
-            <a:extLst>
-              <a:ext uri="{FF2B5EF4-FFF2-40B4-BE49-F238E27FC236}">
-                <a16:creationId xmlns:a16="http://schemas.microsoft.com/office/drawing/2014/main" id="{9B47CEE8-D6B4-4FC8-B58F-83E4EFF386E8}"/>
-              </a:ext>
-            </a:extLst>
-          </p:cNvPr>
-          <p:cNvSpPr>
-            <a:spLocks noGrp="1"/>
-          </p:cNvSpPr>
-          <p:nvPr>
-            <p:ph type="body" sz="quarter" idx="20"/>
-          </p:nvPr>
-        </p:nvSpPr>
-        <p:spPr>
-          <a:xfrm>
-            <a:off x="8733614" y="2741993"/>
+          <p:cNvPr id="14" name="Text Placeholder 4">
+            <a:extLst>
+              <a:ext uri="{FF2B5EF4-FFF2-40B4-BE49-F238E27FC236}">
+                <a16:creationId xmlns:a16="http://schemas.microsoft.com/office/drawing/2014/main" id="{AA7693FC-DCBA-4F87-AEB1-001E02F7EFAD}"/>
+              </a:ext>
+            </a:extLst>
+          </p:cNvPr>
+          <p:cNvSpPr>
+            <a:spLocks noGrp="1"/>
+          </p:cNvSpPr>
+          <p:nvPr>
+            <p:ph type="body" sz="quarter" idx="21"/>
+          </p:nvPr>
+        </p:nvSpPr>
+        <p:spPr>
+          <a:xfrm>
+            <a:off x="660748" y="5537347"/>
             <a:ext cx="3156787" cy="461666"/>
           </a:xfrm>
         </p:spPr>
@@ -3339,23 +2001,23 @@
       </p:sp>
       <p:sp>
         <p:nvSpPr>
-          <p:cNvPr id="14" name="Text Placeholder 4">
-            <a:extLst>
-              <a:ext uri="{FF2B5EF4-FFF2-40B4-BE49-F238E27FC236}">
-                <a16:creationId xmlns:a16="http://schemas.microsoft.com/office/drawing/2014/main" id="{AA7693FC-DCBA-4F87-AEB1-001E02F7EFAD}"/>
-              </a:ext>
-            </a:extLst>
-          </p:cNvPr>
-          <p:cNvSpPr>
-            <a:spLocks noGrp="1"/>
-          </p:cNvSpPr>
-          <p:nvPr>
-            <p:ph type="body" sz="quarter" idx="21"/>
-          </p:nvPr>
-        </p:nvSpPr>
-        <p:spPr>
-          <a:xfrm>
-            <a:off x="660748" y="5537347"/>
+          <p:cNvPr id="15" name="Text Placeholder 4">
+            <a:extLst>
+              <a:ext uri="{FF2B5EF4-FFF2-40B4-BE49-F238E27FC236}">
+                <a16:creationId xmlns:a16="http://schemas.microsoft.com/office/drawing/2014/main" id="{1204F2B0-07C8-4634-A928-0C9C81DDCFBF}"/>
+              </a:ext>
+            </a:extLst>
+          </p:cNvPr>
+          <p:cNvSpPr>
+            <a:spLocks noGrp="1"/>
+          </p:cNvSpPr>
+          <p:nvPr>
+            <p:ph type="body" sz="quarter" idx="22"/>
+          </p:nvPr>
+        </p:nvSpPr>
+        <p:spPr>
+          <a:xfrm>
+            <a:off x="4701568" y="5537347"/>
             <a:ext cx="3156787" cy="461666"/>
           </a:xfrm>
         </p:spPr>
@@ -3421,23 +2083,23 @@
       </p:sp>
       <p:sp>
         <p:nvSpPr>
-          <p:cNvPr id="15" name="Text Placeholder 4">
-            <a:extLst>
-              <a:ext uri="{FF2B5EF4-FFF2-40B4-BE49-F238E27FC236}">
-                <a16:creationId xmlns:a16="http://schemas.microsoft.com/office/drawing/2014/main" id="{1204F2B0-07C8-4634-A928-0C9C81DDCFBF}"/>
-              </a:ext>
-            </a:extLst>
-          </p:cNvPr>
-          <p:cNvSpPr>
-            <a:spLocks noGrp="1"/>
-          </p:cNvSpPr>
-          <p:nvPr>
-            <p:ph type="body" sz="quarter" idx="22"/>
-          </p:nvPr>
-        </p:nvSpPr>
-        <p:spPr>
-          <a:xfrm>
-            <a:off x="4701568" y="5537347"/>
+          <p:cNvPr id="16" name="Text Placeholder 4">
+            <a:extLst>
+              <a:ext uri="{FF2B5EF4-FFF2-40B4-BE49-F238E27FC236}">
+                <a16:creationId xmlns:a16="http://schemas.microsoft.com/office/drawing/2014/main" id="{82E377EA-0885-4677-B3E9-E61AE0F5D8A8}"/>
+              </a:ext>
+            </a:extLst>
+          </p:cNvPr>
+          <p:cNvSpPr>
+            <a:spLocks noGrp="1"/>
+          </p:cNvSpPr>
+          <p:nvPr>
+            <p:ph type="body" sz="quarter" idx="23"/>
+          </p:nvPr>
+        </p:nvSpPr>
+        <p:spPr>
+          <a:xfrm>
+            <a:off x="8733614" y="5537347"/>
             <a:ext cx="3156787" cy="461666"/>
           </a:xfrm>
         </p:spPr>
@@ -3501,92 +2163,170 @@
           </a:p>
         </p:txBody>
       </p:sp>
-      <p:sp>
-        <p:nvSpPr>
-          <p:cNvPr id="16" name="Text Placeholder 4">
-            <a:extLst>
-              <a:ext uri="{FF2B5EF4-FFF2-40B4-BE49-F238E27FC236}">
-                <a16:creationId xmlns:a16="http://schemas.microsoft.com/office/drawing/2014/main" id="{82E377EA-0885-4677-B3E9-E61AE0F5D8A8}"/>
-              </a:ext>
-            </a:extLst>
-          </p:cNvPr>
-          <p:cNvSpPr>
-            <a:spLocks noGrp="1"/>
-          </p:cNvSpPr>
-          <p:nvPr>
-            <p:ph type="body" sz="quarter" idx="23"/>
-          </p:nvPr>
-        </p:nvSpPr>
-        <p:spPr>
-          <a:xfrm>
-            <a:off x="8733614" y="5537347"/>
-            <a:ext cx="3156787" cy="461666"/>
-          </a:xfrm>
-        </p:spPr>
-        <p:txBody>
-          <a:bodyPr>
-            <a:noAutofit/>
-          </a:bodyPr>
-          <a:lstStyle>
-            <a:lvl1pPr marL="0" marR="0" indent="0" algn="ctr" defTabSz="914400" rtl="0" eaLnBrk="1" fontAlgn="auto" latinLnBrk="0" hangingPunct="1">
-              <a:lnSpc>
-                <a:spcPct val="100000"/>
-              </a:lnSpc>
-              <a:spcBef>
-                <a:spcPts val="0"/>
-              </a:spcBef>
-              <a:spcAft>
-                <a:spcPts val="0"/>
-              </a:spcAft>
-              <a:buClrTx/>
-              <a:buSzTx/>
-              <a:buFontTx/>
-              <a:buNone/>
-              <a:tabLst/>
-              <a:defRPr sz="1800">
-                <a:latin typeface="Arial Black" panose="020B0A04020102020204" pitchFamily="34" charset="0"/>
-              </a:defRPr>
-            </a:lvl1pPr>
-          </a:lstStyle>
-          <a:p>
-            <a:pPr marL="0" marR="0" lvl="0" indent="0" algn="ctr" defTabSz="914400" rtl="0" eaLnBrk="1" fontAlgn="auto" latinLnBrk="0" hangingPunct="1">
-              <a:lnSpc>
-                <a:spcPct val="100000"/>
-              </a:lnSpc>
-              <a:spcBef>
-                <a:spcPts val="0"/>
-              </a:spcBef>
-              <a:spcAft>
-                <a:spcPts val="0"/>
-              </a:spcAft>
-              <a:buClrTx/>
-              <a:buSzTx/>
-              <a:buFontTx/>
-              <a:buNone/>
-              <a:tabLst/>
-              <a:defRPr/>
-            </a:pPr>
-            <a:endParaRPr kumimoji="0" lang="en-ID" sz="3600" b="0" i="0" u="none" strike="noStrike" kern="1200" cap="none" spc="0" normalizeH="0" baseline="0" noProof="0" dirty="0">
-              <a:ln>
-                <a:noFill/>
-              </a:ln>
-              <a:solidFill>
-                <a:prstClr val="black"/>
-              </a:solidFill>
-              <a:effectLst/>
-              <a:uLnTx/>
-              <a:uFillTx/>
-              <a:latin typeface="+mn-lt"/>
-              <a:ea typeface="+mn-ea"/>
-              <a:cs typeface="+mn-cs"/>
-            </a:endParaRPr>
-          </a:p>
-        </p:txBody>
-      </p:sp>
+      <p:pic>
+        <p:nvPicPr>
+          <p:cNvPr id="17" name="Picture 16" descr="A blue and pink logo&#10;&#10;Description automatically generated">
+            <a:extLst>
+              <a:ext uri="{FF2B5EF4-FFF2-40B4-BE49-F238E27FC236}">
+                <a16:creationId xmlns:a16="http://schemas.microsoft.com/office/drawing/2014/main" id="{A818E5B9-4822-4EAE-99B5-4C2359F41453}"/>
+              </a:ext>
+            </a:extLst>
+          </p:cNvPr>
+          <p:cNvPicPr>
+            <a:picLocks noChangeAspect="1"/>
+          </p:cNvPicPr>
+          <p:nvPr userDrawn="1"/>
+        </p:nvPicPr>
+        <p:blipFill>
+          <a:blip r:embed="rId2">
+            <a:extLst>
+              <a:ext uri="{28A0092B-C50C-407E-A947-70E740481C1C}">
+                <a14:useLocalDpi xmlns:a14="http://schemas.microsoft.com/office/drawing/2010/main" val="0"/>
+              </a:ext>
+            </a:extLst>
+          </a:blip>
+          <a:stretch>
+            <a:fillRect/>
+          </a:stretch>
+        </p:blipFill>
+        <p:spPr>
+          <a:xfrm>
+            <a:off x="4970706" y="6408436"/>
+            <a:ext cx="2284862" cy="324000"/>
+          </a:xfrm>
+          <a:prstGeom prst="rect">
+            <a:avLst/>
+          </a:prstGeom>
+        </p:spPr>
+      </p:pic>
+      <p:cxnSp>
+        <p:nvCxnSpPr>
+          <p:cNvPr id="18" name="Straight Connector 17">
+            <a:extLst>
+              <a:ext uri="{FF2B5EF4-FFF2-40B4-BE49-F238E27FC236}">
+                <a16:creationId xmlns:a16="http://schemas.microsoft.com/office/drawing/2014/main" id="{844F6102-6846-4FBD-8B01-13F478C63875}"/>
+              </a:ext>
+            </a:extLst>
+          </p:cNvPr>
+          <p:cNvCxnSpPr>
+            <a:cxnSpLocks/>
+          </p:cNvCxnSpPr>
+          <p:nvPr userDrawn="1"/>
+        </p:nvCxnSpPr>
+        <p:spPr>
+          <a:xfrm>
+            <a:off x="311642" y="6300894"/>
+            <a:ext cx="11602990" cy="0"/>
+          </a:xfrm>
+          <a:prstGeom prst="line">
+            <a:avLst/>
+          </a:prstGeom>
+          <a:ln w="38100">
+            <a:solidFill>
+              <a:schemeClr val="bg1">
+                <a:lumMod val="75000"/>
+              </a:schemeClr>
+            </a:solidFill>
+          </a:ln>
+        </p:spPr>
+        <p:style>
+          <a:lnRef idx="2">
+            <a:schemeClr val="accent1"/>
+          </a:lnRef>
+          <a:fillRef idx="0">
+            <a:schemeClr val="accent1"/>
+          </a:fillRef>
+          <a:effectRef idx="1">
+            <a:schemeClr val="accent1"/>
+          </a:effectRef>
+          <a:fontRef idx="minor">
+            <a:schemeClr val="tx1"/>
+          </a:fontRef>
+        </p:style>
+      </p:cxnSp>
+      <p:cxnSp>
+        <p:nvCxnSpPr>
+          <p:cNvPr id="19" name="Straight Connector 18">
+            <a:extLst>
+              <a:ext uri="{FF2B5EF4-FFF2-40B4-BE49-F238E27FC236}">
+                <a16:creationId xmlns:a16="http://schemas.microsoft.com/office/drawing/2014/main" id="{853618FE-E346-4459-9254-C9DCA7C48DE5}"/>
+              </a:ext>
+            </a:extLst>
+          </p:cNvPr>
+          <p:cNvCxnSpPr/>
+          <p:nvPr userDrawn="1"/>
+        </p:nvCxnSpPr>
+        <p:spPr>
+          <a:xfrm>
+            <a:off x="311642" y="1051560"/>
+            <a:ext cx="11602990" cy="0"/>
+          </a:xfrm>
+          <a:prstGeom prst="line">
+            <a:avLst/>
+          </a:prstGeom>
+          <a:ln w="38100">
+            <a:solidFill>
+              <a:schemeClr val="bg1">
+                <a:lumMod val="75000"/>
+              </a:schemeClr>
+            </a:solidFill>
+          </a:ln>
+        </p:spPr>
+        <p:style>
+          <a:lnRef idx="2">
+            <a:schemeClr val="accent1"/>
+          </a:lnRef>
+          <a:fillRef idx="0">
+            <a:schemeClr val="accent1"/>
+          </a:fillRef>
+          <a:effectRef idx="1">
+            <a:schemeClr val="accent1"/>
+          </a:effectRef>
+          <a:fontRef idx="minor">
+            <a:schemeClr val="tx1"/>
+          </a:fontRef>
+        </p:style>
+      </p:cxnSp>
+      <p:pic>
+        <p:nvPicPr>
+          <p:cNvPr id="20" name="Picture 19" descr="A red and black logo&#10;&#10;Description automatically generated">
+            <a:extLst>
+              <a:ext uri="{FF2B5EF4-FFF2-40B4-BE49-F238E27FC236}">
+                <a16:creationId xmlns:a16="http://schemas.microsoft.com/office/drawing/2014/main" id="{0B41C0DD-C2EF-42B1-8F9B-D94B155557D6}"/>
+              </a:ext>
+            </a:extLst>
+          </p:cNvPr>
+          <p:cNvPicPr>
+            <a:picLocks noChangeAspect="1"/>
+          </p:cNvPicPr>
+          <p:nvPr userDrawn="1"/>
+        </p:nvPicPr>
+        <p:blipFill>
+          <a:blip r:embed="rId3">
+            <a:extLst>
+              <a:ext uri="{28A0092B-C50C-407E-A947-70E740481C1C}">
+                <a14:useLocalDpi xmlns:a14="http://schemas.microsoft.com/office/drawing/2010/main" val="0"/>
+              </a:ext>
+            </a:extLst>
+          </a:blip>
+          <a:stretch>
+            <a:fillRect/>
+          </a:stretch>
+        </p:blipFill>
+        <p:spPr>
+          <a:xfrm>
+            <a:off x="10214194" y="234717"/>
+            <a:ext cx="1666164" cy="540000"/>
+          </a:xfrm>
+          <a:prstGeom prst="rect">
+            <a:avLst/>
+          </a:prstGeom>
+        </p:spPr>
+      </p:pic>
     </p:spTree>
     <p:extLst>
       <p:ext uri="{BB962C8B-B14F-4D97-AF65-F5344CB8AC3E}">
-        <p14:creationId xmlns:p14="http://schemas.microsoft.com/office/powerpoint/2010/main" val="208538613"/>
+        <p14:creationId xmlns:p14="http://schemas.microsoft.com/office/powerpoint/2010/main" val="19579947"/>
       </p:ext>
     </p:extLst>
   </p:cSld>
@@ -3598,7 +2338,7 @@
 
 <file path=ppt/slideLayouts/slideLayout4.xml><?xml version="1.0" encoding="utf-8"?>
 <p:sldLayout xmlns:a="http://schemas.openxmlformats.org/drawingml/2006/main" xmlns:r="http://schemas.openxmlformats.org/officeDocument/2006/relationships" xmlns:p="http://schemas.openxmlformats.org/presentationml/2006/main" preserve="1" userDrawn="1">
-  <p:cSld name="Title and Content">
+  <p:cSld name="2_Title and Content">
     <p:spTree>
       <p:nvGrpSpPr>
         <p:cNvPr id="1" name=""/>
@@ -3615,814 +2355,52 @@
       </p:grpSpPr>
       <p:sp>
         <p:nvSpPr>
-          <p:cNvPr id="8" name="Rectangle 7">
-            <a:extLst>
-              <a:ext uri="{FF2B5EF4-FFF2-40B4-BE49-F238E27FC236}">
-                <a16:creationId xmlns:a16="http://schemas.microsoft.com/office/drawing/2014/main" id="{E2070FF3-FFB5-43AD-B6D6-FA586942F7A2}"/>
-              </a:ext>
-            </a:extLst>
-          </p:cNvPr>
-          <p:cNvSpPr/>
-          <p:nvPr userDrawn="1"/>
-        </p:nvSpPr>
-        <p:spPr>
-          <a:xfrm>
-            <a:off x="6219373" y="6720113"/>
-            <a:ext cx="3614056" cy="145143"/>
-          </a:xfrm>
-          <a:custGeom>
-            <a:avLst/>
-            <a:gdLst>
-              <a:gd name="connsiteX0" fmla="*/ 0 w 4016188"/>
-              <a:gd name="connsiteY0" fmla="*/ 0 h 143436"/>
-              <a:gd name="connsiteX1" fmla="*/ 4016188 w 4016188"/>
-              <a:gd name="connsiteY1" fmla="*/ 0 h 143436"/>
-              <a:gd name="connsiteX2" fmla="*/ 4016188 w 4016188"/>
-              <a:gd name="connsiteY2" fmla="*/ 143436 h 143436"/>
-              <a:gd name="connsiteX3" fmla="*/ 0 w 4016188"/>
-              <a:gd name="connsiteY3" fmla="*/ 143436 h 143436"/>
-              <a:gd name="connsiteX4" fmla="*/ 0 w 4016188"/>
-              <a:gd name="connsiteY4" fmla="*/ 0 h 143436"/>
-              <a:gd name="connsiteX0" fmla="*/ 0 w 4016188"/>
-              <a:gd name="connsiteY0" fmla="*/ 8965 h 152401"/>
-              <a:gd name="connsiteX1" fmla="*/ 3881717 w 4016188"/>
-              <a:gd name="connsiteY1" fmla="*/ 0 h 152401"/>
-              <a:gd name="connsiteX2" fmla="*/ 4016188 w 4016188"/>
-              <a:gd name="connsiteY2" fmla="*/ 152401 h 152401"/>
-              <a:gd name="connsiteX3" fmla="*/ 0 w 4016188"/>
-              <a:gd name="connsiteY3" fmla="*/ 152401 h 152401"/>
-              <a:gd name="connsiteX4" fmla="*/ 0 w 4016188"/>
-              <a:gd name="connsiteY4" fmla="*/ 8965 h 152401"/>
-              <a:gd name="connsiteX0" fmla="*/ 0 w 4016188"/>
-              <a:gd name="connsiteY0" fmla="*/ 8965 h 152401"/>
-              <a:gd name="connsiteX1" fmla="*/ 3863787 w 4016188"/>
-              <a:gd name="connsiteY1" fmla="*/ 0 h 152401"/>
-              <a:gd name="connsiteX2" fmla="*/ 4016188 w 4016188"/>
-              <a:gd name="connsiteY2" fmla="*/ 152401 h 152401"/>
-              <a:gd name="connsiteX3" fmla="*/ 0 w 4016188"/>
-              <a:gd name="connsiteY3" fmla="*/ 152401 h 152401"/>
-              <a:gd name="connsiteX4" fmla="*/ 0 w 4016188"/>
-              <a:gd name="connsiteY4" fmla="*/ 8965 h 152401"/>
-              <a:gd name="connsiteX0" fmla="*/ 0 w 4016188"/>
-              <a:gd name="connsiteY0" fmla="*/ 6559 h 149995"/>
-              <a:gd name="connsiteX1" fmla="*/ 3885444 w 4016188"/>
-              <a:gd name="connsiteY1" fmla="*/ 0 h 149995"/>
-              <a:gd name="connsiteX2" fmla="*/ 4016188 w 4016188"/>
-              <a:gd name="connsiteY2" fmla="*/ 149995 h 149995"/>
-              <a:gd name="connsiteX3" fmla="*/ 0 w 4016188"/>
-              <a:gd name="connsiteY3" fmla="*/ 149995 h 149995"/>
-              <a:gd name="connsiteX4" fmla="*/ 0 w 4016188"/>
-              <a:gd name="connsiteY4" fmla="*/ 6559 h 149995"/>
-              <a:gd name="connsiteX0" fmla="*/ 0 w 4016188"/>
-              <a:gd name="connsiteY0" fmla="*/ 8965 h 152401"/>
-              <a:gd name="connsiteX1" fmla="*/ 3861381 w 4016188"/>
-              <a:gd name="connsiteY1" fmla="*/ 0 h 152401"/>
-              <a:gd name="connsiteX2" fmla="*/ 4016188 w 4016188"/>
-              <a:gd name="connsiteY2" fmla="*/ 152401 h 152401"/>
-              <a:gd name="connsiteX3" fmla="*/ 0 w 4016188"/>
-              <a:gd name="connsiteY3" fmla="*/ 152401 h 152401"/>
-              <a:gd name="connsiteX4" fmla="*/ 0 w 4016188"/>
-              <a:gd name="connsiteY4" fmla="*/ 8965 h 152401"/>
-              <a:gd name="connsiteX0" fmla="*/ 0 w 4021601"/>
-              <a:gd name="connsiteY0" fmla="*/ 829 h 152401"/>
-              <a:gd name="connsiteX1" fmla="*/ 3866794 w 4021601"/>
-              <a:gd name="connsiteY1" fmla="*/ 0 h 152401"/>
-              <a:gd name="connsiteX2" fmla="*/ 4021601 w 4021601"/>
-              <a:gd name="connsiteY2" fmla="*/ 152401 h 152401"/>
-              <a:gd name="connsiteX3" fmla="*/ 5413 w 4021601"/>
-              <a:gd name="connsiteY3" fmla="*/ 152401 h 152401"/>
-              <a:gd name="connsiteX4" fmla="*/ 0 w 4021601"/>
-              <a:gd name="connsiteY4" fmla="*/ 829 h 152401"/>
-              <a:gd name="connsiteX0" fmla="*/ 0 w 4021601"/>
-              <a:gd name="connsiteY0" fmla="*/ 0 h 151572"/>
-              <a:gd name="connsiteX1" fmla="*/ 3728015 w 4021601"/>
-              <a:gd name="connsiteY1" fmla="*/ 8588 h 151572"/>
-              <a:gd name="connsiteX2" fmla="*/ 4021601 w 4021601"/>
-              <a:gd name="connsiteY2" fmla="*/ 151572 h 151572"/>
-              <a:gd name="connsiteX3" fmla="*/ 5413 w 4021601"/>
-              <a:gd name="connsiteY3" fmla="*/ 151572 h 151572"/>
-              <a:gd name="connsiteX4" fmla="*/ 0 w 4021601"/>
-              <a:gd name="connsiteY4" fmla="*/ 0 h 151572"/>
-              <a:gd name="connsiteX0" fmla="*/ 0 w 4021601"/>
-              <a:gd name="connsiteY0" fmla="*/ 0 h 151572"/>
-              <a:gd name="connsiteX1" fmla="*/ 3461132 w 4021601"/>
-              <a:gd name="connsiteY1" fmla="*/ 5449 h 151572"/>
-              <a:gd name="connsiteX2" fmla="*/ 4021601 w 4021601"/>
-              <a:gd name="connsiteY2" fmla="*/ 151572 h 151572"/>
-              <a:gd name="connsiteX3" fmla="*/ 5413 w 4021601"/>
-              <a:gd name="connsiteY3" fmla="*/ 151572 h 151572"/>
-              <a:gd name="connsiteX4" fmla="*/ 0 w 4021601"/>
-              <a:gd name="connsiteY4" fmla="*/ 0 h 151572"/>
-              <a:gd name="connsiteX0" fmla="*/ 0 w 4021601"/>
-              <a:gd name="connsiteY0" fmla="*/ 0 h 151572"/>
-              <a:gd name="connsiteX1" fmla="*/ 3525184 w 4021601"/>
-              <a:gd name="connsiteY1" fmla="*/ 5449 h 151572"/>
-              <a:gd name="connsiteX2" fmla="*/ 4021601 w 4021601"/>
-              <a:gd name="connsiteY2" fmla="*/ 151572 h 151572"/>
-              <a:gd name="connsiteX3" fmla="*/ 5413 w 4021601"/>
-              <a:gd name="connsiteY3" fmla="*/ 151572 h 151572"/>
-              <a:gd name="connsiteX4" fmla="*/ 0 w 4021601"/>
-              <a:gd name="connsiteY4" fmla="*/ 0 h 151572"/>
-              <a:gd name="connsiteX0" fmla="*/ 0 w 4021601"/>
-              <a:gd name="connsiteY0" fmla="*/ 0 h 151572"/>
-              <a:gd name="connsiteX1" fmla="*/ 3599912 w 4021601"/>
-              <a:gd name="connsiteY1" fmla="*/ 5449 h 151572"/>
-              <a:gd name="connsiteX2" fmla="*/ 4021601 w 4021601"/>
-              <a:gd name="connsiteY2" fmla="*/ 151572 h 151572"/>
-              <a:gd name="connsiteX3" fmla="*/ 5413 w 4021601"/>
-              <a:gd name="connsiteY3" fmla="*/ 151572 h 151572"/>
-              <a:gd name="connsiteX4" fmla="*/ 0 w 4021601"/>
-              <a:gd name="connsiteY4" fmla="*/ 0 h 151572"/>
-              <a:gd name="connsiteX0" fmla="*/ 0 w 4021601"/>
-              <a:gd name="connsiteY0" fmla="*/ 0 h 151572"/>
-              <a:gd name="connsiteX1" fmla="*/ 3535860 w 4021601"/>
-              <a:gd name="connsiteY1" fmla="*/ 8588 h 151572"/>
-              <a:gd name="connsiteX2" fmla="*/ 4021601 w 4021601"/>
-              <a:gd name="connsiteY2" fmla="*/ 151572 h 151572"/>
-              <a:gd name="connsiteX3" fmla="*/ 5413 w 4021601"/>
-              <a:gd name="connsiteY3" fmla="*/ 151572 h 151572"/>
-              <a:gd name="connsiteX4" fmla="*/ 0 w 4021601"/>
-              <a:gd name="connsiteY4" fmla="*/ 0 h 151572"/>
-            </a:gdLst>
-            <a:ahLst/>
-            <a:cxnLst>
-              <a:cxn ang="0">
-                <a:pos x="connsiteX0" y="connsiteY0"/>
-              </a:cxn>
-              <a:cxn ang="0">
-                <a:pos x="connsiteX1" y="connsiteY1"/>
-              </a:cxn>
-              <a:cxn ang="0">
-                <a:pos x="connsiteX2" y="connsiteY2"/>
-              </a:cxn>
-              <a:cxn ang="0">
-                <a:pos x="connsiteX3" y="connsiteY3"/>
-              </a:cxn>
-              <a:cxn ang="0">
-                <a:pos x="connsiteX4" y="connsiteY4"/>
-              </a:cxn>
-            </a:cxnLst>
-            <a:rect l="l" t="t" r="r" b="b"/>
-            <a:pathLst>
-              <a:path w="4021601" h="151572">
-                <a:moveTo>
-                  <a:pt x="0" y="0"/>
-                </a:moveTo>
-                <a:lnTo>
-                  <a:pt x="3535860" y="8588"/>
-                </a:lnTo>
-                <a:lnTo>
-                  <a:pt x="4021601" y="151572"/>
-                </a:lnTo>
-                <a:lnTo>
-                  <a:pt x="5413" y="151572"/>
-                </a:lnTo>
-                <a:lnTo>
-                  <a:pt x="0" y="0"/>
-                </a:lnTo>
-                <a:close/>
-              </a:path>
-            </a:pathLst>
-          </a:custGeom>
-          <a:solidFill>
-            <a:schemeClr val="tx1"/>
-          </a:solidFill>
-          <a:ln>
+          <p:cNvPr id="3" name="Content Placeholder 2">
+            <a:extLst>
+              <a:ext uri="{FF2B5EF4-FFF2-40B4-BE49-F238E27FC236}">
+                <a16:creationId xmlns:a16="http://schemas.microsoft.com/office/drawing/2014/main" id="{C9895AD6-EAB7-435B-8CDD-6B6035F350D1}"/>
+              </a:ext>
+            </a:extLst>
+          </p:cNvPr>
+          <p:cNvSpPr>
+            <a:spLocks noGrp="1"/>
+          </p:cNvSpPr>
+          <p:nvPr>
+            <p:ph sz="quarter" idx="10"/>
+          </p:nvPr>
+        </p:nvSpPr>
+        <p:spPr>
+          <a:xfrm>
+            <a:off x="98198" y="131458"/>
+            <a:ext cx="11977688" cy="825500"/>
+          </a:xfrm>
+          <a:ln w="28575">
             <a:noFill/>
           </a:ln>
         </p:spPr>
-        <p:style>
-          <a:lnRef idx="2">
-            <a:schemeClr val="accent1">
-              <a:shade val="50000"/>
-            </a:schemeClr>
-          </a:lnRef>
-          <a:fillRef idx="1">
-            <a:schemeClr val="accent1"/>
-          </a:fillRef>
-          <a:effectRef idx="0">
-            <a:schemeClr val="accent1"/>
-          </a:effectRef>
-          <a:fontRef idx="minor">
-            <a:schemeClr val="lt1"/>
-          </a:fontRef>
-        </p:style>
-        <p:txBody>
-          <a:bodyPr rtlCol="0" anchor="ctr"/>
-          <a:lstStyle/>
-          <a:p>
-            <a:pPr marL="0" marR="0" lvl="0" indent="0" algn="l" defTabSz="914400" rtl="0" eaLnBrk="1" fontAlgn="auto" latinLnBrk="0" hangingPunct="1">
-              <a:lnSpc>
-                <a:spcPct val="100000"/>
-              </a:lnSpc>
-              <a:spcBef>
-                <a:spcPts val="0"/>
-              </a:spcBef>
-              <a:spcAft>
-                <a:spcPts val="0"/>
-              </a:spcAft>
-              <a:buClrTx/>
-              <a:buSzTx/>
-              <a:buFontTx/>
-              <a:buNone/>
-              <a:tabLst/>
-              <a:defRPr/>
-            </a:pPr>
-            <a:endParaRPr kumimoji="0" lang="en-ID" sz="1400" b="1" i="0" u="none" strike="noStrike" kern="1200" cap="none" spc="300" normalizeH="0" baseline="0" noProof="0" dirty="0">
-              <a:ln>
-                <a:noFill/>
-              </a:ln>
-              <a:solidFill>
-                <a:prstClr val="white"/>
-              </a:solidFill>
-              <a:effectLst/>
-              <a:uLnTx/>
-              <a:uFillTx/>
-              <a:latin typeface="Calibri"/>
-              <a:ea typeface="+mn-ea"/>
-              <a:cs typeface="+mn-cs"/>
-            </a:endParaRPr>
-          </a:p>
-        </p:txBody>
-      </p:sp>
-      <p:sp>
-        <p:nvSpPr>
-          <p:cNvPr id="9" name="Rectangle 7">
-            <a:extLst>
-              <a:ext uri="{FF2B5EF4-FFF2-40B4-BE49-F238E27FC236}">
-                <a16:creationId xmlns:a16="http://schemas.microsoft.com/office/drawing/2014/main" id="{3B8ECA48-50BD-4D41-A35F-049CCC0FF58E}"/>
-              </a:ext>
-            </a:extLst>
-          </p:cNvPr>
-          <p:cNvSpPr/>
-          <p:nvPr userDrawn="1"/>
-        </p:nvSpPr>
-        <p:spPr>
-          <a:xfrm>
-            <a:off x="3207658" y="6545943"/>
-            <a:ext cx="3614056" cy="312057"/>
-          </a:xfrm>
-          <a:custGeom>
-            <a:avLst/>
-            <a:gdLst>
-              <a:gd name="connsiteX0" fmla="*/ 0 w 4016188"/>
-              <a:gd name="connsiteY0" fmla="*/ 0 h 143436"/>
-              <a:gd name="connsiteX1" fmla="*/ 4016188 w 4016188"/>
-              <a:gd name="connsiteY1" fmla="*/ 0 h 143436"/>
-              <a:gd name="connsiteX2" fmla="*/ 4016188 w 4016188"/>
-              <a:gd name="connsiteY2" fmla="*/ 143436 h 143436"/>
-              <a:gd name="connsiteX3" fmla="*/ 0 w 4016188"/>
-              <a:gd name="connsiteY3" fmla="*/ 143436 h 143436"/>
-              <a:gd name="connsiteX4" fmla="*/ 0 w 4016188"/>
-              <a:gd name="connsiteY4" fmla="*/ 0 h 143436"/>
-              <a:gd name="connsiteX0" fmla="*/ 0 w 4016188"/>
-              <a:gd name="connsiteY0" fmla="*/ 8965 h 152401"/>
-              <a:gd name="connsiteX1" fmla="*/ 3881717 w 4016188"/>
-              <a:gd name="connsiteY1" fmla="*/ 0 h 152401"/>
-              <a:gd name="connsiteX2" fmla="*/ 4016188 w 4016188"/>
-              <a:gd name="connsiteY2" fmla="*/ 152401 h 152401"/>
-              <a:gd name="connsiteX3" fmla="*/ 0 w 4016188"/>
-              <a:gd name="connsiteY3" fmla="*/ 152401 h 152401"/>
-              <a:gd name="connsiteX4" fmla="*/ 0 w 4016188"/>
-              <a:gd name="connsiteY4" fmla="*/ 8965 h 152401"/>
-              <a:gd name="connsiteX0" fmla="*/ 0 w 4016188"/>
-              <a:gd name="connsiteY0" fmla="*/ 8965 h 152401"/>
-              <a:gd name="connsiteX1" fmla="*/ 3863787 w 4016188"/>
-              <a:gd name="connsiteY1" fmla="*/ 0 h 152401"/>
-              <a:gd name="connsiteX2" fmla="*/ 4016188 w 4016188"/>
-              <a:gd name="connsiteY2" fmla="*/ 152401 h 152401"/>
-              <a:gd name="connsiteX3" fmla="*/ 0 w 4016188"/>
-              <a:gd name="connsiteY3" fmla="*/ 152401 h 152401"/>
-              <a:gd name="connsiteX4" fmla="*/ 0 w 4016188"/>
-              <a:gd name="connsiteY4" fmla="*/ 8965 h 152401"/>
-              <a:gd name="connsiteX0" fmla="*/ 0 w 4016188"/>
-              <a:gd name="connsiteY0" fmla="*/ 6559 h 149995"/>
-              <a:gd name="connsiteX1" fmla="*/ 3885444 w 4016188"/>
-              <a:gd name="connsiteY1" fmla="*/ 0 h 149995"/>
-              <a:gd name="connsiteX2" fmla="*/ 4016188 w 4016188"/>
-              <a:gd name="connsiteY2" fmla="*/ 149995 h 149995"/>
-              <a:gd name="connsiteX3" fmla="*/ 0 w 4016188"/>
-              <a:gd name="connsiteY3" fmla="*/ 149995 h 149995"/>
-              <a:gd name="connsiteX4" fmla="*/ 0 w 4016188"/>
-              <a:gd name="connsiteY4" fmla="*/ 6559 h 149995"/>
-              <a:gd name="connsiteX0" fmla="*/ 0 w 4016188"/>
-              <a:gd name="connsiteY0" fmla="*/ 8965 h 152401"/>
-              <a:gd name="connsiteX1" fmla="*/ 3861381 w 4016188"/>
-              <a:gd name="connsiteY1" fmla="*/ 0 h 152401"/>
-              <a:gd name="connsiteX2" fmla="*/ 4016188 w 4016188"/>
-              <a:gd name="connsiteY2" fmla="*/ 152401 h 152401"/>
-              <a:gd name="connsiteX3" fmla="*/ 0 w 4016188"/>
-              <a:gd name="connsiteY3" fmla="*/ 152401 h 152401"/>
-              <a:gd name="connsiteX4" fmla="*/ 0 w 4016188"/>
-              <a:gd name="connsiteY4" fmla="*/ 8965 h 152401"/>
-              <a:gd name="connsiteX0" fmla="*/ 0 w 4021601"/>
-              <a:gd name="connsiteY0" fmla="*/ 829 h 152401"/>
-              <a:gd name="connsiteX1" fmla="*/ 3866794 w 4021601"/>
-              <a:gd name="connsiteY1" fmla="*/ 0 h 152401"/>
-              <a:gd name="connsiteX2" fmla="*/ 4021601 w 4021601"/>
-              <a:gd name="connsiteY2" fmla="*/ 152401 h 152401"/>
-              <a:gd name="connsiteX3" fmla="*/ 5413 w 4021601"/>
-              <a:gd name="connsiteY3" fmla="*/ 152401 h 152401"/>
-              <a:gd name="connsiteX4" fmla="*/ 0 w 4021601"/>
-              <a:gd name="connsiteY4" fmla="*/ 829 h 152401"/>
-              <a:gd name="connsiteX0" fmla="*/ 0 w 4021601"/>
-              <a:gd name="connsiteY0" fmla="*/ 0 h 151572"/>
-              <a:gd name="connsiteX1" fmla="*/ 3728015 w 4021601"/>
-              <a:gd name="connsiteY1" fmla="*/ 8588 h 151572"/>
-              <a:gd name="connsiteX2" fmla="*/ 4021601 w 4021601"/>
-              <a:gd name="connsiteY2" fmla="*/ 151572 h 151572"/>
-              <a:gd name="connsiteX3" fmla="*/ 5413 w 4021601"/>
-              <a:gd name="connsiteY3" fmla="*/ 151572 h 151572"/>
-              <a:gd name="connsiteX4" fmla="*/ 0 w 4021601"/>
-              <a:gd name="connsiteY4" fmla="*/ 0 h 151572"/>
-              <a:gd name="connsiteX0" fmla="*/ 0 w 4021601"/>
-              <a:gd name="connsiteY0" fmla="*/ 0 h 151572"/>
-              <a:gd name="connsiteX1" fmla="*/ 3461132 w 4021601"/>
-              <a:gd name="connsiteY1" fmla="*/ 5449 h 151572"/>
-              <a:gd name="connsiteX2" fmla="*/ 4021601 w 4021601"/>
-              <a:gd name="connsiteY2" fmla="*/ 151572 h 151572"/>
-              <a:gd name="connsiteX3" fmla="*/ 5413 w 4021601"/>
-              <a:gd name="connsiteY3" fmla="*/ 151572 h 151572"/>
-              <a:gd name="connsiteX4" fmla="*/ 0 w 4021601"/>
-              <a:gd name="connsiteY4" fmla="*/ 0 h 151572"/>
-              <a:gd name="connsiteX0" fmla="*/ 0 w 4021601"/>
-              <a:gd name="connsiteY0" fmla="*/ 0 h 151572"/>
-              <a:gd name="connsiteX1" fmla="*/ 3525184 w 4021601"/>
-              <a:gd name="connsiteY1" fmla="*/ 5449 h 151572"/>
-              <a:gd name="connsiteX2" fmla="*/ 4021601 w 4021601"/>
-              <a:gd name="connsiteY2" fmla="*/ 151572 h 151572"/>
-              <a:gd name="connsiteX3" fmla="*/ 5413 w 4021601"/>
-              <a:gd name="connsiteY3" fmla="*/ 151572 h 151572"/>
-              <a:gd name="connsiteX4" fmla="*/ 0 w 4021601"/>
-              <a:gd name="connsiteY4" fmla="*/ 0 h 151572"/>
-              <a:gd name="connsiteX0" fmla="*/ 0 w 4021601"/>
-              <a:gd name="connsiteY0" fmla="*/ 0 h 151572"/>
-              <a:gd name="connsiteX1" fmla="*/ 3599912 w 4021601"/>
-              <a:gd name="connsiteY1" fmla="*/ 5449 h 151572"/>
-              <a:gd name="connsiteX2" fmla="*/ 4021601 w 4021601"/>
-              <a:gd name="connsiteY2" fmla="*/ 151572 h 151572"/>
-              <a:gd name="connsiteX3" fmla="*/ 5413 w 4021601"/>
-              <a:gd name="connsiteY3" fmla="*/ 151572 h 151572"/>
-              <a:gd name="connsiteX4" fmla="*/ 0 w 4021601"/>
-              <a:gd name="connsiteY4" fmla="*/ 0 h 151572"/>
-              <a:gd name="connsiteX0" fmla="*/ 0 w 4021601"/>
-              <a:gd name="connsiteY0" fmla="*/ 0 h 151572"/>
-              <a:gd name="connsiteX1" fmla="*/ 3535860 w 4021601"/>
-              <a:gd name="connsiteY1" fmla="*/ 8588 h 151572"/>
-              <a:gd name="connsiteX2" fmla="*/ 4021601 w 4021601"/>
-              <a:gd name="connsiteY2" fmla="*/ 151572 h 151572"/>
-              <a:gd name="connsiteX3" fmla="*/ 5413 w 4021601"/>
-              <a:gd name="connsiteY3" fmla="*/ 151572 h 151572"/>
-              <a:gd name="connsiteX4" fmla="*/ 0 w 4021601"/>
-              <a:gd name="connsiteY4" fmla="*/ 0 h 151572"/>
-            </a:gdLst>
-            <a:ahLst/>
-            <a:cxnLst>
-              <a:cxn ang="0">
-                <a:pos x="connsiteX0" y="connsiteY0"/>
-              </a:cxn>
-              <a:cxn ang="0">
-                <a:pos x="connsiteX1" y="connsiteY1"/>
-              </a:cxn>
-              <a:cxn ang="0">
-                <a:pos x="connsiteX2" y="connsiteY2"/>
-              </a:cxn>
-              <a:cxn ang="0">
-                <a:pos x="connsiteX3" y="connsiteY3"/>
-              </a:cxn>
-              <a:cxn ang="0">
-                <a:pos x="connsiteX4" y="connsiteY4"/>
-              </a:cxn>
-            </a:cxnLst>
-            <a:rect l="l" t="t" r="r" b="b"/>
-            <a:pathLst>
-              <a:path w="4021601" h="151572">
-                <a:moveTo>
-                  <a:pt x="0" y="0"/>
-                </a:moveTo>
-                <a:lnTo>
-                  <a:pt x="3535860" y="8588"/>
-                </a:lnTo>
-                <a:lnTo>
-                  <a:pt x="4021601" y="151572"/>
-                </a:lnTo>
-                <a:lnTo>
-                  <a:pt x="5413" y="151572"/>
-                </a:lnTo>
-                <a:lnTo>
-                  <a:pt x="0" y="0"/>
-                </a:lnTo>
-                <a:close/>
-              </a:path>
-            </a:pathLst>
-          </a:custGeom>
-          <a:solidFill>
-            <a:srgbClr val="00B0F0"/>
-          </a:solidFill>
-          <a:ln>
-            <a:noFill/>
-          </a:ln>
-        </p:spPr>
-        <p:style>
-          <a:lnRef idx="2">
-            <a:schemeClr val="accent1">
-              <a:shade val="50000"/>
-            </a:schemeClr>
-          </a:lnRef>
-          <a:fillRef idx="1">
-            <a:schemeClr val="accent1"/>
-          </a:fillRef>
-          <a:effectRef idx="0">
-            <a:schemeClr val="accent1"/>
-          </a:effectRef>
-          <a:fontRef idx="minor">
-            <a:schemeClr val="lt1"/>
-          </a:fontRef>
-        </p:style>
-        <p:txBody>
-          <a:bodyPr rtlCol="0" anchor="ctr"/>
-          <a:lstStyle/>
-          <a:p>
-            <a:pPr marL="0" marR="0" lvl="0" indent="0" algn="l" defTabSz="914400" rtl="0" eaLnBrk="1" fontAlgn="auto" latinLnBrk="0" hangingPunct="1">
-              <a:lnSpc>
-                <a:spcPct val="100000"/>
-              </a:lnSpc>
-              <a:spcBef>
-                <a:spcPts val="0"/>
-              </a:spcBef>
-              <a:spcAft>
-                <a:spcPts val="0"/>
-              </a:spcAft>
-              <a:buClrTx/>
-              <a:buSzTx/>
-              <a:buFontTx/>
-              <a:buNone/>
-              <a:tabLst/>
-              <a:defRPr/>
-            </a:pPr>
-            <a:endParaRPr kumimoji="0" lang="en-ID" sz="1400" b="1" i="0" u="none" strike="noStrike" kern="1200" cap="none" spc="300" normalizeH="0" baseline="0" noProof="0" dirty="0">
-              <a:ln>
-                <a:noFill/>
-              </a:ln>
-              <a:solidFill>
-                <a:prstClr val="white"/>
-              </a:solidFill>
-              <a:effectLst/>
-              <a:uLnTx/>
-              <a:uFillTx/>
-              <a:latin typeface="Calibri"/>
-              <a:ea typeface="+mn-ea"/>
-              <a:cs typeface="+mn-cs"/>
-            </a:endParaRPr>
-          </a:p>
-        </p:txBody>
-      </p:sp>
-      <p:sp>
-        <p:nvSpPr>
-          <p:cNvPr id="10" name="TextBox 9">
-            <a:extLst>
-              <a:ext uri="{FF2B5EF4-FFF2-40B4-BE49-F238E27FC236}">
-                <a16:creationId xmlns:a16="http://schemas.microsoft.com/office/drawing/2014/main" id="{5C3CA752-8D3E-4D68-A8F3-5DFBAFFCDE60}"/>
-              </a:ext>
-            </a:extLst>
-          </p:cNvPr>
-          <p:cNvSpPr txBox="1"/>
-          <p:nvPr userDrawn="1"/>
-        </p:nvSpPr>
-        <p:spPr>
-          <a:xfrm>
-            <a:off x="10784115" y="6152386"/>
-            <a:ext cx="1494971" cy="923330"/>
-          </a:xfrm>
-          <a:prstGeom prst="rect">
-            <a:avLst/>
-          </a:prstGeom>
-          <a:noFill/>
-        </p:spPr>
-        <p:txBody>
-          <a:bodyPr wrap="square" rtlCol="0">
-            <a:spAutoFit/>
+        <p:txBody>
+          <a:bodyPr>
+            <a:normAutofit/>
           </a:bodyPr>
-          <a:lstStyle/>
-          <a:p>
-            <a:pPr marL="0" marR="0" lvl="0" indent="0" algn="l" defTabSz="914400" rtl="0" eaLnBrk="1" fontAlgn="auto" latinLnBrk="0" hangingPunct="1">
-              <a:lnSpc>
-                <a:spcPct val="100000"/>
-              </a:lnSpc>
-              <a:spcBef>
-                <a:spcPts val="0"/>
-              </a:spcBef>
-              <a:spcAft>
-                <a:spcPts val="0"/>
-              </a:spcAft>
-              <a:buClrTx/>
-              <a:buSzTx/>
-              <a:buFontTx/>
-              <a:buNone/>
-              <a:tabLst/>
-              <a:defRPr/>
-            </a:pPr>
-            <a:r>
-              <a:rPr kumimoji="0" lang="en-US" sz="5400" b="0" i="0" u="none" strike="noStrike" kern="1200" cap="none" spc="0" normalizeH="0" baseline="0" noProof="0" dirty="0" err="1">
+          <a:lstStyle>
+            <a:lvl1pPr marL="0" indent="0" algn="l">
+              <a:buNone/>
+              <a:defRPr kumimoji="0" lang="en-ID" sz="2000" b="1" i="0" u="none" strike="noStrike" kern="1200" cap="none" spc="0" normalizeH="0" baseline="0" noProof="0" dirty="0">
                 <a:ln>
                   <a:noFill/>
                 </a:ln>
                 <a:solidFill>
-                  <a:srgbClr val="C00000"/>
+                  <a:srgbClr val="4472C4">
+                    <a:lumMod val="75000"/>
+                  </a:srgbClr>
                 </a:solidFill>
                 <a:effectLst/>
                 <a:uLnTx/>
                 <a:uFillTx/>
-                <a:latin typeface="Stencil" panose="040409050D0802020404" pitchFamily="82" charset="0"/>
+                <a:latin typeface="Aptos" panose="02110004020202020204"/>
                 <a:ea typeface="+mn-ea"/>
                 <a:cs typeface="+mn-cs"/>
-              </a:rPr>
-              <a:t>abl</a:t>
-            </a:r>
-            <a:endParaRPr kumimoji="0" lang="en-US" sz="5400" b="0" i="0" u="none" strike="noStrike" kern="1200" cap="none" spc="0" normalizeH="0" baseline="0" noProof="0" dirty="0">
-              <a:ln>
-                <a:noFill/>
-              </a:ln>
-              <a:solidFill>
-                <a:srgbClr val="C00000"/>
-              </a:solidFill>
-              <a:effectLst/>
-              <a:uLnTx/>
-              <a:uFillTx/>
-              <a:latin typeface="Stencil" panose="040409050D0802020404" pitchFamily="82" charset="0"/>
-              <a:ea typeface="+mn-ea"/>
-              <a:cs typeface="+mn-cs"/>
-            </a:endParaRPr>
-          </a:p>
-        </p:txBody>
-      </p:sp>
-      <p:sp>
-        <p:nvSpPr>
-          <p:cNvPr id="11" name="Rectangle 7">
-            <a:extLst>
-              <a:ext uri="{FF2B5EF4-FFF2-40B4-BE49-F238E27FC236}">
-                <a16:creationId xmlns:a16="http://schemas.microsoft.com/office/drawing/2014/main" id="{3940E22C-69AF-48C0-A80A-84201F7889A1}"/>
-              </a:ext>
-            </a:extLst>
-          </p:cNvPr>
-          <p:cNvSpPr/>
-          <p:nvPr userDrawn="1"/>
-        </p:nvSpPr>
-        <p:spPr>
-          <a:xfrm>
-            <a:off x="325" y="6299200"/>
-            <a:ext cx="3870478" cy="558801"/>
-          </a:xfrm>
-          <a:custGeom>
-            <a:avLst/>
-            <a:gdLst>
-              <a:gd name="connsiteX0" fmla="*/ 0 w 4016188"/>
-              <a:gd name="connsiteY0" fmla="*/ 0 h 143436"/>
-              <a:gd name="connsiteX1" fmla="*/ 4016188 w 4016188"/>
-              <a:gd name="connsiteY1" fmla="*/ 0 h 143436"/>
-              <a:gd name="connsiteX2" fmla="*/ 4016188 w 4016188"/>
-              <a:gd name="connsiteY2" fmla="*/ 143436 h 143436"/>
-              <a:gd name="connsiteX3" fmla="*/ 0 w 4016188"/>
-              <a:gd name="connsiteY3" fmla="*/ 143436 h 143436"/>
-              <a:gd name="connsiteX4" fmla="*/ 0 w 4016188"/>
-              <a:gd name="connsiteY4" fmla="*/ 0 h 143436"/>
-              <a:gd name="connsiteX0" fmla="*/ 0 w 4016188"/>
-              <a:gd name="connsiteY0" fmla="*/ 8965 h 152401"/>
-              <a:gd name="connsiteX1" fmla="*/ 3881717 w 4016188"/>
-              <a:gd name="connsiteY1" fmla="*/ 0 h 152401"/>
-              <a:gd name="connsiteX2" fmla="*/ 4016188 w 4016188"/>
-              <a:gd name="connsiteY2" fmla="*/ 152401 h 152401"/>
-              <a:gd name="connsiteX3" fmla="*/ 0 w 4016188"/>
-              <a:gd name="connsiteY3" fmla="*/ 152401 h 152401"/>
-              <a:gd name="connsiteX4" fmla="*/ 0 w 4016188"/>
-              <a:gd name="connsiteY4" fmla="*/ 8965 h 152401"/>
-              <a:gd name="connsiteX0" fmla="*/ 0 w 4016188"/>
-              <a:gd name="connsiteY0" fmla="*/ 8965 h 152401"/>
-              <a:gd name="connsiteX1" fmla="*/ 3863787 w 4016188"/>
-              <a:gd name="connsiteY1" fmla="*/ 0 h 152401"/>
-              <a:gd name="connsiteX2" fmla="*/ 4016188 w 4016188"/>
-              <a:gd name="connsiteY2" fmla="*/ 152401 h 152401"/>
-              <a:gd name="connsiteX3" fmla="*/ 0 w 4016188"/>
-              <a:gd name="connsiteY3" fmla="*/ 152401 h 152401"/>
-              <a:gd name="connsiteX4" fmla="*/ 0 w 4016188"/>
-              <a:gd name="connsiteY4" fmla="*/ 8965 h 152401"/>
-              <a:gd name="connsiteX0" fmla="*/ 0 w 4016188"/>
-              <a:gd name="connsiteY0" fmla="*/ 6559 h 149995"/>
-              <a:gd name="connsiteX1" fmla="*/ 3885444 w 4016188"/>
-              <a:gd name="connsiteY1" fmla="*/ 0 h 149995"/>
-              <a:gd name="connsiteX2" fmla="*/ 4016188 w 4016188"/>
-              <a:gd name="connsiteY2" fmla="*/ 149995 h 149995"/>
-              <a:gd name="connsiteX3" fmla="*/ 0 w 4016188"/>
-              <a:gd name="connsiteY3" fmla="*/ 149995 h 149995"/>
-              <a:gd name="connsiteX4" fmla="*/ 0 w 4016188"/>
-              <a:gd name="connsiteY4" fmla="*/ 6559 h 149995"/>
-              <a:gd name="connsiteX0" fmla="*/ 0 w 4016188"/>
-              <a:gd name="connsiteY0" fmla="*/ 8965 h 152401"/>
-              <a:gd name="connsiteX1" fmla="*/ 3861381 w 4016188"/>
-              <a:gd name="connsiteY1" fmla="*/ 0 h 152401"/>
-              <a:gd name="connsiteX2" fmla="*/ 4016188 w 4016188"/>
-              <a:gd name="connsiteY2" fmla="*/ 152401 h 152401"/>
-              <a:gd name="connsiteX3" fmla="*/ 0 w 4016188"/>
-              <a:gd name="connsiteY3" fmla="*/ 152401 h 152401"/>
-              <a:gd name="connsiteX4" fmla="*/ 0 w 4016188"/>
-              <a:gd name="connsiteY4" fmla="*/ 8965 h 152401"/>
-              <a:gd name="connsiteX0" fmla="*/ 0 w 4021601"/>
-              <a:gd name="connsiteY0" fmla="*/ 829 h 152401"/>
-              <a:gd name="connsiteX1" fmla="*/ 3866794 w 4021601"/>
-              <a:gd name="connsiteY1" fmla="*/ 0 h 152401"/>
-              <a:gd name="connsiteX2" fmla="*/ 4021601 w 4021601"/>
-              <a:gd name="connsiteY2" fmla="*/ 152401 h 152401"/>
-              <a:gd name="connsiteX3" fmla="*/ 5413 w 4021601"/>
-              <a:gd name="connsiteY3" fmla="*/ 152401 h 152401"/>
-              <a:gd name="connsiteX4" fmla="*/ 0 w 4021601"/>
-              <a:gd name="connsiteY4" fmla="*/ 829 h 152401"/>
-              <a:gd name="connsiteX0" fmla="*/ 0 w 4021601"/>
-              <a:gd name="connsiteY0" fmla="*/ 0 h 151572"/>
-              <a:gd name="connsiteX1" fmla="*/ 3728015 w 4021601"/>
-              <a:gd name="connsiteY1" fmla="*/ 8588 h 151572"/>
-              <a:gd name="connsiteX2" fmla="*/ 4021601 w 4021601"/>
-              <a:gd name="connsiteY2" fmla="*/ 151572 h 151572"/>
-              <a:gd name="connsiteX3" fmla="*/ 5413 w 4021601"/>
-              <a:gd name="connsiteY3" fmla="*/ 151572 h 151572"/>
-              <a:gd name="connsiteX4" fmla="*/ 0 w 4021601"/>
-              <a:gd name="connsiteY4" fmla="*/ 0 h 151572"/>
-              <a:gd name="connsiteX0" fmla="*/ 0 w 4021601"/>
-              <a:gd name="connsiteY0" fmla="*/ 0 h 151572"/>
-              <a:gd name="connsiteX1" fmla="*/ 3461132 w 4021601"/>
-              <a:gd name="connsiteY1" fmla="*/ 5449 h 151572"/>
-              <a:gd name="connsiteX2" fmla="*/ 4021601 w 4021601"/>
-              <a:gd name="connsiteY2" fmla="*/ 151572 h 151572"/>
-              <a:gd name="connsiteX3" fmla="*/ 5413 w 4021601"/>
-              <a:gd name="connsiteY3" fmla="*/ 151572 h 151572"/>
-              <a:gd name="connsiteX4" fmla="*/ 0 w 4021601"/>
-              <a:gd name="connsiteY4" fmla="*/ 0 h 151572"/>
-              <a:gd name="connsiteX0" fmla="*/ 0 w 4021601"/>
-              <a:gd name="connsiteY0" fmla="*/ 0 h 151572"/>
-              <a:gd name="connsiteX1" fmla="*/ 3525184 w 4021601"/>
-              <a:gd name="connsiteY1" fmla="*/ 5449 h 151572"/>
-              <a:gd name="connsiteX2" fmla="*/ 4021601 w 4021601"/>
-              <a:gd name="connsiteY2" fmla="*/ 151572 h 151572"/>
-              <a:gd name="connsiteX3" fmla="*/ 5413 w 4021601"/>
-              <a:gd name="connsiteY3" fmla="*/ 151572 h 151572"/>
-              <a:gd name="connsiteX4" fmla="*/ 0 w 4021601"/>
-              <a:gd name="connsiteY4" fmla="*/ 0 h 151572"/>
-              <a:gd name="connsiteX0" fmla="*/ 0 w 4021601"/>
-              <a:gd name="connsiteY0" fmla="*/ 0 h 151572"/>
-              <a:gd name="connsiteX1" fmla="*/ 3599912 w 4021601"/>
-              <a:gd name="connsiteY1" fmla="*/ 5449 h 151572"/>
-              <a:gd name="connsiteX2" fmla="*/ 4021601 w 4021601"/>
-              <a:gd name="connsiteY2" fmla="*/ 151572 h 151572"/>
-              <a:gd name="connsiteX3" fmla="*/ 5413 w 4021601"/>
-              <a:gd name="connsiteY3" fmla="*/ 151572 h 151572"/>
-              <a:gd name="connsiteX4" fmla="*/ 0 w 4021601"/>
-              <a:gd name="connsiteY4" fmla="*/ 0 h 151572"/>
-              <a:gd name="connsiteX0" fmla="*/ 0 w 4021601"/>
-              <a:gd name="connsiteY0" fmla="*/ 0 h 151572"/>
-              <a:gd name="connsiteX1" fmla="*/ 3535860 w 4021601"/>
-              <a:gd name="connsiteY1" fmla="*/ 8588 h 151572"/>
-              <a:gd name="connsiteX2" fmla="*/ 4021601 w 4021601"/>
-              <a:gd name="connsiteY2" fmla="*/ 151572 h 151572"/>
-              <a:gd name="connsiteX3" fmla="*/ 5413 w 4021601"/>
-              <a:gd name="connsiteY3" fmla="*/ 151572 h 151572"/>
-              <a:gd name="connsiteX4" fmla="*/ 0 w 4021601"/>
-              <a:gd name="connsiteY4" fmla="*/ 0 h 151572"/>
-            </a:gdLst>
-            <a:ahLst/>
-            <a:cxnLst>
-              <a:cxn ang="0">
-                <a:pos x="connsiteX0" y="connsiteY0"/>
-              </a:cxn>
-              <a:cxn ang="0">
-                <a:pos x="connsiteX1" y="connsiteY1"/>
-              </a:cxn>
-              <a:cxn ang="0">
-                <a:pos x="connsiteX2" y="connsiteY2"/>
-              </a:cxn>
-              <a:cxn ang="0">
-                <a:pos x="connsiteX3" y="connsiteY3"/>
-              </a:cxn>
-              <a:cxn ang="0">
-                <a:pos x="connsiteX4" y="connsiteY4"/>
-              </a:cxn>
-            </a:cxnLst>
-            <a:rect l="l" t="t" r="r" b="b"/>
-            <a:pathLst>
-              <a:path w="4021601" h="151572">
-                <a:moveTo>
-                  <a:pt x="0" y="0"/>
-                </a:moveTo>
-                <a:lnTo>
-                  <a:pt x="3535860" y="8588"/>
-                </a:lnTo>
-                <a:lnTo>
-                  <a:pt x="4021601" y="151572"/>
-                </a:lnTo>
-                <a:lnTo>
-                  <a:pt x="5413" y="151572"/>
-                </a:lnTo>
-                <a:lnTo>
-                  <a:pt x="0" y="0"/>
-                </a:lnTo>
-                <a:close/>
-              </a:path>
-            </a:pathLst>
-          </a:custGeom>
-          <a:solidFill>
-            <a:srgbClr val="C00000"/>
-          </a:solidFill>
-          <a:ln>
-            <a:noFill/>
-          </a:ln>
-        </p:spPr>
-        <p:style>
-          <a:lnRef idx="2">
-            <a:schemeClr val="accent1">
-              <a:shade val="50000"/>
-            </a:schemeClr>
-          </a:lnRef>
-          <a:fillRef idx="1">
-            <a:schemeClr val="accent1"/>
-          </a:fillRef>
-          <a:effectRef idx="0">
-            <a:schemeClr val="accent1"/>
-          </a:effectRef>
-          <a:fontRef idx="minor">
-            <a:schemeClr val="lt1"/>
-          </a:fontRef>
-        </p:style>
-        <p:txBody>
-          <a:bodyPr rtlCol="0" anchor="ctr"/>
-          <a:lstStyle/>
-          <a:p>
-            <a:pPr marL="0" marR="0" lvl="0" indent="0" algn="l" defTabSz="914400" rtl="0" eaLnBrk="1" fontAlgn="auto" latinLnBrk="0" hangingPunct="1">
-              <a:lnSpc>
-                <a:spcPct val="100000"/>
-              </a:lnSpc>
-              <a:spcBef>
-                <a:spcPts val="0"/>
-              </a:spcBef>
-              <a:spcAft>
-                <a:spcPts val="0"/>
-              </a:spcAft>
-              <a:buClrTx/>
-              <a:buSzTx/>
-              <a:buFontTx/>
-              <a:buNone/>
-              <a:tabLst/>
-              <a:defRPr/>
-            </a:pPr>
-            <a:endParaRPr kumimoji="0" lang="en-ID" sz="3200" b="1" i="0" u="none" strike="noStrike" kern="1200" cap="none" spc="300" normalizeH="0" baseline="0" noProof="0" dirty="0">
-              <a:ln>
-                <a:noFill/>
-              </a:ln>
-              <a:solidFill>
-                <a:prstClr val="white"/>
-              </a:solidFill>
-              <a:effectLst/>
-              <a:uLnTx/>
-              <a:uFillTx/>
-              <a:latin typeface="Bernard MT Condensed" panose="02050806060905020404" pitchFamily="18" charset="0"/>
-              <a:ea typeface="+mn-ea"/>
-              <a:cs typeface="+mn-cs"/>
-            </a:endParaRPr>
-          </a:p>
-        </p:txBody>
-      </p:sp>
-      <p:sp>
-        <p:nvSpPr>
-          <p:cNvPr id="3" name="Content Placeholder 2">
-            <a:extLst>
-              <a:ext uri="{FF2B5EF4-FFF2-40B4-BE49-F238E27FC236}">
-                <a16:creationId xmlns:a16="http://schemas.microsoft.com/office/drawing/2014/main" id="{C9895AD6-EAB7-435B-8CDD-6B6035F350D1}"/>
-              </a:ext>
-            </a:extLst>
-          </p:cNvPr>
-          <p:cNvSpPr>
-            <a:spLocks noGrp="1"/>
-          </p:cNvSpPr>
-          <p:nvPr>
-            <p:ph sz="quarter" idx="10"/>
-          </p:nvPr>
-        </p:nvSpPr>
-        <p:spPr>
-          <a:xfrm>
-            <a:off x="98198" y="131458"/>
-            <a:ext cx="11977688" cy="825500"/>
-          </a:xfrm>
-          <a:ln w="28575">
-            <a:solidFill>
-              <a:srgbClr val="C00000"/>
-            </a:solidFill>
-          </a:ln>
-        </p:spPr>
-        <p:txBody>
-          <a:bodyPr>
-            <a:normAutofit/>
-          </a:bodyPr>
-          <a:lstStyle>
-            <a:lvl1pPr marL="0" indent="0" algn="ctr">
-              <a:buNone/>
-              <a:defRPr sz="2400" b="1"/>
+              </a:defRPr>
             </a:lvl1pPr>
           </a:lstStyle>
           <a:p>
@@ -4481,47 +2459,6 @@
           </a:p>
         </p:txBody>
       </p:sp>
-      <p:cxnSp>
-        <p:nvCxnSpPr>
-          <p:cNvPr id="18" name="Straight Connector 17">
-            <a:extLst>
-              <a:ext uri="{FF2B5EF4-FFF2-40B4-BE49-F238E27FC236}">
-                <a16:creationId xmlns:a16="http://schemas.microsoft.com/office/drawing/2014/main" id="{E3A9A8B2-4E94-400D-86AD-BF2294328BD4}"/>
-              </a:ext>
-            </a:extLst>
-          </p:cNvPr>
-          <p:cNvCxnSpPr/>
-          <p:nvPr userDrawn="1"/>
-        </p:nvCxnSpPr>
-        <p:spPr>
-          <a:xfrm>
-            <a:off x="3120570" y="6342745"/>
-            <a:ext cx="8040916" cy="29027"/>
-          </a:xfrm>
-          <a:prstGeom prst="line">
-            <a:avLst/>
-          </a:prstGeom>
-          <a:ln w="28575">
-            <a:solidFill>
-              <a:srgbClr val="C00000"/>
-            </a:solidFill>
-          </a:ln>
-        </p:spPr>
-        <p:style>
-          <a:lnRef idx="1">
-            <a:schemeClr val="accent1"/>
-          </a:lnRef>
-          <a:fillRef idx="0">
-            <a:schemeClr val="accent1"/>
-          </a:fillRef>
-          <a:effectRef idx="0">
-            <a:schemeClr val="accent1"/>
-          </a:effectRef>
-          <a:fontRef idx="minor">
-            <a:schemeClr val="tx1"/>
-          </a:fontRef>
-        </p:style>
-      </p:cxnSp>
       <p:sp>
         <p:nvSpPr>
           <p:cNvPr id="12" name="Text Placeholder 2">
@@ -4540,7 +2477,7 @@
         </p:nvSpPr>
         <p:spPr>
           <a:xfrm>
-            <a:off x="710" y="6338387"/>
+            <a:off x="0" y="6300894"/>
             <a:ext cx="3870325" cy="515937"/>
           </a:xfrm>
         </p:spPr>
@@ -4563,10 +2500,170 @@
           </a:p>
         </p:txBody>
       </p:sp>
+      <p:pic>
+        <p:nvPicPr>
+          <p:cNvPr id="13" name="Picture 12" descr="A blue and pink logo&#10;&#10;Description automatically generated">
+            <a:extLst>
+              <a:ext uri="{FF2B5EF4-FFF2-40B4-BE49-F238E27FC236}">
+                <a16:creationId xmlns:a16="http://schemas.microsoft.com/office/drawing/2014/main" id="{0A971459-2DD7-44BF-8293-0BE08414C123}"/>
+              </a:ext>
+            </a:extLst>
+          </p:cNvPr>
+          <p:cNvPicPr>
+            <a:picLocks noChangeAspect="1"/>
+          </p:cNvPicPr>
+          <p:nvPr userDrawn="1"/>
+        </p:nvPicPr>
+        <p:blipFill>
+          <a:blip r:embed="rId2">
+            <a:extLst>
+              <a:ext uri="{28A0092B-C50C-407E-A947-70E740481C1C}">
+                <a14:useLocalDpi xmlns:a14="http://schemas.microsoft.com/office/drawing/2010/main" val="0"/>
+              </a:ext>
+            </a:extLst>
+          </a:blip>
+          <a:stretch>
+            <a:fillRect/>
+          </a:stretch>
+        </p:blipFill>
+        <p:spPr>
+          <a:xfrm>
+            <a:off x="4970706" y="6408436"/>
+            <a:ext cx="2284862" cy="324000"/>
+          </a:xfrm>
+          <a:prstGeom prst="rect">
+            <a:avLst/>
+          </a:prstGeom>
+        </p:spPr>
+      </p:pic>
+      <p:cxnSp>
+        <p:nvCxnSpPr>
+          <p:cNvPr id="14" name="Straight Connector 13">
+            <a:extLst>
+              <a:ext uri="{FF2B5EF4-FFF2-40B4-BE49-F238E27FC236}">
+                <a16:creationId xmlns:a16="http://schemas.microsoft.com/office/drawing/2014/main" id="{632AB0A7-1CEA-42FF-A104-B4FE1779FD1B}"/>
+              </a:ext>
+            </a:extLst>
+          </p:cNvPr>
+          <p:cNvCxnSpPr>
+            <a:cxnSpLocks/>
+          </p:cNvCxnSpPr>
+          <p:nvPr userDrawn="1"/>
+        </p:nvCxnSpPr>
+        <p:spPr>
+          <a:xfrm>
+            <a:off x="311642" y="6300894"/>
+            <a:ext cx="11602990" cy="0"/>
+          </a:xfrm>
+          <a:prstGeom prst="line">
+            <a:avLst/>
+          </a:prstGeom>
+          <a:ln w="38100">
+            <a:solidFill>
+              <a:schemeClr val="bg1">
+                <a:lumMod val="75000"/>
+              </a:schemeClr>
+            </a:solidFill>
+          </a:ln>
+        </p:spPr>
+        <p:style>
+          <a:lnRef idx="2">
+            <a:schemeClr val="accent1"/>
+          </a:lnRef>
+          <a:fillRef idx="0">
+            <a:schemeClr val="accent1"/>
+          </a:fillRef>
+          <a:effectRef idx="1">
+            <a:schemeClr val="accent1"/>
+          </a:effectRef>
+          <a:fontRef idx="minor">
+            <a:schemeClr val="tx1"/>
+          </a:fontRef>
+        </p:style>
+      </p:cxnSp>
+      <p:cxnSp>
+        <p:nvCxnSpPr>
+          <p:cNvPr id="16" name="Straight Connector 15">
+            <a:extLst>
+              <a:ext uri="{FF2B5EF4-FFF2-40B4-BE49-F238E27FC236}">
+                <a16:creationId xmlns:a16="http://schemas.microsoft.com/office/drawing/2014/main" id="{08E60D9E-4B93-48A4-9F66-A3BE03B42A1A}"/>
+              </a:ext>
+            </a:extLst>
+          </p:cNvPr>
+          <p:cNvCxnSpPr/>
+          <p:nvPr userDrawn="1"/>
+        </p:nvCxnSpPr>
+        <p:spPr>
+          <a:xfrm>
+            <a:off x="311642" y="1051560"/>
+            <a:ext cx="11602990" cy="0"/>
+          </a:xfrm>
+          <a:prstGeom prst="line">
+            <a:avLst/>
+          </a:prstGeom>
+          <a:ln w="38100">
+            <a:solidFill>
+              <a:schemeClr val="bg1">
+                <a:lumMod val="75000"/>
+              </a:schemeClr>
+            </a:solidFill>
+          </a:ln>
+        </p:spPr>
+        <p:style>
+          <a:lnRef idx="2">
+            <a:schemeClr val="accent1"/>
+          </a:lnRef>
+          <a:fillRef idx="0">
+            <a:schemeClr val="accent1"/>
+          </a:fillRef>
+          <a:effectRef idx="1">
+            <a:schemeClr val="accent1"/>
+          </a:effectRef>
+          <a:fontRef idx="minor">
+            <a:schemeClr val="tx1"/>
+          </a:fontRef>
+        </p:style>
+      </p:cxnSp>
+      <p:pic>
+        <p:nvPicPr>
+          <p:cNvPr id="17" name="Picture 16" descr="A red and black logo&#10;&#10;Description automatically generated">
+            <a:extLst>
+              <a:ext uri="{FF2B5EF4-FFF2-40B4-BE49-F238E27FC236}">
+                <a16:creationId xmlns:a16="http://schemas.microsoft.com/office/drawing/2014/main" id="{B0FA5897-6485-4343-921F-61F542C3B666}"/>
+              </a:ext>
+            </a:extLst>
+          </p:cNvPr>
+          <p:cNvPicPr>
+            <a:picLocks noChangeAspect="1"/>
+          </p:cNvPicPr>
+          <p:nvPr userDrawn="1"/>
+        </p:nvPicPr>
+        <p:blipFill>
+          <a:blip r:embed="rId3">
+            <a:extLst>
+              <a:ext uri="{28A0092B-C50C-407E-A947-70E740481C1C}">
+                <a14:useLocalDpi xmlns:a14="http://schemas.microsoft.com/office/drawing/2010/main" val="0"/>
+              </a:ext>
+            </a:extLst>
+          </a:blip>
+          <a:stretch>
+            <a:fillRect/>
+          </a:stretch>
+        </p:blipFill>
+        <p:spPr>
+          <a:xfrm>
+            <a:off x="10214194" y="234717"/>
+            <a:ext cx="1666164" cy="540000"/>
+          </a:xfrm>
+          <a:prstGeom prst="rect">
+            <a:avLst/>
+          </a:prstGeom>
+        </p:spPr>
+      </p:pic>
     </p:spTree>
     <p:extLst>
       <p:ext uri="{BB962C8B-B14F-4D97-AF65-F5344CB8AC3E}">
-        <p14:creationId xmlns:p14="http://schemas.microsoft.com/office/powerpoint/2010/main" val="1601870444"/>
+        <p14:creationId xmlns:p14="http://schemas.microsoft.com/office/powerpoint/2010/main" val="540659320"/>
       </p:ext>
     </p:extLst>
   </p:cSld>
@@ -4779,7 +2876,7 @@
           <a:p>
             <a:fld id="{536FDD0A-57AF-4A80-93F2-40827A609B2E}" type="datetimeFigureOut">
               <a:rPr lang="en-ID" smtClean="0"/>
-              <a:t>09/10/2023</a:t>
+              <a:t>03/09/2024</a:t>
             </a:fld>
             <a:endParaRPr lang="en-ID"/>
           </a:p>
@@ -5047,7 +3144,7 @@
           <a:p>
             <a:fld id="{536FDD0A-57AF-4A80-93F2-40827A609B2E}" type="datetimeFigureOut">
               <a:rPr lang="en-ID" smtClean="0"/>
-              <a:t>09/10/2023</a:t>
+              <a:t>03/09/2024</a:t>
             </a:fld>
             <a:endParaRPr lang="en-ID"/>
           </a:p>
@@ -5462,7 +3559,7 @@
           <a:p>
             <a:fld id="{536FDD0A-57AF-4A80-93F2-40827A609B2E}" type="datetimeFigureOut">
               <a:rPr lang="en-ID" smtClean="0"/>
-              <a:t>09/10/2023</a:t>
+              <a:t>03/09/2024</a:t>
             </a:fld>
             <a:endParaRPr lang="en-ID"/>
           </a:p>
@@ -5575,7 +3672,7 @@
           <a:p>
             <a:fld id="{536FDD0A-57AF-4A80-93F2-40827A609B2E}" type="datetimeFigureOut">
               <a:rPr lang="en-ID" smtClean="0"/>
-              <a:t>09/10/2023</a:t>
+              <a:t>03/09/2024</a:t>
             </a:fld>
             <a:endParaRPr lang="en-ID"/>
           </a:p>
@@ -5888,7 +3985,7 @@
           <a:p>
             <a:fld id="{536FDD0A-57AF-4A80-93F2-40827A609B2E}" type="datetimeFigureOut">
               <a:rPr lang="en-ID" smtClean="0"/>
-              <a:t>09/10/2023</a:t>
+              <a:t>03/09/2024</a:t>
             </a:fld>
             <a:endParaRPr lang="en-ID"/>
           </a:p>
@@ -6131,7 +4228,7 @@
           <a:p>
             <a:fld id="{536FDD0A-57AF-4A80-93F2-40827A609B2E}" type="datetimeFigureOut">
               <a:rPr lang="en-ID" smtClean="0"/>
-              <a:t>09/10/2023</a:t>
+              <a:t>03/09/2024</a:t>
             </a:fld>
             <a:endParaRPr lang="en-ID"/>
           </a:p>
@@ -6237,9 +4334,9 @@
   <p:clrMap bg1="lt1" tx1="dk1" bg2="lt2" tx2="dk2" accent1="accent1" accent2="accent2" accent3="accent3" accent4="accent4" accent5="accent5" accent6="accent6" hlink="hlink" folHlink="folHlink"/>
   <p:sldLayoutIdLst>
     <p:sldLayoutId id="2147483649" r:id="rId1"/>
-    <p:sldLayoutId id="2147483660" r:id="rId2"/>
-    <p:sldLayoutId id="2147483661" r:id="rId3"/>
-    <p:sldLayoutId id="2147483650" r:id="rId4"/>
+    <p:sldLayoutId id="2147483662" r:id="rId2"/>
+    <p:sldLayoutId id="2147483663" r:id="rId3"/>
+    <p:sldLayoutId id="2147483664" r:id="rId4"/>
     <p:sldLayoutId id="2147483651" r:id="rId5"/>
     <p:sldLayoutId id="2147483652" r:id="rId6"/>
     <p:sldLayoutId id="2147483653" r:id="rId7"/>
